--- a/TCC-documentos/Apresentacao/TCC_v3.pptx
+++ b/TCC-documentos/Apresentacao/TCC_v3.pptx
@@ -5,7 +5,7 @@
     <p:sldMasterId id="2147483648" r:id="rId1"/>
   </p:sldMasterIdLst>
   <p:notesMasterIdLst>
-    <p:notesMasterId r:id="rId26"/>
+    <p:notesMasterId r:id="rId31"/>
   </p:notesMasterIdLst>
   <p:sldIdLst>
     <p:sldId id="256" r:id="rId2"/>
@@ -19,19 +19,24 @@
     <p:sldId id="275" r:id="rId10"/>
     <p:sldId id="271" r:id="rId11"/>
     <p:sldId id="272" r:id="rId12"/>
-    <p:sldId id="274" r:id="rId13"/>
-    <p:sldId id="276" r:id="rId14"/>
-    <p:sldId id="277" r:id="rId15"/>
-    <p:sldId id="261" r:id="rId16"/>
-    <p:sldId id="281" r:id="rId17"/>
-    <p:sldId id="280" r:id="rId18"/>
-    <p:sldId id="279" r:id="rId19"/>
-    <p:sldId id="262" r:id="rId20"/>
-    <p:sldId id="263" r:id="rId21"/>
-    <p:sldId id="282" r:id="rId22"/>
-    <p:sldId id="264" r:id="rId23"/>
-    <p:sldId id="283" r:id="rId24"/>
-    <p:sldId id="284" r:id="rId25"/>
+    <p:sldId id="285" r:id="rId13"/>
+    <p:sldId id="274" r:id="rId14"/>
+    <p:sldId id="276" r:id="rId15"/>
+    <p:sldId id="277" r:id="rId16"/>
+    <p:sldId id="261" r:id="rId17"/>
+    <p:sldId id="286" r:id="rId18"/>
+    <p:sldId id="287" r:id="rId19"/>
+    <p:sldId id="288" r:id="rId20"/>
+    <p:sldId id="289" r:id="rId21"/>
+    <p:sldId id="281" r:id="rId22"/>
+    <p:sldId id="280" r:id="rId23"/>
+    <p:sldId id="279" r:id="rId24"/>
+    <p:sldId id="262" r:id="rId25"/>
+    <p:sldId id="263" r:id="rId26"/>
+    <p:sldId id="282" r:id="rId27"/>
+    <p:sldId id="264" r:id="rId28"/>
+    <p:sldId id="283" r:id="rId29"/>
+    <p:sldId id="284" r:id="rId30"/>
   </p:sldIdLst>
   <p:sldSz cx="12192000" cy="6858000"/>
   <p:notesSz cx="6858000" cy="9144000"/>
@@ -220,7 +225,7 @@
           <a:p>
             <a:fld id="{6F9B13F0-AD01-4A97-8BF1-3C60F0438B51}" type="datetimeFigureOut">
               <a:rPr lang="pt-BR" smtClean="0"/>
-              <a:t>07/09/2017</a:t>
+              <a:t>08/09/2017</a:t>
             </a:fld>
             <a:endParaRPr lang="pt-BR"/>
           </a:p>
@@ -897,6 +902,90 @@
 </p:notes>
 </file>
 
+<file path=ppt/notesSlides/notesSlide5.xml><?xml version="1.0" encoding="utf-8"?>
+<p:notes xmlns:a="http://schemas.openxmlformats.org/drawingml/2006/main" xmlns:r="http://schemas.openxmlformats.org/officeDocument/2006/relationships" xmlns:p="http://schemas.openxmlformats.org/presentationml/2006/main">
+  <p:cSld>
+    <p:spTree>
+      <p:nvGrpSpPr>
+        <p:cNvPr id="1" name=""/>
+        <p:cNvGrpSpPr/>
+        <p:nvPr/>
+      </p:nvGrpSpPr>
+      <p:grpSpPr>
+        <a:xfrm>
+          <a:off x="0" y="0"/>
+          <a:ext cx="0" cy="0"/>
+          <a:chOff x="0" y="0"/>
+          <a:chExt cx="0" cy="0"/>
+        </a:xfrm>
+      </p:grpSpPr>
+      <p:sp>
+        <p:nvSpPr>
+          <p:cNvPr id="2" name="Espaço Reservado para Imagem de Slide 1"/>
+          <p:cNvSpPr>
+            <a:spLocks noGrp="1" noRot="1" noChangeAspect="1"/>
+          </p:cNvSpPr>
+          <p:nvPr>
+            <p:ph type="sldImg"/>
+          </p:nvPr>
+        </p:nvSpPr>
+        <p:spPr/>
+      </p:sp>
+      <p:sp>
+        <p:nvSpPr>
+          <p:cNvPr id="3" name="Espaço Reservado para Anotações 2"/>
+          <p:cNvSpPr>
+            <a:spLocks noGrp="1"/>
+          </p:cNvSpPr>
+          <p:nvPr>
+            <p:ph type="body" idx="1"/>
+          </p:nvPr>
+        </p:nvSpPr>
+        <p:spPr/>
+        <p:txBody>
+          <a:bodyPr/>
+          <a:lstStyle/>
+          <a:p>
+            <a:endParaRPr lang="pt-BR" dirty="0"/>
+          </a:p>
+        </p:txBody>
+      </p:sp>
+      <p:sp>
+        <p:nvSpPr>
+          <p:cNvPr id="4" name="Espaço Reservado para Número de Slide 3"/>
+          <p:cNvSpPr>
+            <a:spLocks noGrp="1"/>
+          </p:cNvSpPr>
+          <p:nvPr>
+            <p:ph type="sldNum" sz="quarter" idx="10"/>
+          </p:nvPr>
+        </p:nvSpPr>
+        <p:spPr/>
+        <p:txBody>
+          <a:bodyPr/>
+          <a:lstStyle/>
+          <a:p>
+            <a:fld id="{F985E3CD-85B8-43CD-A31A-BE87A48B626F}" type="slidenum">
+              <a:rPr lang="pt-BR" smtClean="0"/>
+              <a:t>20</a:t>
+            </a:fld>
+            <a:endParaRPr lang="pt-BR"/>
+          </a:p>
+        </p:txBody>
+      </p:sp>
+    </p:spTree>
+    <p:extLst>
+      <p:ext uri="{BB962C8B-B14F-4D97-AF65-F5344CB8AC3E}">
+        <p14:creationId xmlns:p14="http://schemas.microsoft.com/office/powerpoint/2010/main" val="2111461824"/>
+      </p:ext>
+    </p:extLst>
+  </p:cSld>
+  <p:clrMapOvr>
+    <a:masterClrMapping/>
+  </p:clrMapOvr>
+</p:notes>
+</file>
+
 <file path=ppt/slideLayouts/slideLayout1.xml><?xml version="1.0" encoding="utf-8"?>
 <p:sldLayout xmlns:a="http://schemas.openxmlformats.org/drawingml/2006/main" xmlns:r="http://schemas.openxmlformats.org/officeDocument/2006/relationships" xmlns:p="http://schemas.openxmlformats.org/presentationml/2006/main" type="title" preserve="1">
   <p:cSld name="Slide de título">
@@ -1028,7 +1117,7 @@
           <a:p>
             <a:fld id="{F471F38B-4E73-4DA5-B5E1-E5A9D0323CCB}" type="datetimeFigureOut">
               <a:rPr lang="pt-BR" smtClean="0"/>
-              <a:t>07/09/2017</a:t>
+              <a:t>08/09/2017</a:t>
             </a:fld>
             <a:endParaRPr lang="pt-BR"/>
           </a:p>
@@ -1198,7 +1287,7 @@
           <a:p>
             <a:fld id="{F471F38B-4E73-4DA5-B5E1-E5A9D0323CCB}" type="datetimeFigureOut">
               <a:rPr lang="pt-BR" smtClean="0"/>
-              <a:t>07/09/2017</a:t>
+              <a:t>08/09/2017</a:t>
             </a:fld>
             <a:endParaRPr lang="pt-BR"/>
           </a:p>
@@ -1378,7 +1467,7 @@
           <a:p>
             <a:fld id="{F471F38B-4E73-4DA5-B5E1-E5A9D0323CCB}" type="datetimeFigureOut">
               <a:rPr lang="pt-BR" smtClean="0"/>
-              <a:t>07/09/2017</a:t>
+              <a:t>08/09/2017</a:t>
             </a:fld>
             <a:endParaRPr lang="pt-BR"/>
           </a:p>
@@ -1548,7 +1637,7 @@
           <a:p>
             <a:fld id="{F471F38B-4E73-4DA5-B5E1-E5A9D0323CCB}" type="datetimeFigureOut">
               <a:rPr lang="pt-BR" smtClean="0"/>
-              <a:t>07/09/2017</a:t>
+              <a:t>08/09/2017</a:t>
             </a:fld>
             <a:endParaRPr lang="pt-BR"/>
           </a:p>
@@ -1794,7 +1883,7 @@
           <a:p>
             <a:fld id="{F471F38B-4E73-4DA5-B5E1-E5A9D0323CCB}" type="datetimeFigureOut">
               <a:rPr lang="pt-BR" smtClean="0"/>
-              <a:t>07/09/2017</a:t>
+              <a:t>08/09/2017</a:t>
             </a:fld>
             <a:endParaRPr lang="pt-BR"/>
           </a:p>
@@ -2026,7 +2115,7 @@
           <a:p>
             <a:fld id="{F471F38B-4E73-4DA5-B5E1-E5A9D0323CCB}" type="datetimeFigureOut">
               <a:rPr lang="pt-BR" smtClean="0"/>
-              <a:t>07/09/2017</a:t>
+              <a:t>08/09/2017</a:t>
             </a:fld>
             <a:endParaRPr lang="pt-BR"/>
           </a:p>
@@ -2393,7 +2482,7 @@
           <a:p>
             <a:fld id="{F471F38B-4E73-4DA5-B5E1-E5A9D0323CCB}" type="datetimeFigureOut">
               <a:rPr lang="pt-BR" smtClean="0"/>
-              <a:t>07/09/2017</a:t>
+              <a:t>08/09/2017</a:t>
             </a:fld>
             <a:endParaRPr lang="pt-BR"/>
           </a:p>
@@ -2511,7 +2600,7 @@
           <a:p>
             <a:fld id="{F471F38B-4E73-4DA5-B5E1-E5A9D0323CCB}" type="datetimeFigureOut">
               <a:rPr lang="pt-BR" smtClean="0"/>
-              <a:t>07/09/2017</a:t>
+              <a:t>08/09/2017</a:t>
             </a:fld>
             <a:endParaRPr lang="pt-BR"/>
           </a:p>
@@ -2606,7 +2695,7 @@
           <a:p>
             <a:fld id="{F471F38B-4E73-4DA5-B5E1-E5A9D0323CCB}" type="datetimeFigureOut">
               <a:rPr lang="pt-BR" smtClean="0"/>
-              <a:t>07/09/2017</a:t>
+              <a:t>08/09/2017</a:t>
             </a:fld>
             <a:endParaRPr lang="pt-BR"/>
           </a:p>
@@ -2883,7 +2972,7 @@
           <a:p>
             <a:fld id="{F471F38B-4E73-4DA5-B5E1-E5A9D0323CCB}" type="datetimeFigureOut">
               <a:rPr lang="pt-BR" smtClean="0"/>
-              <a:t>07/09/2017</a:t>
+              <a:t>08/09/2017</a:t>
             </a:fld>
             <a:endParaRPr lang="pt-BR"/>
           </a:p>
@@ -3136,7 +3225,7 @@
           <a:p>
             <a:fld id="{F471F38B-4E73-4DA5-B5E1-E5A9D0323CCB}" type="datetimeFigureOut">
               <a:rPr lang="pt-BR" smtClean="0"/>
-              <a:t>07/09/2017</a:t>
+              <a:t>08/09/2017</a:t>
             </a:fld>
             <a:endParaRPr lang="pt-BR"/>
           </a:p>
@@ -3349,7 +3438,7 @@
           <a:p>
             <a:fld id="{F471F38B-4E73-4DA5-B5E1-E5A9D0323CCB}" type="datetimeFigureOut">
               <a:rPr lang="pt-BR" smtClean="0"/>
-              <a:t>07/09/2017</a:t>
+              <a:t>08/09/2017</a:t>
             </a:fld>
             <a:endParaRPr lang="pt-BR"/>
           </a:p>
@@ -3958,23 +4047,12 @@
             <a:pPr lvl="1"/>
             <a:r>
               <a:rPr lang="pt-BR" sz="3200" dirty="0" smtClean="0"/>
-              <a:t>Permite a comunicação de dispositivos com a rede interna do </a:t>
-            </a:r>
-            <a:r>
-              <a:rPr lang="pt-BR" sz="3200" dirty="0" smtClean="0"/>
-              <a:t>veículo</a:t>
+              <a:t>Permite a comunicação de dispositivos com a rede interna do veículo</a:t>
             </a:r>
           </a:p>
           <a:p>
             <a:pPr lvl="1"/>
             <a:endParaRPr lang="pt-BR" sz="3200" dirty="0"/>
-          </a:p>
-          <a:p>
-            <a:pPr lvl="1"/>
-            <a:r>
-              <a:rPr lang="pt-BR" sz="3200" dirty="0"/>
-              <a:t>(foto/diagrama)</a:t>
-            </a:r>
           </a:p>
           <a:p>
             <a:pPr lvl="1"/>
@@ -3985,6 +4063,82 @@
               <a:buNone/>
             </a:pPr>
             <a:endParaRPr lang="pt-BR" sz="3200" dirty="0" smtClean="0"/>
+          </a:p>
+        </p:txBody>
+      </p:sp>
+      <p:pic>
+        <p:nvPicPr>
+          <p:cNvPr id="4" name="Imagem 3"/>
+          <p:cNvPicPr>
+            <a:picLocks noChangeAspect="1"/>
+          </p:cNvPicPr>
+          <p:nvPr/>
+        </p:nvPicPr>
+        <p:blipFill>
+          <a:blip r:embed="rId2" cstate="print">
+            <a:extLst>
+              <a:ext uri="{28A0092B-C50C-407E-A947-70E740481C1C}">
+                <a14:useLocalDpi xmlns:a14="http://schemas.microsoft.com/office/drawing/2010/main" val="0"/>
+              </a:ext>
+            </a:extLst>
+          </a:blip>
+          <a:stretch>
+            <a:fillRect/>
+          </a:stretch>
+        </p:blipFill>
+        <p:spPr>
+          <a:xfrm>
+            <a:off x="2159005" y="4022823"/>
+            <a:ext cx="7503466" cy="2154140"/>
+          </a:xfrm>
+          <a:prstGeom prst="rect">
+            <a:avLst/>
+          </a:prstGeom>
+        </p:spPr>
+      </p:pic>
+      <p:sp>
+        <p:nvSpPr>
+          <p:cNvPr id="5" name="Elipse 4"/>
+          <p:cNvSpPr/>
+          <p:nvPr/>
+        </p:nvSpPr>
+        <p:spPr>
+          <a:xfrm>
+            <a:off x="2289633" y="4265386"/>
+            <a:ext cx="1600200" cy="2046514"/>
+          </a:xfrm>
+          <a:prstGeom prst="ellipse">
+            <a:avLst/>
+          </a:prstGeom>
+          <a:noFill/>
+          <a:ln w="57150">
+            <a:solidFill>
+              <a:srgbClr val="FF0000"/>
+            </a:solidFill>
+          </a:ln>
+        </p:spPr>
+        <p:style>
+          <a:lnRef idx="2">
+            <a:schemeClr val="accent1">
+              <a:shade val="50000"/>
+            </a:schemeClr>
+          </a:lnRef>
+          <a:fillRef idx="1">
+            <a:schemeClr val="accent1"/>
+          </a:fillRef>
+          <a:effectRef idx="0">
+            <a:schemeClr val="accent1"/>
+          </a:effectRef>
+          <a:fontRef idx="minor">
+            <a:schemeClr val="lt1"/>
+          </a:fontRef>
+        </p:style>
+        <p:txBody>
+          <a:bodyPr rtlCol="0" anchor="ctr"/>
+          <a:lstStyle/>
+          <a:p>
+            <a:pPr algn="ctr"/>
+            <a:endParaRPr lang="pt-BR"/>
           </a:p>
         </p:txBody>
       </p:sp>
@@ -4102,27 +4256,11 @@
             <a:pPr lvl="1"/>
             <a:r>
               <a:rPr lang="pt-BR" sz="3200" dirty="0" smtClean="0"/>
-              <a:t>Oferece conectividade USB ou </a:t>
-            </a:r>
-            <a:r>
-              <a:rPr lang="pt-BR" sz="3200" dirty="0" smtClean="0"/>
-              <a:t>Bluetooth</a:t>
+              <a:t>Oferece conectividade USB ou Bluetooth</a:t>
             </a:r>
           </a:p>
           <a:p>
             <a:pPr lvl="1"/>
-            <a:endParaRPr lang="pt-BR" sz="3200" dirty="0"/>
-          </a:p>
-          <a:p>
-            <a:pPr lvl="1"/>
-            <a:r>
-              <a:rPr lang="pt-BR" sz="3200" dirty="0"/>
-              <a:t>(foto/diagrama</a:t>
-            </a:r>
-            <a:r>
-              <a:rPr lang="pt-BR" sz="3200" dirty="0" smtClean="0"/>
-              <a:t>)</a:t>
-            </a:r>
             <a:endParaRPr lang="pt-BR" sz="3200" dirty="0"/>
           </a:p>
         </p:txBody>
@@ -4199,7 +4337,12 @@
             <p:ph idx="1"/>
           </p:nvPr>
         </p:nvSpPr>
-        <p:spPr/>
+        <p:spPr>
+          <a:xfrm>
+            <a:off x="838200" y="1825625"/>
+            <a:ext cx="10515600" cy="4531632"/>
+          </a:xfrm>
+        </p:spPr>
         <p:txBody>
           <a:bodyPr>
             <a:normAutofit/>
@@ -4207,103 +4350,47 @@
           <a:lstStyle/>
           <a:p>
             <a:r>
-              <a:rPr lang="pt-BR" sz="3600" dirty="0"/>
-              <a:t>Parâmetros de requisição (</a:t>
-            </a:r>
-            <a:r>
-              <a:rPr lang="pt-BR" sz="3600" dirty="0" err="1"/>
-              <a:t>Mode</a:t>
-            </a:r>
-            <a:r>
-              <a:rPr lang="pt-BR" sz="3600" dirty="0"/>
-              <a:t>/PID</a:t>
-            </a:r>
-            <a:r>
               <a:rPr lang="pt-BR" sz="3600" dirty="0" smtClean="0"/>
-              <a:t>)</a:t>
-            </a:r>
-          </a:p>
-          <a:p>
-            <a:pPr lvl="1"/>
-            <a:r>
-              <a:rPr lang="pt-BR" sz="3200" dirty="0" smtClean="0"/>
-              <a:t>Toda requisição feita é composta por 2 bytes</a:t>
-            </a:r>
-          </a:p>
-          <a:p>
-            <a:pPr lvl="1"/>
-            <a:r>
-              <a:rPr lang="pt-BR" sz="3200" dirty="0" smtClean="0"/>
-              <a:t>1º Byte =&gt; </a:t>
-            </a:r>
-            <a:r>
-              <a:rPr lang="pt-BR" sz="3200" dirty="0" err="1" smtClean="0"/>
-              <a:t>Mode</a:t>
-            </a:r>
-            <a:r>
-              <a:rPr lang="pt-BR" sz="3200" dirty="0" smtClean="0"/>
-              <a:t> (“Modo)</a:t>
-            </a:r>
-          </a:p>
-          <a:p>
-            <a:pPr lvl="2"/>
-            <a:r>
-              <a:rPr lang="pt-BR" sz="2800" dirty="0" smtClean="0"/>
-              <a:t>Informa o tipo de dados que está sendo solicitado</a:t>
-            </a:r>
-          </a:p>
-          <a:p>
-            <a:pPr lvl="2"/>
-            <a:r>
-              <a:rPr lang="pt-BR" sz="2800" dirty="0" err="1" smtClean="0"/>
-              <a:t>Ex</a:t>
-            </a:r>
-            <a:r>
-              <a:rPr lang="pt-BR" sz="2800" dirty="0" smtClean="0"/>
-              <a:t>: dados atuais, códigos de problemas de diagnóstico, </a:t>
-            </a:r>
-            <a:r>
-              <a:rPr lang="pt-BR" sz="2800" dirty="0" err="1" smtClean="0"/>
-              <a:t>etc</a:t>
-            </a:r>
-            <a:endParaRPr lang="pt-BR" sz="2800" dirty="0"/>
-          </a:p>
-          <a:p>
-            <a:pPr lvl="1"/>
-            <a:r>
-              <a:rPr lang="pt-BR" sz="3200" dirty="0" smtClean="0"/>
-              <a:t>2º Byte =&gt; PID (“Id de parâmetro)</a:t>
-            </a:r>
-            <a:endParaRPr lang="pt-BR" sz="2800" dirty="0" smtClean="0"/>
-          </a:p>
-          <a:p>
-            <a:pPr lvl="2"/>
-            <a:r>
-              <a:rPr lang="pt-BR" sz="2800" dirty="0" smtClean="0"/>
-              <a:t>Especifica a informação requerida</a:t>
-            </a:r>
-          </a:p>
-          <a:p>
-            <a:pPr lvl="2"/>
-            <a:r>
-              <a:rPr lang="pt-BR" sz="2800" dirty="0" err="1" smtClean="0"/>
-              <a:t>Ex</a:t>
-            </a:r>
-            <a:r>
-              <a:rPr lang="pt-BR" sz="2800" dirty="0" smtClean="0"/>
-              <a:t>: id do sensor de temperatura do óleo</a:t>
-            </a:r>
-          </a:p>
-          <a:p>
-            <a:pPr lvl="1"/>
-            <a:endParaRPr lang="pt-BR" sz="3200" dirty="0" smtClean="0"/>
-          </a:p>
-        </p:txBody>
-      </p:sp>
+              <a:t>ELM327</a:t>
+            </a:r>
+            <a:endParaRPr lang="pt-BR" sz="3600" dirty="0" smtClean="0"/>
+          </a:p>
+        </p:txBody>
+      </p:sp>
+      <p:pic>
+        <p:nvPicPr>
+          <p:cNvPr id="4" name="Imagem 3"/>
+          <p:cNvPicPr>
+            <a:picLocks noChangeAspect="1"/>
+          </p:cNvPicPr>
+          <p:nvPr/>
+        </p:nvPicPr>
+        <p:blipFill>
+          <a:blip r:embed="rId2" cstate="print">
+            <a:extLst>
+              <a:ext uri="{28A0092B-C50C-407E-A947-70E740481C1C}">
+                <a14:useLocalDpi xmlns:a14="http://schemas.microsoft.com/office/drawing/2010/main" val="0"/>
+              </a:ext>
+            </a:extLst>
+          </a:blip>
+          <a:stretch>
+            <a:fillRect/>
+          </a:stretch>
+        </p:blipFill>
+        <p:spPr>
+          <a:xfrm>
+            <a:off x="2843197" y="2600636"/>
+            <a:ext cx="5560575" cy="2981609"/>
+          </a:xfrm>
+          <a:prstGeom prst="rect">
+            <a:avLst/>
+          </a:prstGeom>
+        </p:spPr>
+      </p:pic>
     </p:spTree>
     <p:extLst>
       <p:ext uri="{BB962C8B-B14F-4D97-AF65-F5344CB8AC3E}">
-        <p14:creationId xmlns:p14="http://schemas.microsoft.com/office/powerpoint/2010/main" val="3412792081"/>
+        <p14:creationId xmlns:p14="http://schemas.microsoft.com/office/powerpoint/2010/main" val="2080367096"/>
       </p:ext>
     </p:extLst>
   </p:cSld>
@@ -4400,39 +4487,14 @@
             <a:pPr lvl="1"/>
             <a:r>
               <a:rPr lang="pt-BR" sz="3200" dirty="0" smtClean="0"/>
-              <a:t>Exemplo</a:t>
-            </a:r>
-          </a:p>
-          <a:p>
-            <a:pPr marL="457200" lvl="1" indent="0">
-              <a:buNone/>
-            </a:pPr>
-            <a:endParaRPr lang="pt-BR" sz="3200" dirty="0"/>
-          </a:p>
-          <a:p>
-            <a:pPr marL="457200" lvl="1" indent="0">
-              <a:buNone/>
-            </a:pPr>
+              <a:t>Toda requisição feita é composta por 2 bytes</a:t>
+            </a:r>
+          </a:p>
+          <a:p>
+            <a:pPr lvl="1"/>
             <a:r>
               <a:rPr lang="pt-BR" sz="3200" dirty="0" smtClean="0"/>
-              <a:t>	</a:t>
-            </a:r>
-            <a:r>
-              <a:rPr lang="pt-BR" sz="3600" dirty="0" smtClean="0"/>
-              <a:t>“01 5C”</a:t>
-            </a:r>
-          </a:p>
-          <a:p>
-            <a:pPr marL="457200" lvl="1" indent="0">
-              <a:buNone/>
-            </a:pPr>
-            <a:r>
-              <a:rPr lang="pt-BR" sz="3200" dirty="0"/>
-              <a:t>	</a:t>
-            </a:r>
-            <a:r>
-              <a:rPr lang="pt-BR" sz="3200" dirty="0" smtClean="0"/>
-              <a:t>“01” =&gt; </a:t>
+              <a:t>1º Byte =&gt; </a:t>
             </a:r>
             <a:r>
               <a:rPr lang="pt-BR" sz="3200" dirty="0" err="1" smtClean="0"/>
@@ -4440,22 +4502,57 @@
             </a:r>
             <a:r>
               <a:rPr lang="pt-BR" sz="3200" dirty="0" smtClean="0"/>
-              <a:t> = mostrar dados atuais</a:t>
-            </a:r>
-          </a:p>
-          <a:p>
-            <a:pPr marL="457200" lvl="1" indent="0">
-              <a:buNone/>
-            </a:pPr>
-            <a:r>
-              <a:rPr lang="pt-BR" sz="3200" dirty="0"/>
-              <a:t>	</a:t>
-            </a:r>
+              <a:t> (“Modo)</a:t>
+            </a:r>
+          </a:p>
+          <a:p>
+            <a:pPr lvl="2"/>
+            <a:r>
+              <a:rPr lang="pt-BR" sz="2800" dirty="0" smtClean="0"/>
+              <a:t>Informa o tipo de dados que está sendo solicitado</a:t>
+            </a:r>
+          </a:p>
+          <a:p>
+            <a:pPr lvl="2"/>
+            <a:r>
+              <a:rPr lang="pt-BR" sz="2800" dirty="0" err="1" smtClean="0"/>
+              <a:t>Ex</a:t>
+            </a:r>
+            <a:r>
+              <a:rPr lang="pt-BR" sz="2800" dirty="0" smtClean="0"/>
+              <a:t>: dados atuais, códigos de problemas de diagnóstico, </a:t>
+            </a:r>
+            <a:r>
+              <a:rPr lang="pt-BR" sz="2800" dirty="0" err="1" smtClean="0"/>
+              <a:t>etc</a:t>
+            </a:r>
+            <a:endParaRPr lang="pt-BR" sz="2800" dirty="0"/>
+          </a:p>
+          <a:p>
+            <a:pPr lvl="1"/>
             <a:r>
               <a:rPr lang="pt-BR" sz="3200" dirty="0" smtClean="0"/>
-              <a:t>“5C” =&gt; PID = Id do sensor de temperatura do óleo</a:t>
+              <a:t>2º Byte =&gt; PID (“Id de parâmetro)</a:t>
             </a:r>
             <a:endParaRPr lang="pt-BR" sz="2800" dirty="0" smtClean="0"/>
+          </a:p>
+          <a:p>
+            <a:pPr lvl="2"/>
+            <a:r>
+              <a:rPr lang="pt-BR" sz="2800" dirty="0" smtClean="0"/>
+              <a:t>Especifica a informação requerida</a:t>
+            </a:r>
+          </a:p>
+          <a:p>
+            <a:pPr lvl="2"/>
+            <a:r>
+              <a:rPr lang="pt-BR" sz="2800" dirty="0" err="1" smtClean="0"/>
+              <a:t>Ex</a:t>
+            </a:r>
+            <a:r>
+              <a:rPr lang="pt-BR" sz="2800" dirty="0" smtClean="0"/>
+              <a:t>: id do sensor de temperatura do óleo</a:t>
+            </a:r>
           </a:p>
           <a:p>
             <a:pPr lvl="1"/>
@@ -4466,7 +4563,7 @@
     </p:spTree>
     <p:extLst>
       <p:ext uri="{BB962C8B-B14F-4D97-AF65-F5344CB8AC3E}">
-        <p14:creationId xmlns:p14="http://schemas.microsoft.com/office/powerpoint/2010/main" val="689506534"/>
+        <p14:creationId xmlns:p14="http://schemas.microsoft.com/office/powerpoint/2010/main" val="3412792081"/>
       </p:ext>
     </p:extLst>
   </p:cSld>
@@ -4502,6 +4599,169 @@
       </p:grpSpPr>
       <p:sp>
         <p:nvSpPr>
+          <p:cNvPr id="2" name="Título 1"/>
+          <p:cNvSpPr>
+            <a:spLocks noGrp="1"/>
+          </p:cNvSpPr>
+          <p:nvPr>
+            <p:ph type="title"/>
+          </p:nvPr>
+        </p:nvSpPr>
+        <p:spPr/>
+        <p:txBody>
+          <a:bodyPr>
+            <a:normAutofit/>
+          </a:bodyPr>
+          <a:lstStyle/>
+          <a:p>
+            <a:r>
+              <a:rPr lang="pt-BR" sz="5400" dirty="0" smtClean="0"/>
+              <a:t>Fundamentação Teórica</a:t>
+            </a:r>
+            <a:endParaRPr lang="pt-BR" sz="5400" dirty="0"/>
+          </a:p>
+        </p:txBody>
+      </p:sp>
+      <p:sp>
+        <p:nvSpPr>
+          <p:cNvPr id="3" name="Espaço Reservado para Conteúdo 2"/>
+          <p:cNvSpPr>
+            <a:spLocks noGrp="1"/>
+          </p:cNvSpPr>
+          <p:nvPr>
+            <p:ph idx="1"/>
+          </p:nvPr>
+        </p:nvSpPr>
+        <p:spPr/>
+        <p:txBody>
+          <a:bodyPr>
+            <a:normAutofit/>
+          </a:bodyPr>
+          <a:lstStyle/>
+          <a:p>
+            <a:r>
+              <a:rPr lang="pt-BR" sz="3600" dirty="0"/>
+              <a:t>Parâmetros de requisição (</a:t>
+            </a:r>
+            <a:r>
+              <a:rPr lang="pt-BR" sz="3600" dirty="0" err="1"/>
+              <a:t>Mode</a:t>
+            </a:r>
+            <a:r>
+              <a:rPr lang="pt-BR" sz="3600" dirty="0"/>
+              <a:t>/PID</a:t>
+            </a:r>
+            <a:r>
+              <a:rPr lang="pt-BR" sz="3600" dirty="0" smtClean="0"/>
+              <a:t>)</a:t>
+            </a:r>
+          </a:p>
+          <a:p>
+            <a:pPr lvl="1"/>
+            <a:r>
+              <a:rPr lang="pt-BR" sz="3200" dirty="0" smtClean="0"/>
+              <a:t>Exemplo</a:t>
+            </a:r>
+          </a:p>
+          <a:p>
+            <a:pPr marL="457200" lvl="1" indent="0">
+              <a:buNone/>
+            </a:pPr>
+            <a:endParaRPr lang="pt-BR" sz="3200" dirty="0"/>
+          </a:p>
+          <a:p>
+            <a:pPr marL="457200" lvl="1" indent="0">
+              <a:buNone/>
+            </a:pPr>
+            <a:r>
+              <a:rPr lang="pt-BR" sz="3200" dirty="0" smtClean="0"/>
+              <a:t>	</a:t>
+            </a:r>
+            <a:r>
+              <a:rPr lang="pt-BR" sz="3600" dirty="0" smtClean="0"/>
+              <a:t>“01 5C”</a:t>
+            </a:r>
+          </a:p>
+          <a:p>
+            <a:pPr marL="457200" lvl="1" indent="0">
+              <a:buNone/>
+            </a:pPr>
+            <a:r>
+              <a:rPr lang="pt-BR" sz="3200" dirty="0"/>
+              <a:t>	</a:t>
+            </a:r>
+            <a:r>
+              <a:rPr lang="pt-BR" sz="3200" dirty="0" smtClean="0"/>
+              <a:t>“01” =&gt; </a:t>
+            </a:r>
+            <a:r>
+              <a:rPr lang="pt-BR" sz="3200" dirty="0" err="1" smtClean="0"/>
+              <a:t>Mode</a:t>
+            </a:r>
+            <a:r>
+              <a:rPr lang="pt-BR" sz="3200" dirty="0" smtClean="0"/>
+              <a:t> = mostrar dados atuais</a:t>
+            </a:r>
+          </a:p>
+          <a:p>
+            <a:pPr marL="457200" lvl="1" indent="0">
+              <a:buNone/>
+            </a:pPr>
+            <a:r>
+              <a:rPr lang="pt-BR" sz="3200" dirty="0"/>
+              <a:t>	</a:t>
+            </a:r>
+            <a:r>
+              <a:rPr lang="pt-BR" sz="3200" dirty="0" smtClean="0"/>
+              <a:t>“5C” =&gt; PID = Id do sensor de temperatura do óleo</a:t>
+            </a:r>
+            <a:endParaRPr lang="pt-BR" sz="2800" dirty="0" smtClean="0"/>
+          </a:p>
+          <a:p>
+            <a:pPr lvl="1"/>
+            <a:endParaRPr lang="pt-BR" sz="3200" dirty="0" smtClean="0"/>
+          </a:p>
+        </p:txBody>
+      </p:sp>
+    </p:spTree>
+    <p:extLst>
+      <p:ext uri="{BB962C8B-B14F-4D97-AF65-F5344CB8AC3E}">
+        <p14:creationId xmlns:p14="http://schemas.microsoft.com/office/powerpoint/2010/main" val="689506534"/>
+      </p:ext>
+    </p:extLst>
+  </p:cSld>
+  <p:clrMapOvr>
+    <a:masterClrMapping/>
+  </p:clrMapOvr>
+  <p:timing>
+    <p:tnLst>
+      <p:par>
+        <p:cTn id="1" dur="indefinite" restart="never" nodeType="tmRoot"/>
+      </p:par>
+    </p:tnLst>
+  </p:timing>
+</p:sld>
+</file>
+
+<file path=ppt/slides/slide15.xml><?xml version="1.0" encoding="utf-8"?>
+<p:sld xmlns:a="http://schemas.openxmlformats.org/drawingml/2006/main" xmlns:r="http://schemas.openxmlformats.org/officeDocument/2006/relationships" xmlns:p="http://schemas.openxmlformats.org/presentationml/2006/main">
+  <p:cSld>
+    <p:spTree>
+      <p:nvGrpSpPr>
+        <p:cNvPr id="1" name=""/>
+        <p:cNvGrpSpPr/>
+        <p:nvPr/>
+      </p:nvGrpSpPr>
+      <p:grpSpPr>
+        <a:xfrm>
+          <a:off x="0" y="0"/>
+          <a:ext cx="0" cy="0"/>
+          <a:chOff x="0" y="0"/>
+          <a:chExt cx="0" cy="0"/>
+        </a:xfrm>
+      </p:grpSpPr>
+      <p:sp>
+        <p:nvSpPr>
           <p:cNvPr id="17" name="Retângulo 16"/>
           <p:cNvSpPr/>
           <p:nvPr/>
@@ -5259,188 +5519,6 @@
 </p:sld>
 </file>
 
-<file path=ppt/slides/slide15.xml><?xml version="1.0" encoding="utf-8"?>
-<p:sld xmlns:a="http://schemas.openxmlformats.org/drawingml/2006/main" xmlns:r="http://schemas.openxmlformats.org/officeDocument/2006/relationships" xmlns:p="http://schemas.openxmlformats.org/presentationml/2006/main">
-  <p:cSld>
-    <p:spTree>
-      <p:nvGrpSpPr>
-        <p:cNvPr id="1" name=""/>
-        <p:cNvGrpSpPr/>
-        <p:nvPr/>
-      </p:nvGrpSpPr>
-      <p:grpSpPr>
-        <a:xfrm>
-          <a:off x="0" y="0"/>
-          <a:ext cx="0" cy="0"/>
-          <a:chOff x="0" y="0"/>
-          <a:chExt cx="0" cy="0"/>
-        </a:xfrm>
-      </p:grpSpPr>
-      <p:sp>
-        <p:nvSpPr>
-          <p:cNvPr id="2" name="Título 1"/>
-          <p:cNvSpPr>
-            <a:spLocks noGrp="1"/>
-          </p:cNvSpPr>
-          <p:nvPr>
-            <p:ph type="title"/>
-          </p:nvPr>
-        </p:nvSpPr>
-        <p:spPr/>
-        <p:txBody>
-          <a:bodyPr>
-            <a:normAutofit/>
-          </a:bodyPr>
-          <a:lstStyle/>
-          <a:p>
-            <a:r>
-              <a:rPr lang="pt-BR" sz="5400" dirty="0" smtClean="0"/>
-              <a:t>Metodologia</a:t>
-            </a:r>
-            <a:endParaRPr lang="pt-BR" sz="5400" dirty="0"/>
-          </a:p>
-        </p:txBody>
-      </p:sp>
-      <p:sp>
-        <p:nvSpPr>
-          <p:cNvPr id="3" name="Espaço Reservado para Conteúdo 2"/>
-          <p:cNvSpPr>
-            <a:spLocks noGrp="1"/>
-          </p:cNvSpPr>
-          <p:nvPr>
-            <p:ph idx="1"/>
-          </p:nvPr>
-        </p:nvSpPr>
-        <p:spPr/>
-        <p:txBody>
-          <a:bodyPr>
-            <a:normAutofit/>
-          </a:bodyPr>
-          <a:lstStyle/>
-          <a:p>
-            <a:r>
-              <a:rPr lang="pt-BR" sz="3600" dirty="0" smtClean="0"/>
-              <a:t>Etapas realizadas:</a:t>
-            </a:r>
-          </a:p>
-          <a:p>
-            <a:pPr lvl="1"/>
-            <a:r>
-              <a:rPr lang="pt-BR" sz="3200" dirty="0" smtClean="0"/>
-              <a:t>Implementação do software </a:t>
-            </a:r>
-            <a:r>
-              <a:rPr lang="pt-BR" sz="3200" dirty="0" smtClean="0"/>
-              <a:t>em Desktop </a:t>
-            </a:r>
-            <a:r>
-              <a:rPr lang="pt-BR" sz="3200" dirty="0" smtClean="0"/>
-              <a:t>para leitura de alguns sensores do </a:t>
-            </a:r>
-            <a:r>
-              <a:rPr lang="pt-BR" sz="3200" dirty="0" smtClean="0"/>
-              <a:t>automóvel</a:t>
-            </a:r>
-          </a:p>
-          <a:p>
-            <a:pPr lvl="2"/>
-            <a:r>
-              <a:rPr lang="pt-BR" sz="2800" dirty="0"/>
-              <a:t>Linguagem JAVA</a:t>
-            </a:r>
-          </a:p>
-          <a:p>
-            <a:pPr lvl="2"/>
-            <a:r>
-              <a:rPr lang="pt-BR" sz="2800" dirty="0"/>
-              <a:t>Biblioteca </a:t>
-            </a:r>
-            <a:r>
-              <a:rPr lang="pt-BR" sz="2800" dirty="0" err="1"/>
-              <a:t>Bluecove</a:t>
-            </a:r>
-            <a:endParaRPr lang="pt-BR" sz="2800" dirty="0"/>
-          </a:p>
-          <a:p>
-            <a:pPr lvl="2"/>
-            <a:r>
-              <a:rPr lang="pt-BR" sz="2800" dirty="0"/>
-              <a:t>API </a:t>
-            </a:r>
-            <a:r>
-              <a:rPr lang="pt-BR" sz="2800" dirty="0" err="1"/>
-              <a:t>obd-java-api</a:t>
-            </a:r>
-            <a:r>
-              <a:rPr lang="pt-BR" sz="2800" dirty="0"/>
-              <a:t> (disponível no </a:t>
-            </a:r>
-            <a:r>
-              <a:rPr lang="pt-BR" sz="2800" dirty="0" err="1"/>
-              <a:t>github</a:t>
-            </a:r>
-            <a:r>
-              <a:rPr lang="pt-BR" sz="2800" dirty="0"/>
-              <a:t> de Paulo Pires)</a:t>
-            </a:r>
-          </a:p>
-          <a:p>
-            <a:pPr lvl="2"/>
-            <a:r>
-              <a:rPr lang="pt-BR" sz="2800" dirty="0"/>
-              <a:t>Framework </a:t>
-            </a:r>
-            <a:r>
-              <a:rPr lang="pt-BR" sz="2800" dirty="0" err="1"/>
-              <a:t>JavaFx</a:t>
-            </a:r>
-            <a:endParaRPr lang="pt-BR" sz="2800" dirty="0"/>
-          </a:p>
-          <a:p>
-            <a:pPr lvl="2"/>
-            <a:r>
-              <a:rPr lang="pt-BR" sz="2800" dirty="0"/>
-              <a:t>ELM327 Bluetooth</a:t>
-            </a:r>
-          </a:p>
-          <a:p>
-            <a:pPr lvl="1"/>
-            <a:r>
-              <a:rPr lang="pt-BR" sz="3200" dirty="0" smtClean="0"/>
-              <a:t>Teste da aplicação em Desktop e no </a:t>
-            </a:r>
-            <a:r>
-              <a:rPr lang="pt-BR" sz="3200" dirty="0" err="1" smtClean="0"/>
-              <a:t>Raspberry</a:t>
-            </a:r>
-            <a:r>
-              <a:rPr lang="pt-BR" sz="3200" dirty="0" smtClean="0"/>
-              <a:t> PI</a:t>
-            </a:r>
-            <a:endParaRPr lang="pt-BR" sz="3200" dirty="0" smtClean="0"/>
-          </a:p>
-        </p:txBody>
-      </p:sp>
-    </p:spTree>
-    <p:extLst>
-      <p:ext uri="{BB962C8B-B14F-4D97-AF65-F5344CB8AC3E}">
-        <p14:creationId xmlns:p14="http://schemas.microsoft.com/office/powerpoint/2010/main" val="3820180572"/>
-      </p:ext>
-    </p:extLst>
-  </p:cSld>
-  <p:clrMapOvr>
-    <a:masterClrMapping/>
-  </p:clrMapOvr>
-  <p:timing>
-    <p:tnLst>
-      <p:par>
-        <p:cTn id="1" dur="indefinite" restart="never" nodeType="tmRoot"/>
-      </p:par>
-    </p:tnLst>
-  </p:timing>
-</p:sld>
-</file>
-
 <file path=ppt/slides/slide16.xml><?xml version="1.0" encoding="utf-8"?>
 <p:sld xmlns:a="http://schemas.openxmlformats.org/drawingml/2006/main" xmlns:r="http://schemas.openxmlformats.org/officeDocument/2006/relationships" xmlns:p="http://schemas.openxmlformats.org/presentationml/2006/main">
   <p:cSld>
@@ -5502,35 +5580,98 @@
           <a:p>
             <a:r>
               <a:rPr lang="pt-BR" sz="3600" dirty="0" smtClean="0"/>
-              <a:t>Etapas </a:t>
-            </a:r>
-            <a:r>
-              <a:rPr lang="pt-BR" sz="3600" dirty="0" smtClean="0"/>
-              <a:t>em execução:</a:t>
-            </a:r>
-            <a:endParaRPr lang="pt-BR" sz="3600" dirty="0" smtClean="0"/>
+              <a:t>Etapas realizadas:</a:t>
+            </a:r>
           </a:p>
           <a:p>
             <a:pPr lvl="1"/>
             <a:r>
-              <a:rPr lang="pt-BR" sz="3200" dirty="0"/>
-              <a:t>Estudo da viabilidade de migração de linguagem</a:t>
+              <a:rPr lang="pt-BR" sz="3200" dirty="0" smtClean="0"/>
+              <a:t>Implementação do software em Desktop para leitura de alguns sensores do automóvel</a:t>
             </a:r>
           </a:p>
           <a:p>
             <a:pPr lvl="2"/>
             <a:r>
               <a:rPr lang="pt-BR" sz="2800" dirty="0"/>
-              <a:t>JAVA &gt; Python</a:t>
+              <a:t>Linguagem JAVA</a:t>
+            </a:r>
+          </a:p>
+          <a:p>
+            <a:pPr lvl="2"/>
+            <a:r>
+              <a:rPr lang="pt-BR" sz="2800" dirty="0"/>
+              <a:t>Biblioteca </a:t>
+            </a:r>
+            <a:r>
+              <a:rPr lang="pt-BR" sz="2800" dirty="0" err="1"/>
+              <a:t>Bluecove</a:t>
             </a:r>
             <a:endParaRPr lang="pt-BR" sz="2800" dirty="0"/>
+          </a:p>
+          <a:p>
+            <a:pPr lvl="2"/>
+            <a:r>
+              <a:rPr lang="pt-BR" sz="2800" dirty="0"/>
+              <a:t>API </a:t>
+            </a:r>
+            <a:r>
+              <a:rPr lang="pt-BR" sz="2800" dirty="0" err="1"/>
+              <a:t>obd-java-api</a:t>
+            </a:r>
+            <a:r>
+              <a:rPr lang="pt-BR" sz="2800" dirty="0"/>
+              <a:t> (disponível no </a:t>
+            </a:r>
+            <a:r>
+              <a:rPr lang="pt-BR" sz="2800" dirty="0" err="1"/>
+              <a:t>github</a:t>
+            </a:r>
+            <a:r>
+              <a:rPr lang="pt-BR" sz="2800" dirty="0"/>
+              <a:t> de Paulo Pires)</a:t>
+            </a:r>
+          </a:p>
+          <a:p>
+            <a:pPr lvl="2"/>
+            <a:r>
+              <a:rPr lang="pt-BR" sz="2800" dirty="0"/>
+              <a:t>Framework </a:t>
+            </a:r>
+            <a:r>
+              <a:rPr lang="pt-BR" sz="2800" dirty="0" err="1"/>
+              <a:t>JavaFx</a:t>
+            </a:r>
+            <a:endParaRPr lang="pt-BR" sz="2800" dirty="0"/>
+          </a:p>
+          <a:p>
+            <a:pPr lvl="2"/>
+            <a:r>
+              <a:rPr lang="pt-BR" sz="2800" dirty="0"/>
+              <a:t>ELM327 Bluetooth</a:t>
+            </a:r>
+          </a:p>
+          <a:p>
+            <a:pPr lvl="1"/>
+            <a:r>
+              <a:rPr lang="pt-BR" sz="3200" dirty="0" smtClean="0"/>
+              <a:t>Teste da aplicação em Desktop e no </a:t>
+            </a:r>
+            <a:r>
+              <a:rPr lang="pt-BR" sz="3200" dirty="0" err="1" smtClean="0"/>
+              <a:t>Raspberry</a:t>
+            </a:r>
+            <a:r>
+              <a:rPr lang="pt-BR" sz="3200" dirty="0" smtClean="0"/>
+              <a:t> PI</a:t>
+            </a:r>
           </a:p>
         </p:txBody>
       </p:sp>
     </p:spTree>
     <p:extLst>
       <p:ext uri="{BB962C8B-B14F-4D97-AF65-F5344CB8AC3E}">
-        <p14:creationId xmlns:p14="http://schemas.microsoft.com/office/powerpoint/2010/main" val="3396786357"/>
+        <p14:creationId xmlns:p14="http://schemas.microsoft.com/office/powerpoint/2010/main" val="3820180572"/>
       </p:ext>
     </p:extLst>
   </p:cSld>
@@ -5608,74 +5749,79 @@
           <a:p>
             <a:r>
               <a:rPr lang="pt-BR" sz="3600" dirty="0" smtClean="0"/>
-              <a:t>Problemas a serem solucionados</a:t>
-            </a:r>
-          </a:p>
-          <a:p>
-            <a:pPr lvl="1"/>
-            <a:r>
-              <a:rPr lang="pt-BR" sz="3200" dirty="0" smtClean="0"/>
-              <a:t>Preparação do ambiente de execução (</a:t>
-            </a:r>
-            <a:r>
-              <a:rPr lang="pt-BR" sz="3200" dirty="0" err="1" smtClean="0"/>
-              <a:t>Raspberry</a:t>
-            </a:r>
-            <a:r>
-              <a:rPr lang="pt-BR" sz="3200" dirty="0" smtClean="0"/>
-              <a:t> PI)</a:t>
-            </a:r>
-            <a:endParaRPr lang="pt-BR" dirty="0"/>
-          </a:p>
-          <a:p>
-            <a:pPr lvl="2"/>
-            <a:r>
-              <a:rPr lang="pt-BR" sz="2800" dirty="0" smtClean="0"/>
-              <a:t>Configuração do </a:t>
-            </a:r>
-            <a:r>
-              <a:rPr lang="pt-BR" sz="2800" dirty="0" err="1" smtClean="0"/>
-              <a:t>Raspbian</a:t>
-            </a:r>
-            <a:r>
-              <a:rPr lang="pt-BR" sz="2800" dirty="0" smtClean="0"/>
-              <a:t> para rodar a aplicação em JAVA ou Python</a:t>
-            </a:r>
-            <a:endParaRPr lang="pt-BR" sz="2600" dirty="0" smtClean="0"/>
-          </a:p>
-          <a:p>
-            <a:pPr lvl="1"/>
-            <a:r>
-              <a:rPr lang="pt-BR" sz="3200" dirty="0" smtClean="0"/>
-              <a:t>Instalação dos pacotes para comunicação </a:t>
-            </a:r>
-            <a:r>
-              <a:rPr lang="pt-BR" sz="3200" dirty="0" err="1" smtClean="0"/>
-              <a:t>bluetooth</a:t>
-            </a:r>
-            <a:r>
-              <a:rPr lang="pt-BR" sz="3200" dirty="0" smtClean="0"/>
-              <a:t> para desenvolvimento em Python</a:t>
-            </a:r>
-          </a:p>
-          <a:p>
-            <a:pPr lvl="2"/>
-            <a:r>
-              <a:rPr lang="pt-BR" sz="2800" dirty="0" smtClean="0"/>
-              <a:t>Pacote </a:t>
-            </a:r>
-            <a:r>
-              <a:rPr lang="pt-BR" sz="2800" dirty="0" err="1"/>
-              <a:t>bluez-utils</a:t>
-            </a:r>
-            <a:endParaRPr lang="pt-BR" sz="2800" dirty="0"/>
+              <a:t>Etapas realizadas</a:t>
+            </a:r>
+            <a:r>
+              <a:rPr lang="pt-BR" sz="3600" dirty="0" smtClean="0"/>
+              <a:t>:</a:t>
+            </a:r>
+            <a:endParaRPr lang="pt-BR" sz="3600" dirty="0" smtClean="0"/>
+          </a:p>
+        </p:txBody>
+      </p:sp>
+      <p:pic>
+        <p:nvPicPr>
+          <p:cNvPr id="4" name="Imagem 3"/>
+          <p:cNvPicPr>
+            <a:picLocks noChangeAspect="1"/>
+          </p:cNvPicPr>
+          <p:nvPr/>
+        </p:nvPicPr>
+        <p:blipFill rotWithShape="1">
+          <a:blip r:embed="rId2">
+            <a:extLst>
+              <a:ext uri="{28A0092B-C50C-407E-A947-70E740481C1C}">
+                <a14:useLocalDpi xmlns:a14="http://schemas.microsoft.com/office/drawing/2010/main" val="0"/>
+              </a:ext>
+            </a:extLst>
+          </a:blip>
+          <a:srcRect l="31746" t="16910" r="31890" b="40228"/>
+          <a:stretch/>
+        </p:blipFill>
+        <p:spPr>
+          <a:xfrm>
+            <a:off x="3204028" y="2846525"/>
+            <a:ext cx="5025571" cy="3330438"/>
+          </a:xfrm>
+          <a:prstGeom prst="rect">
+            <a:avLst/>
+          </a:prstGeom>
+        </p:spPr>
+      </p:pic>
+      <p:sp>
+        <p:nvSpPr>
+          <p:cNvPr id="5" name="CaixaDeTexto 4"/>
+          <p:cNvSpPr txBox="1"/>
+          <p:nvPr/>
+        </p:nvSpPr>
+        <p:spPr>
+          <a:xfrm>
+            <a:off x="8229599" y="5776853"/>
+            <a:ext cx="1785617" cy="400110"/>
+          </a:xfrm>
+          <a:prstGeom prst="rect">
+            <a:avLst/>
+          </a:prstGeom>
+          <a:noFill/>
+        </p:spPr>
+        <p:txBody>
+          <a:bodyPr wrap="none" rtlCol="0">
+            <a:spAutoFit/>
+          </a:bodyPr>
+          <a:lstStyle/>
+          <a:p>
+            <a:r>
+              <a:rPr lang="pt-BR" sz="2000" dirty="0" smtClean="0"/>
+              <a:t>Leitura do RPM</a:t>
+            </a:r>
+            <a:endParaRPr lang="pt-BR" sz="2000" dirty="0"/>
           </a:p>
         </p:txBody>
       </p:sp>
     </p:spTree>
     <p:extLst>
       <p:ext uri="{BB962C8B-B14F-4D97-AF65-F5344CB8AC3E}">
-        <p14:creationId xmlns:p14="http://schemas.microsoft.com/office/powerpoint/2010/main" val="2510689883"/>
+        <p14:creationId xmlns:p14="http://schemas.microsoft.com/office/powerpoint/2010/main" val="1599622759"/>
       </p:ext>
     </p:extLst>
   </p:cSld>
@@ -5753,58 +5899,79 @@
           <a:p>
             <a:r>
               <a:rPr lang="pt-BR" sz="3600" dirty="0" smtClean="0"/>
-              <a:t>Etapas </a:t>
+              <a:t>Etapas realizadas</a:t>
             </a:r>
             <a:r>
               <a:rPr lang="pt-BR" sz="3600" dirty="0" smtClean="0"/>
-              <a:t>a serem realizadas:</a:t>
+              <a:t>:</a:t>
             </a:r>
             <a:endParaRPr lang="pt-BR" sz="3600" dirty="0" smtClean="0"/>
           </a:p>
-          <a:p>
-            <a:pPr lvl="1"/>
-            <a:r>
-              <a:rPr lang="pt-BR" sz="3200" dirty="0" smtClean="0"/>
-              <a:t>Migração do ambiente de execução</a:t>
-            </a:r>
-          </a:p>
-          <a:p>
-            <a:pPr lvl="2"/>
-            <a:r>
-              <a:rPr lang="pt-BR" sz="2800" dirty="0" smtClean="0"/>
-              <a:t>Notebook &gt; </a:t>
-            </a:r>
-            <a:r>
-              <a:rPr lang="pt-BR" sz="2800" dirty="0" err="1" smtClean="0"/>
-              <a:t>Raspberry</a:t>
-            </a:r>
-            <a:r>
-              <a:rPr lang="pt-BR" sz="2800" dirty="0" smtClean="0"/>
-              <a:t> PI3</a:t>
-            </a:r>
-            <a:endParaRPr lang="pt-BR" sz="2800" dirty="0"/>
-          </a:p>
-          <a:p>
-            <a:pPr lvl="1"/>
-            <a:r>
-              <a:rPr lang="pt-BR" sz="3200" dirty="0" smtClean="0"/>
-              <a:t>Integração com Web Service para armazenamento</a:t>
-            </a:r>
-            <a:endParaRPr lang="pt-BR" sz="3200" dirty="0"/>
-          </a:p>
-          <a:p>
-            <a:pPr lvl="1"/>
-            <a:r>
-              <a:rPr lang="pt-BR" sz="3200" dirty="0" smtClean="0"/>
-              <a:t>Criação de uma página web para ler os dados armazenados</a:t>
-            </a:r>
-          </a:p>
-        </p:txBody>
-      </p:sp>
+        </p:txBody>
+      </p:sp>
+      <p:sp>
+        <p:nvSpPr>
+          <p:cNvPr id="5" name="CaixaDeTexto 4"/>
+          <p:cNvSpPr txBox="1"/>
+          <p:nvPr/>
+        </p:nvSpPr>
+        <p:spPr>
+          <a:xfrm>
+            <a:off x="8229599" y="5776853"/>
+            <a:ext cx="3137462" cy="400110"/>
+          </a:xfrm>
+          <a:prstGeom prst="rect">
+            <a:avLst/>
+          </a:prstGeom>
+          <a:noFill/>
+        </p:spPr>
+        <p:txBody>
+          <a:bodyPr wrap="none" rtlCol="0">
+            <a:spAutoFit/>
+          </a:bodyPr>
+          <a:lstStyle/>
+          <a:p>
+            <a:r>
+              <a:rPr lang="pt-BR" sz="2000" dirty="0" smtClean="0"/>
+              <a:t>Leitura da Pressão do Motor</a:t>
+            </a:r>
+            <a:endParaRPr lang="pt-BR" sz="2000" dirty="0"/>
+          </a:p>
+        </p:txBody>
+      </p:sp>
+      <p:pic>
+        <p:nvPicPr>
+          <p:cNvPr id="6" name="Imagem 5"/>
+          <p:cNvPicPr>
+            <a:picLocks noChangeAspect="1"/>
+          </p:cNvPicPr>
+          <p:nvPr/>
+        </p:nvPicPr>
+        <p:blipFill rotWithShape="1">
+          <a:blip r:embed="rId2">
+            <a:extLst>
+              <a:ext uri="{28A0092B-C50C-407E-A947-70E740481C1C}">
+                <a14:useLocalDpi xmlns:a14="http://schemas.microsoft.com/office/drawing/2010/main" val="0"/>
+              </a:ext>
+            </a:extLst>
+          </a:blip>
+          <a:srcRect l="31890" t="16653" r="31746" b="39972"/>
+          <a:stretch/>
+        </p:blipFill>
+        <p:spPr>
+          <a:xfrm>
+            <a:off x="3204028" y="2806640"/>
+            <a:ext cx="5025571" cy="3370323"/>
+          </a:xfrm>
+          <a:prstGeom prst="rect">
+            <a:avLst/>
+          </a:prstGeom>
+        </p:spPr>
+      </p:pic>
     </p:spTree>
     <p:extLst>
       <p:ext uri="{BB962C8B-B14F-4D97-AF65-F5344CB8AC3E}">
-        <p14:creationId xmlns:p14="http://schemas.microsoft.com/office/powerpoint/2010/main" val="963106965"/>
+        <p14:creationId xmlns:p14="http://schemas.microsoft.com/office/powerpoint/2010/main" val="4139771861"/>
       </p:ext>
     </p:extLst>
   </p:cSld>
@@ -5857,7 +6024,7 @@
           <a:p>
             <a:r>
               <a:rPr lang="pt-BR" sz="5400" dirty="0" smtClean="0"/>
-              <a:t>Cronograma</a:t>
+              <a:t>Metodologia</a:t>
             </a:r>
             <a:endParaRPr lang="pt-BR" sz="5400" dirty="0"/>
           </a:p>
@@ -5875,17 +6042,86 @@
         </p:nvSpPr>
         <p:spPr/>
         <p:txBody>
-          <a:bodyPr/>
-          <a:lstStyle/>
-          <a:p>
-            <a:endParaRPr lang="pt-BR"/>
-          </a:p>
-        </p:txBody>
-      </p:sp>
+          <a:bodyPr>
+            <a:normAutofit/>
+          </a:bodyPr>
+          <a:lstStyle/>
+          <a:p>
+            <a:r>
+              <a:rPr lang="pt-BR" sz="3600" dirty="0" smtClean="0"/>
+              <a:t>Etapas realizadas</a:t>
+            </a:r>
+            <a:r>
+              <a:rPr lang="pt-BR" sz="3600" dirty="0" smtClean="0"/>
+              <a:t>:</a:t>
+            </a:r>
+            <a:endParaRPr lang="pt-BR" sz="3600" dirty="0" smtClean="0"/>
+          </a:p>
+        </p:txBody>
+      </p:sp>
+      <p:sp>
+        <p:nvSpPr>
+          <p:cNvPr id="5" name="CaixaDeTexto 4"/>
+          <p:cNvSpPr txBox="1"/>
+          <p:nvPr/>
+        </p:nvSpPr>
+        <p:spPr>
+          <a:xfrm>
+            <a:off x="8229599" y="5776853"/>
+            <a:ext cx="2466573" cy="400110"/>
+          </a:xfrm>
+          <a:prstGeom prst="rect">
+            <a:avLst/>
+          </a:prstGeom>
+          <a:noFill/>
+        </p:spPr>
+        <p:txBody>
+          <a:bodyPr wrap="none" rtlCol="0">
+            <a:spAutoFit/>
+          </a:bodyPr>
+          <a:lstStyle/>
+          <a:p>
+            <a:r>
+              <a:rPr lang="pt-BR" sz="2000" dirty="0" smtClean="0"/>
+              <a:t>Leitura da Temp. Óleo</a:t>
+            </a:r>
+            <a:endParaRPr lang="pt-BR" sz="2000" dirty="0"/>
+          </a:p>
+        </p:txBody>
+      </p:sp>
+      <p:pic>
+        <p:nvPicPr>
+          <p:cNvPr id="4" name="Imagem 3"/>
+          <p:cNvPicPr>
+            <a:picLocks noChangeAspect="1"/>
+          </p:cNvPicPr>
+          <p:nvPr/>
+        </p:nvPicPr>
+        <p:blipFill rotWithShape="1">
+          <a:blip r:embed="rId2">
+            <a:extLst>
+              <a:ext uri="{28A0092B-C50C-407E-A947-70E740481C1C}">
+                <a14:useLocalDpi xmlns:a14="http://schemas.microsoft.com/office/drawing/2010/main" val="0"/>
+              </a:ext>
+            </a:extLst>
+          </a:blip>
+          <a:srcRect l="31746" t="16396" r="31602" b="39972"/>
+          <a:stretch/>
+        </p:blipFill>
+        <p:spPr>
+          <a:xfrm>
+            <a:off x="3135581" y="2767579"/>
+            <a:ext cx="5094018" cy="3409384"/>
+          </a:xfrm>
+          <a:prstGeom prst="rect">
+            <a:avLst/>
+          </a:prstGeom>
+        </p:spPr>
+      </p:pic>
     </p:spTree>
     <p:extLst>
       <p:ext uri="{BB962C8B-B14F-4D97-AF65-F5344CB8AC3E}">
-        <p14:creationId xmlns:p14="http://schemas.microsoft.com/office/powerpoint/2010/main" val="4240335335"/>
+        <p14:creationId xmlns:p14="http://schemas.microsoft.com/office/powerpoint/2010/main" val="2451110835"/>
       </p:ext>
     </p:extLst>
   </p:cSld>
@@ -6036,7 +6272,7 @@
           <a:p>
             <a:r>
               <a:rPr lang="pt-BR" sz="5400" dirty="0" smtClean="0"/>
-              <a:t>Considerações</a:t>
+              <a:t>Metodologia</a:t>
             </a:r>
             <a:endParaRPr lang="pt-BR" sz="5400" dirty="0"/>
           </a:p>
@@ -6052,50 +6288,88 @@
             <p:ph idx="1"/>
           </p:nvPr>
         </p:nvSpPr>
-        <p:spPr>
-          <a:xfrm>
-            <a:off x="838200" y="1825624"/>
-            <a:ext cx="10515600" cy="4589689"/>
-          </a:xfrm>
-        </p:spPr>
+        <p:spPr/>
         <p:txBody>
           <a:bodyPr>
             <a:normAutofit/>
           </a:bodyPr>
           <a:lstStyle/>
           <a:p>
-            <a:pPr marL="0" indent="0">
-              <a:buNone/>
-            </a:pPr>
             <a:r>
               <a:rPr lang="pt-BR" sz="3600" dirty="0" smtClean="0"/>
-              <a:t>Utilizando aplicação desktop:</a:t>
-            </a:r>
-          </a:p>
-          <a:p>
+              <a:t>Etapas realizadas</a:t>
+            </a:r>
             <a:r>
               <a:rPr lang="pt-BR" sz="3600" dirty="0" smtClean="0"/>
-              <a:t>Foi possível obter dados em tempo real do automóvel testado</a:t>
-            </a:r>
-          </a:p>
-          <a:p>
-            <a:r>
-              <a:rPr lang="pt-BR" sz="3600" dirty="0" smtClean="0"/>
-              <a:t>Observou-se certa lentidão na localização, conexão e envio de dados ao ELM327 utilizando a linguagem JAVA</a:t>
-            </a:r>
-          </a:p>
-          <a:p>
-            <a:r>
-              <a:rPr lang="pt-BR" sz="3600" dirty="0" smtClean="0"/>
-              <a:t>Identificou-se a obtenção do valor “?” quando requisitado um sensor inexistente no veículo</a:t>
-            </a:r>
-          </a:p>
-        </p:txBody>
-      </p:sp>
+              <a:t>:</a:t>
+            </a:r>
+            <a:endParaRPr lang="pt-BR" sz="3600" dirty="0" smtClean="0"/>
+          </a:p>
+        </p:txBody>
+      </p:sp>
+      <p:sp>
+        <p:nvSpPr>
+          <p:cNvPr id="5" name="CaixaDeTexto 4"/>
+          <p:cNvSpPr txBox="1"/>
+          <p:nvPr/>
+        </p:nvSpPr>
+        <p:spPr>
+          <a:xfrm>
+            <a:off x="8229599" y="5776853"/>
+            <a:ext cx="3415294" cy="400110"/>
+          </a:xfrm>
+          <a:prstGeom prst="rect">
+            <a:avLst/>
+          </a:prstGeom>
+          <a:noFill/>
+        </p:spPr>
+        <p:txBody>
+          <a:bodyPr wrap="none" rtlCol="0">
+            <a:spAutoFit/>
+          </a:bodyPr>
+          <a:lstStyle/>
+          <a:p>
+            <a:r>
+              <a:rPr lang="pt-BR" sz="2000" dirty="0" smtClean="0"/>
+              <a:t>Leitura do Tipo de Combustível</a:t>
+            </a:r>
+            <a:endParaRPr lang="pt-BR" sz="2000" dirty="0"/>
+          </a:p>
+        </p:txBody>
+      </p:sp>
+      <p:pic>
+        <p:nvPicPr>
+          <p:cNvPr id="6" name="Imagem 5"/>
+          <p:cNvPicPr>
+            <a:picLocks noChangeAspect="1"/>
+          </p:cNvPicPr>
+          <p:nvPr/>
+        </p:nvPicPr>
+        <p:blipFill rotWithShape="1">
+          <a:blip r:embed="rId3">
+            <a:extLst>
+              <a:ext uri="{28A0092B-C50C-407E-A947-70E740481C1C}">
+                <a14:useLocalDpi xmlns:a14="http://schemas.microsoft.com/office/drawing/2010/main" val="0"/>
+              </a:ext>
+            </a:extLst>
+          </a:blip>
+          <a:srcRect l="31890" t="16910" r="21934" b="40485"/>
+          <a:stretch/>
+        </p:blipFill>
+        <p:spPr>
+          <a:xfrm>
+            <a:off x="1596571" y="2736082"/>
+            <a:ext cx="6633028" cy="3440881"/>
+          </a:xfrm>
+          <a:prstGeom prst="rect">
+            <a:avLst/>
+          </a:prstGeom>
+        </p:spPr>
+      </p:pic>
     </p:spTree>
     <p:extLst>
       <p:ext uri="{BB962C8B-B14F-4D97-AF65-F5344CB8AC3E}">
-        <p14:creationId xmlns:p14="http://schemas.microsoft.com/office/powerpoint/2010/main" val="3371498468"/>
+        <p14:creationId xmlns:p14="http://schemas.microsoft.com/office/powerpoint/2010/main" val="246079413"/>
       </p:ext>
     </p:extLst>
   </p:cSld>
@@ -6139,37 +6413,76 @@
             <p:ph type="title"/>
           </p:nvPr>
         </p:nvSpPr>
-        <p:spPr>
-          <a:xfrm>
-            <a:off x="809172" y="2324553"/>
-            <a:ext cx="10515600" cy="1325563"/>
-          </a:xfrm>
-        </p:spPr>
+        <p:spPr/>
         <p:txBody>
           <a:bodyPr>
             <a:normAutofit/>
           </a:bodyPr>
           <a:lstStyle/>
           <a:p>
-            <a:pPr algn="ctr"/>
             <a:r>
               <a:rPr lang="pt-BR" sz="5400" dirty="0" smtClean="0"/>
-              <a:t>OBRIGADO!</a:t>
+              <a:t>Metodologia</a:t>
             </a:r>
             <a:endParaRPr lang="pt-BR" sz="5400" dirty="0"/>
+          </a:p>
+        </p:txBody>
+      </p:sp>
+      <p:sp>
+        <p:nvSpPr>
+          <p:cNvPr id="3" name="Espaço Reservado para Conteúdo 2"/>
+          <p:cNvSpPr>
+            <a:spLocks noGrp="1"/>
+          </p:cNvSpPr>
+          <p:nvPr>
+            <p:ph idx="1"/>
+          </p:nvPr>
+        </p:nvSpPr>
+        <p:spPr/>
+        <p:txBody>
+          <a:bodyPr>
+            <a:normAutofit/>
+          </a:bodyPr>
+          <a:lstStyle/>
+          <a:p>
+            <a:r>
+              <a:rPr lang="pt-BR" sz="3600" dirty="0" smtClean="0"/>
+              <a:t>Etapas em execução:</a:t>
+            </a:r>
+          </a:p>
+          <a:p>
+            <a:pPr lvl="1"/>
+            <a:r>
+              <a:rPr lang="pt-BR" sz="3200" dirty="0"/>
+              <a:t>Estudo da viabilidade de migração de linguagem</a:t>
+            </a:r>
+          </a:p>
+          <a:p>
+            <a:pPr lvl="2"/>
+            <a:r>
+              <a:rPr lang="pt-BR" sz="2800" dirty="0"/>
+              <a:t>JAVA &gt; Python</a:t>
+            </a:r>
           </a:p>
         </p:txBody>
       </p:sp>
     </p:spTree>
     <p:extLst>
       <p:ext uri="{BB962C8B-B14F-4D97-AF65-F5344CB8AC3E}">
-        <p14:creationId xmlns:p14="http://schemas.microsoft.com/office/powerpoint/2010/main" val="2891224893"/>
+        <p14:creationId xmlns:p14="http://schemas.microsoft.com/office/powerpoint/2010/main" val="3396786357"/>
       </p:ext>
     </p:extLst>
   </p:cSld>
   <p:clrMapOvr>
     <a:masterClrMapping/>
   </p:clrMapOvr>
+  <p:timing>
+    <p:tnLst>
+      <p:par>
+        <p:cTn id="1" dur="indefinite" restart="never" nodeType="tmRoot"/>
+      </p:par>
+    </p:tnLst>
+  </p:timing>
 </p:sld>
 </file>
 
@@ -6209,7 +6522,7 @@
           <a:p>
             <a:r>
               <a:rPr lang="pt-BR" sz="5400" dirty="0" smtClean="0"/>
-              <a:t>Bibliografia</a:t>
+              <a:t>Metodologia</a:t>
             </a:r>
             <a:endParaRPr lang="pt-BR" sz="5400" dirty="0"/>
           </a:p>
@@ -6227,17 +6540,81 @@
         </p:nvSpPr>
         <p:spPr/>
         <p:txBody>
-          <a:bodyPr/>
-          <a:lstStyle/>
-          <a:p>
-            <a:endParaRPr lang="pt-BR"/>
+          <a:bodyPr>
+            <a:normAutofit/>
+          </a:bodyPr>
+          <a:lstStyle/>
+          <a:p>
+            <a:r>
+              <a:rPr lang="pt-BR" sz="3600" dirty="0" smtClean="0"/>
+              <a:t>Problemas a serem solucionados</a:t>
+            </a:r>
+          </a:p>
+          <a:p>
+            <a:pPr lvl="1"/>
+            <a:r>
+              <a:rPr lang="pt-BR" sz="3200" dirty="0" smtClean="0"/>
+              <a:t>Preparação do ambiente de execução (</a:t>
+            </a:r>
+            <a:r>
+              <a:rPr lang="pt-BR" sz="3200" dirty="0" err="1" smtClean="0"/>
+              <a:t>Raspberry</a:t>
+            </a:r>
+            <a:r>
+              <a:rPr lang="pt-BR" sz="3200" dirty="0" smtClean="0"/>
+              <a:t> PI)</a:t>
+            </a:r>
+            <a:endParaRPr lang="pt-BR" dirty="0"/>
+          </a:p>
+          <a:p>
+            <a:pPr lvl="2"/>
+            <a:r>
+              <a:rPr lang="pt-BR" sz="2800" dirty="0" smtClean="0"/>
+              <a:t>Configuração do </a:t>
+            </a:r>
+            <a:r>
+              <a:rPr lang="pt-BR" sz="2800" dirty="0" err="1" smtClean="0"/>
+              <a:t>Raspbian</a:t>
+            </a:r>
+            <a:r>
+              <a:rPr lang="pt-BR" sz="2800" dirty="0" smtClean="0"/>
+              <a:t> para rodar a aplicação em JAVA ou Python</a:t>
+            </a:r>
+            <a:endParaRPr lang="pt-BR" sz="2600" dirty="0" smtClean="0"/>
+          </a:p>
+          <a:p>
+            <a:pPr lvl="1"/>
+            <a:r>
+              <a:rPr lang="pt-BR" sz="3200" dirty="0" smtClean="0"/>
+              <a:t>Instalação dos pacotes para comunicação </a:t>
+            </a:r>
+            <a:r>
+              <a:rPr lang="pt-BR" sz="3200" dirty="0" err="1" smtClean="0"/>
+              <a:t>bluetooth</a:t>
+            </a:r>
+            <a:r>
+              <a:rPr lang="pt-BR" sz="3200" dirty="0" smtClean="0"/>
+              <a:t> para desenvolvimento em Python</a:t>
+            </a:r>
+          </a:p>
+          <a:p>
+            <a:pPr lvl="2"/>
+            <a:r>
+              <a:rPr lang="pt-BR" sz="2800" dirty="0" smtClean="0"/>
+              <a:t>Pacote </a:t>
+            </a:r>
+            <a:r>
+              <a:rPr lang="pt-BR" sz="2800" dirty="0" err="1"/>
+              <a:t>bluez-utils</a:t>
+            </a:r>
+            <a:endParaRPr lang="pt-BR" sz="2800" dirty="0"/>
           </a:p>
         </p:txBody>
       </p:sp>
     </p:spTree>
     <p:extLst>
       <p:ext uri="{BB962C8B-B14F-4D97-AF65-F5344CB8AC3E}">
-        <p14:creationId xmlns:p14="http://schemas.microsoft.com/office/powerpoint/2010/main" val="2889505652"/>
+        <p14:creationId xmlns:p14="http://schemas.microsoft.com/office/powerpoint/2010/main" val="2510689883"/>
       </p:ext>
     </p:extLst>
   </p:cSld>
@@ -6289,6 +6666,645 @@
           <a:lstStyle/>
           <a:p>
             <a:r>
+              <a:rPr lang="pt-BR" sz="5400" dirty="0" smtClean="0"/>
+              <a:t>Metodologia</a:t>
+            </a:r>
+            <a:endParaRPr lang="pt-BR" sz="5400" dirty="0"/>
+          </a:p>
+        </p:txBody>
+      </p:sp>
+      <p:sp>
+        <p:nvSpPr>
+          <p:cNvPr id="3" name="Espaço Reservado para Conteúdo 2"/>
+          <p:cNvSpPr>
+            <a:spLocks noGrp="1"/>
+          </p:cNvSpPr>
+          <p:nvPr>
+            <p:ph idx="1"/>
+          </p:nvPr>
+        </p:nvSpPr>
+        <p:spPr/>
+        <p:txBody>
+          <a:bodyPr>
+            <a:normAutofit/>
+          </a:bodyPr>
+          <a:lstStyle/>
+          <a:p>
+            <a:r>
+              <a:rPr lang="pt-BR" sz="3600" dirty="0" smtClean="0"/>
+              <a:t>Etapas a serem realizadas:</a:t>
+            </a:r>
+          </a:p>
+          <a:p>
+            <a:pPr lvl="1"/>
+            <a:r>
+              <a:rPr lang="pt-BR" sz="3200" dirty="0" smtClean="0"/>
+              <a:t>Migração do ambiente de execução</a:t>
+            </a:r>
+          </a:p>
+          <a:p>
+            <a:pPr lvl="2"/>
+            <a:r>
+              <a:rPr lang="pt-BR" sz="2800" dirty="0" smtClean="0"/>
+              <a:t>Notebook &gt; </a:t>
+            </a:r>
+            <a:r>
+              <a:rPr lang="pt-BR" sz="2800" dirty="0" err="1" smtClean="0"/>
+              <a:t>Raspberry</a:t>
+            </a:r>
+            <a:r>
+              <a:rPr lang="pt-BR" sz="2800" dirty="0" smtClean="0"/>
+              <a:t> PI3</a:t>
+            </a:r>
+            <a:endParaRPr lang="pt-BR" sz="2800" dirty="0"/>
+          </a:p>
+          <a:p>
+            <a:pPr lvl="1"/>
+            <a:r>
+              <a:rPr lang="pt-BR" sz="3200" dirty="0" smtClean="0"/>
+              <a:t>Integração com Web Service para armazenamento</a:t>
+            </a:r>
+            <a:endParaRPr lang="pt-BR" sz="3200" dirty="0"/>
+          </a:p>
+          <a:p>
+            <a:pPr lvl="1"/>
+            <a:r>
+              <a:rPr lang="pt-BR" sz="3200" dirty="0" smtClean="0"/>
+              <a:t>Criação de uma página web para ler os dados armazenados</a:t>
+            </a:r>
+          </a:p>
+        </p:txBody>
+      </p:sp>
+    </p:spTree>
+    <p:extLst>
+      <p:ext uri="{BB962C8B-B14F-4D97-AF65-F5344CB8AC3E}">
+        <p14:creationId xmlns:p14="http://schemas.microsoft.com/office/powerpoint/2010/main" val="963106965"/>
+      </p:ext>
+    </p:extLst>
+  </p:cSld>
+  <p:clrMapOvr>
+    <a:masterClrMapping/>
+  </p:clrMapOvr>
+  <p:timing>
+    <p:tnLst>
+      <p:par>
+        <p:cTn id="1" dur="indefinite" restart="never" nodeType="tmRoot"/>
+      </p:par>
+    </p:tnLst>
+  </p:timing>
+</p:sld>
+</file>
+
+<file path=ppt/slides/slide24.xml><?xml version="1.0" encoding="utf-8"?>
+<p:sld xmlns:a="http://schemas.openxmlformats.org/drawingml/2006/main" xmlns:r="http://schemas.openxmlformats.org/officeDocument/2006/relationships" xmlns:p="http://schemas.openxmlformats.org/presentationml/2006/main">
+  <p:cSld>
+    <p:spTree>
+      <p:nvGrpSpPr>
+        <p:cNvPr id="1" name=""/>
+        <p:cNvGrpSpPr/>
+        <p:nvPr/>
+      </p:nvGrpSpPr>
+      <p:grpSpPr>
+        <a:xfrm>
+          <a:off x="0" y="0"/>
+          <a:ext cx="0" cy="0"/>
+          <a:chOff x="0" y="0"/>
+          <a:chExt cx="0" cy="0"/>
+        </a:xfrm>
+      </p:grpSpPr>
+      <p:sp>
+        <p:nvSpPr>
+          <p:cNvPr id="2" name="Título 1"/>
+          <p:cNvSpPr>
+            <a:spLocks noGrp="1"/>
+          </p:cNvSpPr>
+          <p:nvPr>
+            <p:ph type="title"/>
+          </p:nvPr>
+        </p:nvSpPr>
+        <p:spPr/>
+        <p:txBody>
+          <a:bodyPr>
+            <a:normAutofit/>
+          </a:bodyPr>
+          <a:lstStyle/>
+          <a:p>
+            <a:r>
+              <a:rPr lang="pt-BR" sz="5400" dirty="0" smtClean="0"/>
+              <a:t>Cronograma</a:t>
+            </a:r>
+            <a:endParaRPr lang="pt-BR" sz="5400" dirty="0"/>
+          </a:p>
+        </p:txBody>
+      </p:sp>
+      <p:sp>
+        <p:nvSpPr>
+          <p:cNvPr id="3" name="Espaço Reservado para Conteúdo 2"/>
+          <p:cNvSpPr>
+            <a:spLocks noGrp="1"/>
+          </p:cNvSpPr>
+          <p:nvPr>
+            <p:ph idx="1"/>
+          </p:nvPr>
+        </p:nvSpPr>
+        <p:spPr/>
+        <p:txBody>
+          <a:bodyPr/>
+          <a:lstStyle/>
+          <a:p>
+            <a:endParaRPr lang="pt-BR"/>
+          </a:p>
+        </p:txBody>
+      </p:sp>
+    </p:spTree>
+    <p:extLst>
+      <p:ext uri="{BB962C8B-B14F-4D97-AF65-F5344CB8AC3E}">
+        <p14:creationId xmlns:p14="http://schemas.microsoft.com/office/powerpoint/2010/main" val="4240335335"/>
+      </p:ext>
+    </p:extLst>
+  </p:cSld>
+  <p:clrMapOvr>
+    <a:masterClrMapping/>
+  </p:clrMapOvr>
+  <p:timing>
+    <p:tnLst>
+      <p:par>
+        <p:cTn id="1" dur="indefinite" restart="never" nodeType="tmRoot"/>
+      </p:par>
+    </p:tnLst>
+  </p:timing>
+</p:sld>
+</file>
+
+<file path=ppt/slides/slide25.xml><?xml version="1.0" encoding="utf-8"?>
+<p:sld xmlns:a="http://schemas.openxmlformats.org/drawingml/2006/main" xmlns:r="http://schemas.openxmlformats.org/officeDocument/2006/relationships" xmlns:p="http://schemas.openxmlformats.org/presentationml/2006/main">
+  <p:cSld>
+    <p:spTree>
+      <p:nvGrpSpPr>
+        <p:cNvPr id="1" name=""/>
+        <p:cNvGrpSpPr/>
+        <p:nvPr/>
+      </p:nvGrpSpPr>
+      <p:grpSpPr>
+        <a:xfrm>
+          <a:off x="0" y="0"/>
+          <a:ext cx="0" cy="0"/>
+          <a:chOff x="0" y="0"/>
+          <a:chExt cx="0" cy="0"/>
+        </a:xfrm>
+      </p:grpSpPr>
+      <p:sp>
+        <p:nvSpPr>
+          <p:cNvPr id="2" name="Título 1"/>
+          <p:cNvSpPr>
+            <a:spLocks noGrp="1"/>
+          </p:cNvSpPr>
+          <p:nvPr>
+            <p:ph type="title"/>
+          </p:nvPr>
+        </p:nvSpPr>
+        <p:spPr/>
+        <p:txBody>
+          <a:bodyPr>
+            <a:normAutofit/>
+          </a:bodyPr>
+          <a:lstStyle/>
+          <a:p>
+            <a:r>
+              <a:rPr lang="pt-BR" sz="5400" dirty="0" smtClean="0"/>
+              <a:t>Considerações</a:t>
+            </a:r>
+            <a:endParaRPr lang="pt-BR" sz="5400" dirty="0"/>
+          </a:p>
+        </p:txBody>
+      </p:sp>
+      <p:sp>
+        <p:nvSpPr>
+          <p:cNvPr id="3" name="Espaço Reservado para Conteúdo 2"/>
+          <p:cNvSpPr>
+            <a:spLocks noGrp="1"/>
+          </p:cNvSpPr>
+          <p:nvPr>
+            <p:ph idx="1"/>
+          </p:nvPr>
+        </p:nvSpPr>
+        <p:spPr>
+          <a:xfrm>
+            <a:off x="838200" y="1825624"/>
+            <a:ext cx="10515600" cy="4589689"/>
+          </a:xfrm>
+        </p:spPr>
+        <p:txBody>
+          <a:bodyPr>
+            <a:normAutofit/>
+          </a:bodyPr>
+          <a:lstStyle/>
+          <a:p>
+            <a:pPr marL="0" indent="0">
+              <a:buNone/>
+            </a:pPr>
+            <a:r>
+              <a:rPr lang="pt-BR" sz="3600" dirty="0" smtClean="0"/>
+              <a:t>Utilizando aplicação desktop:</a:t>
+            </a:r>
+          </a:p>
+          <a:p>
+            <a:r>
+              <a:rPr lang="pt-BR" sz="3600" dirty="0" smtClean="0"/>
+              <a:t>Foi possível obter dados em tempo real do automóvel testado</a:t>
+            </a:r>
+          </a:p>
+          <a:p>
+            <a:r>
+              <a:rPr lang="pt-BR" sz="3600" dirty="0" smtClean="0"/>
+              <a:t>Observou-se certa lentidão na localização, conexão e envio de dados ao ELM327 utilizando a linguagem JAVA</a:t>
+            </a:r>
+          </a:p>
+          <a:p>
+            <a:r>
+              <a:rPr lang="pt-BR" sz="3600" dirty="0" smtClean="0"/>
+              <a:t>Identificou-se a obtenção do valor “?” quando requisitado um sensor inexistente no veículo</a:t>
+            </a:r>
+          </a:p>
+        </p:txBody>
+      </p:sp>
+    </p:spTree>
+    <p:extLst>
+      <p:ext uri="{BB962C8B-B14F-4D97-AF65-F5344CB8AC3E}">
+        <p14:creationId xmlns:p14="http://schemas.microsoft.com/office/powerpoint/2010/main" val="3371498468"/>
+      </p:ext>
+    </p:extLst>
+  </p:cSld>
+  <p:clrMapOvr>
+    <a:masterClrMapping/>
+  </p:clrMapOvr>
+  <p:timing>
+    <p:tnLst>
+      <p:par>
+        <p:cTn id="1" dur="indefinite" restart="never" nodeType="tmRoot"/>
+      </p:par>
+    </p:tnLst>
+  </p:timing>
+</p:sld>
+</file>
+
+<file path=ppt/slides/slide26.xml><?xml version="1.0" encoding="utf-8"?>
+<p:sld xmlns:a="http://schemas.openxmlformats.org/drawingml/2006/main" xmlns:r="http://schemas.openxmlformats.org/officeDocument/2006/relationships" xmlns:p="http://schemas.openxmlformats.org/presentationml/2006/main">
+  <p:cSld>
+    <p:spTree>
+      <p:nvGrpSpPr>
+        <p:cNvPr id="1" name=""/>
+        <p:cNvGrpSpPr/>
+        <p:nvPr/>
+      </p:nvGrpSpPr>
+      <p:grpSpPr>
+        <a:xfrm>
+          <a:off x="0" y="0"/>
+          <a:ext cx="0" cy="0"/>
+          <a:chOff x="0" y="0"/>
+          <a:chExt cx="0" cy="0"/>
+        </a:xfrm>
+      </p:grpSpPr>
+      <p:sp>
+        <p:nvSpPr>
+          <p:cNvPr id="2" name="Título 1"/>
+          <p:cNvSpPr>
+            <a:spLocks noGrp="1"/>
+          </p:cNvSpPr>
+          <p:nvPr>
+            <p:ph type="title"/>
+          </p:nvPr>
+        </p:nvSpPr>
+        <p:spPr>
+          <a:xfrm>
+            <a:off x="809172" y="2324553"/>
+            <a:ext cx="10515600" cy="1325563"/>
+          </a:xfrm>
+        </p:spPr>
+        <p:txBody>
+          <a:bodyPr>
+            <a:normAutofit/>
+          </a:bodyPr>
+          <a:lstStyle/>
+          <a:p>
+            <a:pPr algn="ctr"/>
+            <a:r>
+              <a:rPr lang="pt-BR" sz="5400" dirty="0" smtClean="0"/>
+              <a:t>OBRIGADO!</a:t>
+            </a:r>
+            <a:endParaRPr lang="pt-BR" sz="5400" dirty="0"/>
+          </a:p>
+        </p:txBody>
+      </p:sp>
+    </p:spTree>
+    <p:extLst>
+      <p:ext uri="{BB962C8B-B14F-4D97-AF65-F5344CB8AC3E}">
+        <p14:creationId xmlns:p14="http://schemas.microsoft.com/office/powerpoint/2010/main" val="2891224893"/>
+      </p:ext>
+    </p:extLst>
+  </p:cSld>
+  <p:clrMapOvr>
+    <a:masterClrMapping/>
+  </p:clrMapOvr>
+</p:sld>
+</file>
+
+<file path=ppt/slides/slide27.xml><?xml version="1.0" encoding="utf-8"?>
+<p:sld xmlns:a="http://schemas.openxmlformats.org/drawingml/2006/main" xmlns:r="http://schemas.openxmlformats.org/officeDocument/2006/relationships" xmlns:p="http://schemas.openxmlformats.org/presentationml/2006/main">
+  <p:cSld>
+    <p:spTree>
+      <p:nvGrpSpPr>
+        <p:cNvPr id="1" name=""/>
+        <p:cNvGrpSpPr/>
+        <p:nvPr/>
+      </p:nvGrpSpPr>
+      <p:grpSpPr>
+        <a:xfrm>
+          <a:off x="0" y="0"/>
+          <a:ext cx="0" cy="0"/>
+          <a:chOff x="0" y="0"/>
+          <a:chExt cx="0" cy="0"/>
+        </a:xfrm>
+      </p:grpSpPr>
+      <p:sp>
+        <p:nvSpPr>
+          <p:cNvPr id="2" name="Título 1"/>
+          <p:cNvSpPr>
+            <a:spLocks noGrp="1"/>
+          </p:cNvSpPr>
+          <p:nvPr>
+            <p:ph type="title"/>
+          </p:nvPr>
+        </p:nvSpPr>
+        <p:spPr/>
+        <p:txBody>
+          <a:bodyPr>
+            <a:normAutofit/>
+          </a:bodyPr>
+          <a:lstStyle/>
+          <a:p>
+            <a:r>
+              <a:rPr lang="pt-BR" sz="5400" dirty="0" smtClean="0"/>
+              <a:t>Bibliografia</a:t>
+            </a:r>
+            <a:endParaRPr lang="pt-BR" sz="5400" dirty="0"/>
+          </a:p>
+        </p:txBody>
+      </p:sp>
+      <p:sp>
+        <p:nvSpPr>
+          <p:cNvPr id="3" name="Espaço Reservado para Conteúdo 2"/>
+          <p:cNvSpPr>
+            <a:spLocks noGrp="1"/>
+          </p:cNvSpPr>
+          <p:nvPr>
+            <p:ph idx="1"/>
+          </p:nvPr>
+        </p:nvSpPr>
+        <p:spPr/>
+        <p:txBody>
+          <a:bodyPr>
+            <a:normAutofit fontScale="92500"/>
+          </a:bodyPr>
+          <a:lstStyle/>
+          <a:p>
+            <a:pPr marL="0" indent="0">
+              <a:buNone/>
+            </a:pPr>
+            <a:r>
+              <a:rPr lang="pt-BR" dirty="0"/>
+              <a:t>ASIS, Marco Aurélio </a:t>
+            </a:r>
+            <a:r>
+              <a:rPr lang="pt-BR" dirty="0" err="1"/>
+              <a:t>Scomparim</a:t>
+            </a:r>
+            <a:r>
+              <a:rPr lang="pt-BR" dirty="0"/>
+              <a:t>; FAGUNDES, Felipe Augusto Vieira; SILVA, Gustavo Luiz. Sistema de monitoramento automotivo remoto. 2015. 86 p. Dissertação (Graduação em Eletrônica Automotiva) – FATEC Santo André, Santo André. 2015.</a:t>
+            </a:r>
+          </a:p>
+          <a:p>
+            <a:pPr marL="0" indent="0">
+              <a:buNone/>
+            </a:pPr>
+            <a:endParaRPr lang="pt-BR" dirty="0"/>
+          </a:p>
+          <a:p>
+            <a:pPr marL="0" indent="0">
+              <a:buNone/>
+            </a:pPr>
+            <a:r>
+              <a:rPr lang="pt-BR" dirty="0"/>
+              <a:t>RICHARDSON, Matt; &amp; WALLACE, </a:t>
+            </a:r>
+            <a:r>
+              <a:rPr lang="pt-BR" dirty="0" err="1"/>
+              <a:t>Shawn</a:t>
+            </a:r>
+            <a:r>
+              <a:rPr lang="pt-BR" dirty="0"/>
+              <a:t> (2013). </a:t>
+            </a:r>
+            <a:r>
+              <a:rPr lang="pt-BR" dirty="0" err="1"/>
+              <a:t>Getting</a:t>
+            </a:r>
+            <a:r>
+              <a:rPr lang="pt-BR" dirty="0"/>
+              <a:t> </a:t>
+            </a:r>
+            <a:r>
+              <a:rPr lang="pt-BR" dirty="0" err="1"/>
+              <a:t>Started</a:t>
+            </a:r>
+            <a:r>
+              <a:rPr lang="pt-BR" dirty="0"/>
+              <a:t> </a:t>
+            </a:r>
+            <a:r>
+              <a:rPr lang="pt-BR" dirty="0" err="1"/>
+              <a:t>with</a:t>
+            </a:r>
+            <a:r>
+              <a:rPr lang="pt-BR" dirty="0"/>
+              <a:t> </a:t>
+            </a:r>
+            <a:r>
+              <a:rPr lang="pt-BR" dirty="0" err="1"/>
+              <a:t>Raspberry</a:t>
+            </a:r>
+            <a:r>
+              <a:rPr lang="pt-BR" dirty="0"/>
+              <a:t> </a:t>
+            </a:r>
+            <a:r>
+              <a:rPr lang="pt-BR" dirty="0" err="1"/>
+              <a:t>Pi</a:t>
+            </a:r>
+            <a:r>
+              <a:rPr lang="pt-BR" dirty="0"/>
+              <a:t> (1ª Edição, 180 p.). </a:t>
+            </a:r>
+            <a:r>
+              <a:rPr lang="pt-BR" dirty="0" err="1"/>
+              <a:t>Sebastopol</a:t>
+            </a:r>
+            <a:r>
+              <a:rPr lang="pt-BR" dirty="0"/>
+              <a:t>, Califórnia, EUA: </a:t>
+            </a:r>
+            <a:r>
+              <a:rPr lang="pt-BR" dirty="0" err="1"/>
+              <a:t>O’Reilly</a:t>
+            </a:r>
+            <a:r>
+              <a:rPr lang="pt-BR" dirty="0"/>
+              <a:t> Media.</a:t>
+            </a:r>
+          </a:p>
+          <a:p>
+            <a:pPr marL="0" indent="0">
+              <a:buNone/>
+            </a:pPr>
+            <a:endParaRPr lang="pt-BR" dirty="0"/>
+          </a:p>
+          <a:p>
+            <a:pPr marL="0" indent="0">
+              <a:buNone/>
+            </a:pPr>
+            <a:r>
+              <a:rPr lang="pt-BR" dirty="0"/>
+              <a:t>SMITH, Craig (2016). The </a:t>
+            </a:r>
+            <a:r>
+              <a:rPr lang="pt-BR" dirty="0" err="1"/>
+              <a:t>car</a:t>
+            </a:r>
+            <a:r>
+              <a:rPr lang="pt-BR" dirty="0"/>
+              <a:t> </a:t>
+            </a:r>
+            <a:r>
+              <a:rPr lang="pt-BR" dirty="0" err="1"/>
+              <a:t>hacker's</a:t>
+            </a:r>
+            <a:r>
+              <a:rPr lang="pt-BR" dirty="0"/>
+              <a:t> </a:t>
+            </a:r>
+            <a:r>
+              <a:rPr lang="pt-BR" dirty="0" err="1"/>
+              <a:t>handbook</a:t>
+            </a:r>
+            <a:r>
+              <a:rPr lang="pt-BR" dirty="0"/>
+              <a:t>: A </a:t>
+            </a:r>
+            <a:r>
+              <a:rPr lang="pt-BR" dirty="0" err="1"/>
+              <a:t>guide</a:t>
+            </a:r>
+            <a:r>
+              <a:rPr lang="pt-BR" dirty="0"/>
+              <a:t> for </a:t>
+            </a:r>
+            <a:r>
+              <a:rPr lang="pt-BR" dirty="0" err="1"/>
+              <a:t>the</a:t>
+            </a:r>
+            <a:r>
+              <a:rPr lang="pt-BR" dirty="0"/>
+              <a:t> </a:t>
+            </a:r>
+            <a:r>
+              <a:rPr lang="pt-BR" dirty="0" err="1"/>
+              <a:t>penetration</a:t>
+            </a:r>
+            <a:r>
+              <a:rPr lang="pt-BR" dirty="0"/>
+              <a:t> </a:t>
+            </a:r>
+            <a:r>
+              <a:rPr lang="pt-BR" dirty="0" err="1"/>
+              <a:t>tester</a:t>
+            </a:r>
+            <a:r>
+              <a:rPr lang="pt-BR" dirty="0"/>
+              <a:t> (1ª Edição, 304 p.). San Francisco, Califórnia, EUA: No </a:t>
+            </a:r>
+            <a:r>
+              <a:rPr lang="pt-BR" dirty="0" err="1"/>
+              <a:t>Starch</a:t>
+            </a:r>
+            <a:r>
+              <a:rPr lang="pt-BR" dirty="0"/>
+              <a:t> Press.</a:t>
+            </a:r>
+          </a:p>
+          <a:p>
+            <a:pPr marL="0" indent="0">
+              <a:buNone/>
+            </a:pPr>
+            <a:endParaRPr lang="pt-BR" dirty="0"/>
+          </a:p>
+        </p:txBody>
+      </p:sp>
+    </p:spTree>
+    <p:extLst>
+      <p:ext uri="{BB962C8B-B14F-4D97-AF65-F5344CB8AC3E}">
+        <p14:creationId xmlns:p14="http://schemas.microsoft.com/office/powerpoint/2010/main" val="2889505652"/>
+      </p:ext>
+    </p:extLst>
+  </p:cSld>
+  <p:clrMapOvr>
+    <a:masterClrMapping/>
+  </p:clrMapOvr>
+  <p:timing>
+    <p:tnLst>
+      <p:par>
+        <p:cTn id="1" dur="indefinite" restart="never" nodeType="tmRoot"/>
+      </p:par>
+    </p:tnLst>
+  </p:timing>
+</p:sld>
+</file>
+
+<file path=ppt/slides/slide28.xml><?xml version="1.0" encoding="utf-8"?>
+<p:sld xmlns:a="http://schemas.openxmlformats.org/drawingml/2006/main" xmlns:r="http://schemas.openxmlformats.org/officeDocument/2006/relationships" xmlns:p="http://schemas.openxmlformats.org/presentationml/2006/main">
+  <p:cSld>
+    <p:spTree>
+      <p:nvGrpSpPr>
+        <p:cNvPr id="1" name=""/>
+        <p:cNvGrpSpPr/>
+        <p:nvPr/>
+      </p:nvGrpSpPr>
+      <p:grpSpPr>
+        <a:xfrm>
+          <a:off x="0" y="0"/>
+          <a:ext cx="0" cy="0"/>
+          <a:chOff x="0" y="0"/>
+          <a:chExt cx="0" cy="0"/>
+        </a:xfrm>
+      </p:grpSpPr>
+      <p:sp>
+        <p:nvSpPr>
+          <p:cNvPr id="2" name="Título 1"/>
+          <p:cNvSpPr>
+            <a:spLocks noGrp="1"/>
+          </p:cNvSpPr>
+          <p:nvPr>
+            <p:ph type="title"/>
+          </p:nvPr>
+        </p:nvSpPr>
+        <p:spPr/>
+        <p:txBody>
+          <a:bodyPr>
+            <a:normAutofit/>
+          </a:bodyPr>
+          <a:lstStyle/>
+          <a:p>
+            <a:r>
               <a:rPr lang="pt-BR" sz="5400" dirty="0" err="1" smtClean="0"/>
               <a:t>Apendice</a:t>
             </a:r>
@@ -6335,7 +7351,7 @@
 </p:sld>
 </file>
 
-<file path=ppt/slides/slide24.xml><?xml version="1.0" encoding="utf-8"?>
+<file path=ppt/slides/slide29.xml><?xml version="1.0" encoding="utf-8"?>
 <p:sld xmlns:a="http://schemas.openxmlformats.org/drawingml/2006/main" xmlns:r="http://schemas.openxmlformats.org/officeDocument/2006/relationships" xmlns:p="http://schemas.openxmlformats.org/presentationml/2006/main">
   <p:cSld>
     <p:spTree>
@@ -6953,7 +7969,6 @@
               <a:rPr lang="pt-BR" sz="3600" dirty="0" smtClean="0"/>
               <a:t>Eletrônico)</a:t>
             </a:r>
-            <a:endParaRPr lang="pt-BR" sz="3600" dirty="0" smtClean="0"/>
           </a:p>
           <a:p>
             <a:pPr marL="457200" lvl="1" indent="0">
@@ -6963,7 +7978,6 @@
               <a:rPr lang="pt-BR" sz="3200" dirty="0" smtClean="0"/>
               <a:t>Dispositivo informatizado que:</a:t>
             </a:r>
-            <a:endParaRPr lang="pt-BR" sz="3200" dirty="0" smtClean="0"/>
           </a:p>
           <a:p>
             <a:pPr lvl="1"/>
@@ -6996,7 +8010,6 @@
               <a:rPr lang="pt-BR" sz="3200" dirty="0" smtClean="0"/>
               <a:t>(foto/diagrama)</a:t>
             </a:r>
-            <a:endParaRPr lang="pt-BR" sz="3200" dirty="0" smtClean="0"/>
           </a:p>
         </p:txBody>
       </p:sp>

--- a/TCC-documentos/Apresentacao/TCC_v3.pptx
+++ b/TCC-documentos/Apresentacao/TCC_v3.pptx
@@ -5,38 +5,47 @@
     <p:sldMasterId id="2147483648" r:id="rId1"/>
   </p:sldMasterIdLst>
   <p:notesMasterIdLst>
-    <p:notesMasterId r:id="rId31"/>
+    <p:notesMasterId r:id="rId37"/>
   </p:notesMasterIdLst>
+  <p:handoutMasterIdLst>
+    <p:handoutMasterId r:id="rId38"/>
+  </p:handoutMasterIdLst>
   <p:sldIdLst>
     <p:sldId id="256" r:id="rId2"/>
     <p:sldId id="257" r:id="rId3"/>
-    <p:sldId id="266" r:id="rId4"/>
-    <p:sldId id="258" r:id="rId5"/>
-    <p:sldId id="259" r:id="rId6"/>
-    <p:sldId id="260" r:id="rId7"/>
-    <p:sldId id="270" r:id="rId8"/>
-    <p:sldId id="273" r:id="rId9"/>
-    <p:sldId id="275" r:id="rId10"/>
-    <p:sldId id="271" r:id="rId11"/>
-    <p:sldId id="272" r:id="rId12"/>
-    <p:sldId id="285" r:id="rId13"/>
-    <p:sldId id="274" r:id="rId14"/>
-    <p:sldId id="276" r:id="rId15"/>
-    <p:sldId id="277" r:id="rId16"/>
-    <p:sldId id="261" r:id="rId17"/>
-    <p:sldId id="286" r:id="rId18"/>
-    <p:sldId id="287" r:id="rId19"/>
-    <p:sldId id="288" r:id="rId20"/>
-    <p:sldId id="289" r:id="rId21"/>
-    <p:sldId id="281" r:id="rId22"/>
-    <p:sldId id="280" r:id="rId23"/>
-    <p:sldId id="279" r:id="rId24"/>
-    <p:sldId id="262" r:id="rId25"/>
-    <p:sldId id="263" r:id="rId26"/>
-    <p:sldId id="282" r:id="rId27"/>
-    <p:sldId id="264" r:id="rId28"/>
-    <p:sldId id="283" r:id="rId29"/>
-    <p:sldId id="284" r:id="rId30"/>
+    <p:sldId id="296" r:id="rId4"/>
+    <p:sldId id="266" r:id="rId5"/>
+    <p:sldId id="258" r:id="rId6"/>
+    <p:sldId id="259" r:id="rId7"/>
+    <p:sldId id="260" r:id="rId8"/>
+    <p:sldId id="270" r:id="rId9"/>
+    <p:sldId id="295" r:id="rId10"/>
+    <p:sldId id="273" r:id="rId11"/>
+    <p:sldId id="275" r:id="rId12"/>
+    <p:sldId id="271" r:id="rId13"/>
+    <p:sldId id="272" r:id="rId14"/>
+    <p:sldId id="285" r:id="rId15"/>
+    <p:sldId id="274" r:id="rId16"/>
+    <p:sldId id="276" r:id="rId17"/>
+    <p:sldId id="277" r:id="rId18"/>
+    <p:sldId id="261" r:id="rId19"/>
+    <p:sldId id="286" r:id="rId20"/>
+    <p:sldId id="287" r:id="rId21"/>
+    <p:sldId id="288" r:id="rId22"/>
+    <p:sldId id="289" r:id="rId23"/>
+    <p:sldId id="281" r:id="rId24"/>
+    <p:sldId id="280" r:id="rId25"/>
+    <p:sldId id="279" r:id="rId26"/>
+    <p:sldId id="263" r:id="rId27"/>
+    <p:sldId id="262" r:id="rId28"/>
+    <p:sldId id="282" r:id="rId29"/>
+    <p:sldId id="264" r:id="rId30"/>
+    <p:sldId id="284" r:id="rId31"/>
+    <p:sldId id="290" r:id="rId32"/>
+    <p:sldId id="294" r:id="rId33"/>
+    <p:sldId id="291" r:id="rId34"/>
+    <p:sldId id="293" r:id="rId35"/>
+    <p:sldId id="292" r:id="rId36"/>
   </p:sldIdLst>
   <p:sldSz cx="12192000" cy="6858000"/>
   <p:notesSz cx="6858000" cy="9144000"/>
@@ -143,6 +152,172 @@
 </p:presentation>
 </file>
 
+<file path=ppt/handoutMasters/handoutMaster1.xml><?xml version="1.0" encoding="utf-8"?>
+<p:handoutMaster xmlns:a="http://schemas.openxmlformats.org/drawingml/2006/main" xmlns:r="http://schemas.openxmlformats.org/officeDocument/2006/relationships" xmlns:p="http://schemas.openxmlformats.org/presentationml/2006/main">
+  <p:cSld>
+    <p:bg>
+      <p:bgRef idx="1001">
+        <a:schemeClr val="bg1"/>
+      </p:bgRef>
+    </p:bg>
+    <p:spTree>
+      <p:nvGrpSpPr>
+        <p:cNvPr id="1" name=""/>
+        <p:cNvGrpSpPr/>
+        <p:nvPr/>
+      </p:nvGrpSpPr>
+      <p:grpSpPr>
+        <a:xfrm>
+          <a:off x="0" y="0"/>
+          <a:ext cx="0" cy="0"/>
+          <a:chOff x="0" y="0"/>
+          <a:chExt cx="0" cy="0"/>
+        </a:xfrm>
+      </p:grpSpPr>
+      <p:sp>
+        <p:nvSpPr>
+          <p:cNvPr id="2" name="Espaço Reservado para Cabeçalho 1"/>
+          <p:cNvSpPr>
+            <a:spLocks noGrp="1"/>
+          </p:cNvSpPr>
+          <p:nvPr>
+            <p:ph type="hdr" sz="quarter"/>
+          </p:nvPr>
+        </p:nvSpPr>
+        <p:spPr>
+          <a:xfrm>
+            <a:off x="0" y="0"/>
+            <a:ext cx="2971800" cy="458788"/>
+          </a:xfrm>
+          <a:prstGeom prst="rect">
+            <a:avLst/>
+          </a:prstGeom>
+        </p:spPr>
+        <p:txBody>
+          <a:bodyPr vert="horz" lIns="91440" tIns="45720" rIns="91440" bIns="45720" rtlCol="0"/>
+          <a:lstStyle>
+            <a:lvl1pPr algn="l">
+              <a:defRPr sz="1200"/>
+            </a:lvl1pPr>
+          </a:lstStyle>
+          <a:p>
+            <a:endParaRPr lang="pt-BR"/>
+          </a:p>
+        </p:txBody>
+      </p:sp>
+      <p:sp>
+        <p:nvSpPr>
+          <p:cNvPr id="3" name="Espaço Reservado para Data 2"/>
+          <p:cNvSpPr>
+            <a:spLocks noGrp="1"/>
+          </p:cNvSpPr>
+          <p:nvPr>
+            <p:ph type="dt" sz="quarter" idx="1"/>
+          </p:nvPr>
+        </p:nvSpPr>
+        <p:spPr>
+          <a:xfrm>
+            <a:off x="3884613" y="0"/>
+            <a:ext cx="2971800" cy="458788"/>
+          </a:xfrm>
+          <a:prstGeom prst="rect">
+            <a:avLst/>
+          </a:prstGeom>
+        </p:spPr>
+        <p:txBody>
+          <a:bodyPr vert="horz" lIns="91440" tIns="45720" rIns="91440" bIns="45720" rtlCol="0"/>
+          <a:lstStyle>
+            <a:lvl1pPr algn="r">
+              <a:defRPr sz="1200"/>
+            </a:lvl1pPr>
+          </a:lstStyle>
+          <a:p>
+            <a:fld id="{1AD253F0-9F7B-43E2-860F-805FECE88C0E}" type="datetimeFigureOut">
+              <a:rPr lang="pt-BR" smtClean="0"/>
+              <a:t>10/09/2017</a:t>
+            </a:fld>
+            <a:endParaRPr lang="pt-BR"/>
+          </a:p>
+        </p:txBody>
+      </p:sp>
+      <p:sp>
+        <p:nvSpPr>
+          <p:cNvPr id="4" name="Espaço Reservado para Rodapé 3"/>
+          <p:cNvSpPr>
+            <a:spLocks noGrp="1"/>
+          </p:cNvSpPr>
+          <p:nvPr>
+            <p:ph type="ftr" sz="quarter" idx="2"/>
+          </p:nvPr>
+        </p:nvSpPr>
+        <p:spPr>
+          <a:xfrm>
+            <a:off x="0" y="8685213"/>
+            <a:ext cx="2971800" cy="458787"/>
+          </a:xfrm>
+          <a:prstGeom prst="rect">
+            <a:avLst/>
+          </a:prstGeom>
+        </p:spPr>
+        <p:txBody>
+          <a:bodyPr vert="horz" lIns="91440" tIns="45720" rIns="91440" bIns="45720" rtlCol="0" anchor="b"/>
+          <a:lstStyle>
+            <a:lvl1pPr algn="l">
+              <a:defRPr sz="1200"/>
+            </a:lvl1pPr>
+          </a:lstStyle>
+          <a:p>
+            <a:endParaRPr lang="pt-BR"/>
+          </a:p>
+        </p:txBody>
+      </p:sp>
+      <p:sp>
+        <p:nvSpPr>
+          <p:cNvPr id="5" name="Espaço Reservado para Número de Slide 4"/>
+          <p:cNvSpPr>
+            <a:spLocks noGrp="1"/>
+          </p:cNvSpPr>
+          <p:nvPr>
+            <p:ph type="sldNum" sz="quarter" idx="3"/>
+          </p:nvPr>
+        </p:nvSpPr>
+        <p:spPr>
+          <a:xfrm>
+            <a:off x="3884613" y="8685213"/>
+            <a:ext cx="2971800" cy="458787"/>
+          </a:xfrm>
+          <a:prstGeom prst="rect">
+            <a:avLst/>
+          </a:prstGeom>
+        </p:spPr>
+        <p:txBody>
+          <a:bodyPr vert="horz" lIns="91440" tIns="45720" rIns="91440" bIns="45720" rtlCol="0" anchor="b"/>
+          <a:lstStyle>
+            <a:lvl1pPr algn="r">
+              <a:defRPr sz="1200"/>
+            </a:lvl1pPr>
+          </a:lstStyle>
+          <a:p>
+            <a:fld id="{B3192EF5-3D2A-44CA-9FE8-9C3BE057657F}" type="slidenum">
+              <a:rPr lang="pt-BR" smtClean="0"/>
+              <a:t>‹nº›</a:t>
+            </a:fld>
+            <a:endParaRPr lang="pt-BR"/>
+          </a:p>
+        </p:txBody>
+      </p:sp>
+    </p:spTree>
+    <p:extLst>
+      <p:ext uri="{BB962C8B-B14F-4D97-AF65-F5344CB8AC3E}">
+        <p14:creationId xmlns:p14="http://schemas.microsoft.com/office/powerpoint/2010/main" val="1430737422"/>
+      </p:ext>
+    </p:extLst>
+  </p:cSld>
+  <p:clrMap bg1="lt1" tx1="dk1" bg2="lt2" tx2="dk2" accent1="accent1" accent2="accent2" accent3="accent3" accent4="accent4" accent5="accent5" accent6="accent6" hlink="hlink" folHlink="folHlink"/>
+  <p:hf hdr="0" ftr="0" dt="0"/>
+</p:handoutMaster>
+</file>
+
 <file path=ppt/notesMasters/notesMaster1.xml><?xml version="1.0" encoding="utf-8"?>
 <p:notesMaster xmlns:a="http://schemas.openxmlformats.org/drawingml/2006/main" xmlns:r="http://schemas.openxmlformats.org/officeDocument/2006/relationships" xmlns:p="http://schemas.openxmlformats.org/presentationml/2006/main">
   <p:cSld>
@@ -225,7 +400,7 @@
           <a:p>
             <a:fld id="{6F9B13F0-AD01-4A97-8BF1-3C60F0438B51}" type="datetimeFigureOut">
               <a:rPr lang="pt-BR" smtClean="0"/>
-              <a:t>08/09/2017</a:t>
+              <a:t>10/09/2017</a:t>
             </a:fld>
             <a:endParaRPr lang="pt-BR"/>
           </a:p>
@@ -398,6 +573,7 @@
     </p:extLst>
   </p:cSld>
   <p:clrMap bg1="lt1" tx1="dk1" bg2="lt2" tx2="dk2" accent1="accent1" accent2="accent2" accent3="accent3" accent4="accent4" accent5="accent5" accent6="accent6" hlink="hlink" folHlink="folHlink"/>
+  <p:hf hdr="0" ftr="0" dt="0"/>
   <p:notesStyle>
     <a:lvl1pPr marL="0" algn="l" defTabSz="914400" rtl="0" eaLnBrk="1" latinLnBrk="0" hangingPunct="1">
       <a:defRPr sz="1200" kern="1200">
@@ -537,7 +713,7 @@
           <a:bodyPr/>
           <a:lstStyle/>
           <a:p>
-            <a:endParaRPr lang="pt-BR" dirty="0"/>
+            <a:endParaRPr lang="pt-BR"/>
           </a:p>
         </p:txBody>
       </p:sp>
@@ -558,7 +734,7 @@
           <a:p>
             <a:fld id="{F985E3CD-85B8-43CD-A31A-BE87A48B626F}" type="slidenum">
               <a:rPr lang="pt-BR" smtClean="0"/>
-              <a:t>2</a:t>
+              <a:t>1</a:t>
             </a:fld>
             <a:endParaRPr lang="pt-BR"/>
           </a:p>
@@ -567,7 +743,7 @@
     </p:spTree>
     <p:extLst>
       <p:ext uri="{BB962C8B-B14F-4D97-AF65-F5344CB8AC3E}">
-        <p14:creationId xmlns:p14="http://schemas.microsoft.com/office/powerpoint/2010/main" val="2043510056"/>
+        <p14:creationId xmlns:p14="http://schemas.microsoft.com/office/powerpoint/2010/main" val="3043377663"/>
       </p:ext>
     </p:extLst>
   </p:cSld>
@@ -621,20 +797,6 @@
           <a:bodyPr/>
           <a:lstStyle/>
           <a:p>
-            <a:r>
-              <a:rPr lang="pt-BR" dirty="0" smtClean="0"/>
-              <a:t>A</a:t>
-            </a:r>
-            <a:r>
-              <a:rPr lang="pt-BR" baseline="0" dirty="0" smtClean="0"/>
-              <a:t> evolução tecnológica no cenário automobilístico tem alavancado vários benefícios, como diminuição do consumo de combustível, diminuição na emissão de poluentes, etc.</a:t>
-            </a:r>
-          </a:p>
-          <a:p>
-            <a:r>
-              <a:rPr lang="pt-BR" baseline="0" dirty="0" smtClean="0"/>
-              <a:t>Analisando a evolução tecnológica no cenário automobilístico, observa-se que parte do funcionamento dos automóveis estão passando a ser informatizados (digital) ao invés de mecânicos</a:t>
-            </a:r>
             <a:endParaRPr lang="pt-BR" dirty="0"/>
           </a:p>
         </p:txBody>
@@ -656,7 +818,7 @@
           <a:p>
             <a:fld id="{F985E3CD-85B8-43CD-A31A-BE87A48B626F}" type="slidenum">
               <a:rPr lang="pt-BR" smtClean="0"/>
-              <a:t>3</a:t>
+              <a:t>2</a:t>
             </a:fld>
             <a:endParaRPr lang="pt-BR"/>
           </a:p>
@@ -665,7 +827,7 @@
     </p:spTree>
     <p:extLst>
       <p:ext uri="{BB962C8B-B14F-4D97-AF65-F5344CB8AC3E}">
-        <p14:creationId xmlns:p14="http://schemas.microsoft.com/office/powerpoint/2010/main" val="642293324"/>
+        <p14:creationId xmlns:p14="http://schemas.microsoft.com/office/powerpoint/2010/main" val="2043510056"/>
       </p:ext>
     </p:extLst>
   </p:cSld>
@@ -740,7 +902,7 @@
           <a:p>
             <a:fld id="{F985E3CD-85B8-43CD-A31A-BE87A48B626F}" type="slidenum">
               <a:rPr lang="pt-BR" smtClean="0"/>
-              <a:t>5</a:t>
+              <a:t>3</a:t>
             </a:fld>
             <a:endParaRPr lang="pt-BR"/>
           </a:p>
@@ -749,7 +911,7 @@
     </p:spTree>
     <p:extLst>
       <p:ext uri="{BB962C8B-B14F-4D97-AF65-F5344CB8AC3E}">
-        <p14:creationId xmlns:p14="http://schemas.microsoft.com/office/powerpoint/2010/main" val="2384284368"/>
+        <p14:creationId xmlns:p14="http://schemas.microsoft.com/office/powerpoint/2010/main" val="1522995295"/>
       </p:ext>
     </p:extLst>
   </p:cSld>
@@ -805,62 +967,17 @@
           <a:p>
             <a:r>
               <a:rPr lang="pt-BR" dirty="0" smtClean="0"/>
-              <a:t>ECU individual que gerencia todos</a:t>
+              <a:t>A</a:t>
             </a:r>
             <a:r>
               <a:rPr lang="pt-BR" baseline="0" dirty="0" smtClean="0"/>
-              <a:t> os recursos, como </a:t>
-            </a:r>
-            <a:r>
-              <a:rPr lang="pt-BR" baseline="0" dirty="0" err="1" smtClean="0"/>
-              <a:t>Ingeção</a:t>
-            </a:r>
+              <a:t> evolução tecnológica no cenário automobilístico tem alavancado vários benefícios, como diminuição do consumo de combustível, diminuição na emissão de poluentes, etc.</a:t>
+            </a:r>
+          </a:p>
+          <a:p>
             <a:r>
               <a:rPr lang="pt-BR" baseline="0" dirty="0" smtClean="0"/>
-              <a:t> eletrônica, travas elétricas, vidros elétricos, alarme, painel de instruções, </a:t>
-            </a:r>
-            <a:r>
-              <a:rPr lang="pt-BR" baseline="0" dirty="0" err="1" smtClean="0"/>
-              <a:t>etc</a:t>
-            </a:r>
-            <a:endParaRPr lang="pt-BR" baseline="0" dirty="0" smtClean="0"/>
-          </a:p>
-          <a:p>
-            <a:r>
-              <a:rPr lang="pt-BR" baseline="0" dirty="0" smtClean="0"/>
-              <a:t>EDU distribuída contém várias </a:t>
-            </a:r>
-            <a:r>
-              <a:rPr lang="pt-BR" baseline="0" dirty="0" err="1" smtClean="0"/>
-              <a:t>ECUs</a:t>
-            </a:r>
-            <a:r>
-              <a:rPr lang="pt-BR" baseline="0" dirty="0" smtClean="0"/>
-              <a:t> responsáveis por gerenciar sistemas individuais, mas que podem se comunicar com outras </a:t>
-            </a:r>
-            <a:r>
-              <a:rPr lang="pt-BR" baseline="0" dirty="0" err="1" smtClean="0"/>
-              <a:t>ECUs</a:t>
-            </a:r>
-            <a:r>
-              <a:rPr lang="pt-BR" baseline="0" dirty="0" smtClean="0"/>
-              <a:t>. </a:t>
-            </a:r>
-            <a:r>
-              <a:rPr lang="pt-BR" baseline="0" dirty="0" err="1" smtClean="0"/>
-              <a:t>Ex</a:t>
-            </a:r>
-            <a:r>
-              <a:rPr lang="pt-BR" baseline="0" dirty="0" smtClean="0"/>
-              <a:t>: ECU da </a:t>
-            </a:r>
-            <a:r>
-              <a:rPr lang="pt-BR" baseline="0" dirty="0" err="1" smtClean="0"/>
-              <a:t>Ingeção</a:t>
-            </a:r>
-            <a:r>
-              <a:rPr lang="pt-BR" baseline="0" dirty="0" smtClean="0"/>
-              <a:t>, ECU dos módulos das travas elétricas, ECU dos módulos de vidro Elétrico, ECU do sistema de ABS, etc.....</a:t>
+              <a:t>Analisando a evolução tecnológica no cenário automobilístico, observa-se que parte do funcionamento dos automóveis estão passando a ser informatizados (digital) ao invés de mecânicos</a:t>
             </a:r>
             <a:endParaRPr lang="pt-BR" dirty="0"/>
           </a:p>
@@ -883,7 +1000,7 @@
           <a:p>
             <a:fld id="{F985E3CD-85B8-43CD-A31A-BE87A48B626F}" type="slidenum">
               <a:rPr lang="pt-BR" smtClean="0"/>
-              <a:t>7</a:t>
+              <a:t>4</a:t>
             </a:fld>
             <a:endParaRPr lang="pt-BR"/>
           </a:p>
@@ -892,7 +1009,7 @@
     </p:spTree>
     <p:extLst>
       <p:ext uri="{BB962C8B-B14F-4D97-AF65-F5344CB8AC3E}">
-        <p14:creationId xmlns:p14="http://schemas.microsoft.com/office/powerpoint/2010/main" val="2227966879"/>
+        <p14:creationId xmlns:p14="http://schemas.microsoft.com/office/powerpoint/2010/main" val="642293324"/>
       </p:ext>
     </p:extLst>
   </p:cSld>
@@ -967,7 +1084,377 @@
           <a:p>
             <a:fld id="{F985E3CD-85B8-43CD-A31A-BE87A48B626F}" type="slidenum">
               <a:rPr lang="pt-BR" smtClean="0"/>
-              <a:t>20</a:t>
+              <a:t>6</a:t>
+            </a:fld>
+            <a:endParaRPr lang="pt-BR"/>
+          </a:p>
+        </p:txBody>
+      </p:sp>
+    </p:spTree>
+    <p:extLst>
+      <p:ext uri="{BB962C8B-B14F-4D97-AF65-F5344CB8AC3E}">
+        <p14:creationId xmlns:p14="http://schemas.microsoft.com/office/powerpoint/2010/main" val="2384284368"/>
+      </p:ext>
+    </p:extLst>
+  </p:cSld>
+  <p:clrMapOvr>
+    <a:masterClrMapping/>
+  </p:clrMapOvr>
+</p:notes>
+</file>
+
+<file path=ppt/notesSlides/notesSlide6.xml><?xml version="1.0" encoding="utf-8"?>
+<p:notes xmlns:a="http://schemas.openxmlformats.org/drawingml/2006/main" xmlns:r="http://schemas.openxmlformats.org/officeDocument/2006/relationships" xmlns:p="http://schemas.openxmlformats.org/presentationml/2006/main">
+  <p:cSld>
+    <p:spTree>
+      <p:nvGrpSpPr>
+        <p:cNvPr id="1" name=""/>
+        <p:cNvGrpSpPr/>
+        <p:nvPr/>
+      </p:nvGrpSpPr>
+      <p:grpSpPr>
+        <a:xfrm>
+          <a:off x="0" y="0"/>
+          <a:ext cx="0" cy="0"/>
+          <a:chOff x="0" y="0"/>
+          <a:chExt cx="0" cy="0"/>
+        </a:xfrm>
+      </p:grpSpPr>
+      <p:sp>
+        <p:nvSpPr>
+          <p:cNvPr id="2" name="Espaço Reservado para Imagem de Slide 1"/>
+          <p:cNvSpPr>
+            <a:spLocks noGrp="1" noRot="1" noChangeAspect="1"/>
+          </p:cNvSpPr>
+          <p:nvPr>
+            <p:ph type="sldImg"/>
+          </p:nvPr>
+        </p:nvSpPr>
+        <p:spPr/>
+      </p:sp>
+      <p:sp>
+        <p:nvSpPr>
+          <p:cNvPr id="3" name="Espaço Reservado para Anotações 2"/>
+          <p:cNvSpPr>
+            <a:spLocks noGrp="1"/>
+          </p:cNvSpPr>
+          <p:nvPr>
+            <p:ph type="body" idx="1"/>
+          </p:nvPr>
+        </p:nvSpPr>
+        <p:spPr/>
+        <p:txBody>
+          <a:bodyPr/>
+          <a:lstStyle/>
+          <a:p>
+            <a:r>
+              <a:rPr lang="pt-BR" dirty="0" smtClean="0"/>
+              <a:t>ECU individual que gerencia todos</a:t>
+            </a:r>
+            <a:r>
+              <a:rPr lang="pt-BR" baseline="0" dirty="0" smtClean="0"/>
+              <a:t> os recursos, como </a:t>
+            </a:r>
+            <a:r>
+              <a:rPr lang="pt-BR" baseline="0" dirty="0" err="1" smtClean="0"/>
+              <a:t>Ingeção</a:t>
+            </a:r>
+            <a:r>
+              <a:rPr lang="pt-BR" baseline="0" dirty="0" smtClean="0"/>
+              <a:t> eletrônica, travas elétricas, vidros elétricos, alarme, painel de instruções, </a:t>
+            </a:r>
+            <a:r>
+              <a:rPr lang="pt-BR" baseline="0" dirty="0" err="1" smtClean="0"/>
+              <a:t>etc</a:t>
+            </a:r>
+            <a:endParaRPr lang="pt-BR" baseline="0" dirty="0" smtClean="0"/>
+          </a:p>
+          <a:p>
+            <a:r>
+              <a:rPr lang="pt-BR" baseline="0" dirty="0" smtClean="0"/>
+              <a:t>EDU distribuída contém várias </a:t>
+            </a:r>
+            <a:r>
+              <a:rPr lang="pt-BR" baseline="0" dirty="0" err="1" smtClean="0"/>
+              <a:t>ECUs</a:t>
+            </a:r>
+            <a:r>
+              <a:rPr lang="pt-BR" baseline="0" dirty="0" smtClean="0"/>
+              <a:t> responsáveis por gerenciar sistemas individuais, mas que podem se comunicar com outras </a:t>
+            </a:r>
+            <a:r>
+              <a:rPr lang="pt-BR" baseline="0" dirty="0" err="1" smtClean="0"/>
+              <a:t>ECUs</a:t>
+            </a:r>
+            <a:r>
+              <a:rPr lang="pt-BR" baseline="0" dirty="0" smtClean="0"/>
+              <a:t>. </a:t>
+            </a:r>
+            <a:r>
+              <a:rPr lang="pt-BR" baseline="0" dirty="0" err="1" smtClean="0"/>
+              <a:t>Ex</a:t>
+            </a:r>
+            <a:r>
+              <a:rPr lang="pt-BR" baseline="0" dirty="0" smtClean="0"/>
+              <a:t>: ECU da </a:t>
+            </a:r>
+            <a:r>
+              <a:rPr lang="pt-BR" baseline="0" dirty="0" err="1" smtClean="0"/>
+              <a:t>Ingeção</a:t>
+            </a:r>
+            <a:r>
+              <a:rPr lang="pt-BR" baseline="0" dirty="0" smtClean="0"/>
+              <a:t>, ECU dos módulos das travas elétricas, ECU dos módulos de vidro Elétrico, ECU do sistema de ABS, etc.....</a:t>
+            </a:r>
+            <a:endParaRPr lang="pt-BR" dirty="0"/>
+          </a:p>
+        </p:txBody>
+      </p:sp>
+      <p:sp>
+        <p:nvSpPr>
+          <p:cNvPr id="4" name="Espaço Reservado para Número de Slide 3"/>
+          <p:cNvSpPr>
+            <a:spLocks noGrp="1"/>
+          </p:cNvSpPr>
+          <p:nvPr>
+            <p:ph type="sldNum" sz="quarter" idx="10"/>
+          </p:nvPr>
+        </p:nvSpPr>
+        <p:spPr/>
+        <p:txBody>
+          <a:bodyPr/>
+          <a:lstStyle/>
+          <a:p>
+            <a:fld id="{F985E3CD-85B8-43CD-A31A-BE87A48B626F}" type="slidenum">
+              <a:rPr lang="pt-BR" smtClean="0"/>
+              <a:t>8</a:t>
+            </a:fld>
+            <a:endParaRPr lang="pt-BR"/>
+          </a:p>
+        </p:txBody>
+      </p:sp>
+    </p:spTree>
+    <p:extLst>
+      <p:ext uri="{BB962C8B-B14F-4D97-AF65-F5344CB8AC3E}">
+        <p14:creationId xmlns:p14="http://schemas.microsoft.com/office/powerpoint/2010/main" val="2227966879"/>
+      </p:ext>
+    </p:extLst>
+  </p:cSld>
+  <p:clrMapOvr>
+    <a:masterClrMapping/>
+  </p:clrMapOvr>
+</p:notes>
+</file>
+
+<file path=ppt/notesSlides/notesSlide7.xml><?xml version="1.0" encoding="utf-8"?>
+<p:notes xmlns:a="http://schemas.openxmlformats.org/drawingml/2006/main" xmlns:r="http://schemas.openxmlformats.org/officeDocument/2006/relationships" xmlns:p="http://schemas.openxmlformats.org/presentationml/2006/main">
+  <p:cSld>
+    <p:spTree>
+      <p:nvGrpSpPr>
+        <p:cNvPr id="1" name=""/>
+        <p:cNvGrpSpPr/>
+        <p:nvPr/>
+      </p:nvGrpSpPr>
+      <p:grpSpPr>
+        <a:xfrm>
+          <a:off x="0" y="0"/>
+          <a:ext cx="0" cy="0"/>
+          <a:chOff x="0" y="0"/>
+          <a:chExt cx="0" cy="0"/>
+        </a:xfrm>
+      </p:grpSpPr>
+      <p:sp>
+        <p:nvSpPr>
+          <p:cNvPr id="2" name="Espaço Reservado para Imagem de Slide 1"/>
+          <p:cNvSpPr>
+            <a:spLocks noGrp="1" noRot="1" noChangeAspect="1"/>
+          </p:cNvSpPr>
+          <p:nvPr>
+            <p:ph type="sldImg"/>
+          </p:nvPr>
+        </p:nvSpPr>
+        <p:spPr/>
+      </p:sp>
+      <p:sp>
+        <p:nvSpPr>
+          <p:cNvPr id="3" name="Espaço Reservado para Anotações 2"/>
+          <p:cNvSpPr>
+            <a:spLocks noGrp="1"/>
+          </p:cNvSpPr>
+          <p:nvPr>
+            <p:ph type="body" idx="1"/>
+          </p:nvPr>
+        </p:nvSpPr>
+        <p:spPr/>
+        <p:txBody>
+          <a:bodyPr/>
+          <a:lstStyle/>
+          <a:p>
+            <a:r>
+              <a:rPr lang="pt-BR" dirty="0" smtClean="0"/>
+              <a:t>ECU individual que gerencia todos</a:t>
+            </a:r>
+            <a:r>
+              <a:rPr lang="pt-BR" baseline="0" dirty="0" smtClean="0"/>
+              <a:t> os recursos, como </a:t>
+            </a:r>
+            <a:r>
+              <a:rPr lang="pt-BR" baseline="0" dirty="0" err="1" smtClean="0"/>
+              <a:t>Ingeção</a:t>
+            </a:r>
+            <a:r>
+              <a:rPr lang="pt-BR" baseline="0" dirty="0" smtClean="0"/>
+              <a:t> eletrônica, travas elétricas, vidros elétricos, alarme, painel de instruções, </a:t>
+            </a:r>
+            <a:r>
+              <a:rPr lang="pt-BR" baseline="0" dirty="0" err="1" smtClean="0"/>
+              <a:t>etc</a:t>
+            </a:r>
+            <a:endParaRPr lang="pt-BR" baseline="0" dirty="0" smtClean="0"/>
+          </a:p>
+          <a:p>
+            <a:r>
+              <a:rPr lang="pt-BR" baseline="0" dirty="0" smtClean="0"/>
+              <a:t>EDU distribuída contém várias </a:t>
+            </a:r>
+            <a:r>
+              <a:rPr lang="pt-BR" baseline="0" dirty="0" err="1" smtClean="0"/>
+              <a:t>ECUs</a:t>
+            </a:r>
+            <a:r>
+              <a:rPr lang="pt-BR" baseline="0" dirty="0" smtClean="0"/>
+              <a:t> responsáveis por gerenciar sistemas individuais, mas que podem se comunicar com outras </a:t>
+            </a:r>
+            <a:r>
+              <a:rPr lang="pt-BR" baseline="0" dirty="0" err="1" smtClean="0"/>
+              <a:t>ECUs</a:t>
+            </a:r>
+            <a:r>
+              <a:rPr lang="pt-BR" baseline="0" dirty="0" smtClean="0"/>
+              <a:t>. </a:t>
+            </a:r>
+            <a:r>
+              <a:rPr lang="pt-BR" baseline="0" dirty="0" err="1" smtClean="0"/>
+              <a:t>Ex</a:t>
+            </a:r>
+            <a:r>
+              <a:rPr lang="pt-BR" baseline="0" dirty="0" smtClean="0"/>
+              <a:t>: ECU da </a:t>
+            </a:r>
+            <a:r>
+              <a:rPr lang="pt-BR" baseline="0" dirty="0" err="1" smtClean="0"/>
+              <a:t>Ingeção</a:t>
+            </a:r>
+            <a:r>
+              <a:rPr lang="pt-BR" baseline="0" dirty="0" smtClean="0"/>
+              <a:t>, ECU dos módulos das travas elétricas, ECU dos módulos de vidro Elétrico, ECU do sistema de ABS, etc.....</a:t>
+            </a:r>
+            <a:endParaRPr lang="pt-BR" dirty="0"/>
+          </a:p>
+        </p:txBody>
+      </p:sp>
+      <p:sp>
+        <p:nvSpPr>
+          <p:cNvPr id="4" name="Espaço Reservado para Número de Slide 3"/>
+          <p:cNvSpPr>
+            <a:spLocks noGrp="1"/>
+          </p:cNvSpPr>
+          <p:nvPr>
+            <p:ph type="sldNum" sz="quarter" idx="10"/>
+          </p:nvPr>
+        </p:nvSpPr>
+        <p:spPr/>
+        <p:txBody>
+          <a:bodyPr/>
+          <a:lstStyle/>
+          <a:p>
+            <a:fld id="{F985E3CD-85B8-43CD-A31A-BE87A48B626F}" type="slidenum">
+              <a:rPr lang="pt-BR" smtClean="0"/>
+              <a:t>9</a:t>
+            </a:fld>
+            <a:endParaRPr lang="pt-BR"/>
+          </a:p>
+        </p:txBody>
+      </p:sp>
+    </p:spTree>
+    <p:extLst>
+      <p:ext uri="{BB962C8B-B14F-4D97-AF65-F5344CB8AC3E}">
+        <p14:creationId xmlns:p14="http://schemas.microsoft.com/office/powerpoint/2010/main" val="2345839120"/>
+      </p:ext>
+    </p:extLst>
+  </p:cSld>
+  <p:clrMapOvr>
+    <a:masterClrMapping/>
+  </p:clrMapOvr>
+</p:notes>
+</file>
+
+<file path=ppt/notesSlides/notesSlide8.xml><?xml version="1.0" encoding="utf-8"?>
+<p:notes xmlns:a="http://schemas.openxmlformats.org/drawingml/2006/main" xmlns:r="http://schemas.openxmlformats.org/officeDocument/2006/relationships" xmlns:p="http://schemas.openxmlformats.org/presentationml/2006/main">
+  <p:cSld>
+    <p:spTree>
+      <p:nvGrpSpPr>
+        <p:cNvPr id="1" name=""/>
+        <p:cNvGrpSpPr/>
+        <p:nvPr/>
+      </p:nvGrpSpPr>
+      <p:grpSpPr>
+        <a:xfrm>
+          <a:off x="0" y="0"/>
+          <a:ext cx="0" cy="0"/>
+          <a:chOff x="0" y="0"/>
+          <a:chExt cx="0" cy="0"/>
+        </a:xfrm>
+      </p:grpSpPr>
+      <p:sp>
+        <p:nvSpPr>
+          <p:cNvPr id="2" name="Espaço Reservado para Imagem de Slide 1"/>
+          <p:cNvSpPr>
+            <a:spLocks noGrp="1" noRot="1" noChangeAspect="1"/>
+          </p:cNvSpPr>
+          <p:nvPr>
+            <p:ph type="sldImg"/>
+          </p:nvPr>
+        </p:nvSpPr>
+        <p:spPr/>
+      </p:sp>
+      <p:sp>
+        <p:nvSpPr>
+          <p:cNvPr id="3" name="Espaço Reservado para Anotações 2"/>
+          <p:cNvSpPr>
+            <a:spLocks noGrp="1"/>
+          </p:cNvSpPr>
+          <p:nvPr>
+            <p:ph type="body" idx="1"/>
+          </p:nvPr>
+        </p:nvSpPr>
+        <p:spPr/>
+        <p:txBody>
+          <a:bodyPr/>
+          <a:lstStyle/>
+          <a:p>
+            <a:endParaRPr lang="pt-BR" dirty="0"/>
+          </a:p>
+        </p:txBody>
+      </p:sp>
+      <p:sp>
+        <p:nvSpPr>
+          <p:cNvPr id="4" name="Espaço Reservado para Número de Slide 3"/>
+          <p:cNvSpPr>
+            <a:spLocks noGrp="1"/>
+          </p:cNvSpPr>
+          <p:nvPr>
+            <p:ph type="sldNum" sz="quarter" idx="10"/>
+          </p:nvPr>
+        </p:nvSpPr>
+        <p:spPr/>
+        <p:txBody>
+          <a:bodyPr/>
+          <a:lstStyle/>
+          <a:p>
+            <a:fld id="{F985E3CD-85B8-43CD-A31A-BE87A48B626F}" type="slidenum">
+              <a:rPr lang="pt-BR" smtClean="0"/>
+              <a:t>22</a:t>
             </a:fld>
             <a:endParaRPr lang="pt-BR"/>
           </a:p>
@@ -1117,7 +1604,7 @@
           <a:p>
             <a:fld id="{F471F38B-4E73-4DA5-B5E1-E5A9D0323CCB}" type="datetimeFigureOut">
               <a:rPr lang="pt-BR" smtClean="0"/>
-              <a:t>08/09/2017</a:t>
+              <a:t>10/09/2017</a:t>
             </a:fld>
             <a:endParaRPr lang="pt-BR"/>
           </a:p>
@@ -1287,7 +1774,7 @@
           <a:p>
             <a:fld id="{F471F38B-4E73-4DA5-B5E1-E5A9D0323CCB}" type="datetimeFigureOut">
               <a:rPr lang="pt-BR" smtClean="0"/>
-              <a:t>08/09/2017</a:t>
+              <a:t>10/09/2017</a:t>
             </a:fld>
             <a:endParaRPr lang="pt-BR"/>
           </a:p>
@@ -1467,7 +1954,7 @@
           <a:p>
             <a:fld id="{F471F38B-4E73-4DA5-B5E1-E5A9D0323CCB}" type="datetimeFigureOut">
               <a:rPr lang="pt-BR" smtClean="0"/>
-              <a:t>08/09/2017</a:t>
+              <a:t>10/09/2017</a:t>
             </a:fld>
             <a:endParaRPr lang="pt-BR"/>
           </a:p>
@@ -1637,7 +2124,7 @@
           <a:p>
             <a:fld id="{F471F38B-4E73-4DA5-B5E1-E5A9D0323CCB}" type="datetimeFigureOut">
               <a:rPr lang="pt-BR" smtClean="0"/>
-              <a:t>08/09/2017</a:t>
+              <a:t>10/09/2017</a:t>
             </a:fld>
             <a:endParaRPr lang="pt-BR"/>
           </a:p>
@@ -1883,7 +2370,7 @@
           <a:p>
             <a:fld id="{F471F38B-4E73-4DA5-B5E1-E5A9D0323CCB}" type="datetimeFigureOut">
               <a:rPr lang="pt-BR" smtClean="0"/>
-              <a:t>08/09/2017</a:t>
+              <a:t>10/09/2017</a:t>
             </a:fld>
             <a:endParaRPr lang="pt-BR"/>
           </a:p>
@@ -2115,7 +2602,7 @@
           <a:p>
             <a:fld id="{F471F38B-4E73-4DA5-B5E1-E5A9D0323CCB}" type="datetimeFigureOut">
               <a:rPr lang="pt-BR" smtClean="0"/>
-              <a:t>08/09/2017</a:t>
+              <a:t>10/09/2017</a:t>
             </a:fld>
             <a:endParaRPr lang="pt-BR"/>
           </a:p>
@@ -2482,7 +2969,7 @@
           <a:p>
             <a:fld id="{F471F38B-4E73-4DA5-B5E1-E5A9D0323CCB}" type="datetimeFigureOut">
               <a:rPr lang="pt-BR" smtClean="0"/>
-              <a:t>08/09/2017</a:t>
+              <a:t>10/09/2017</a:t>
             </a:fld>
             <a:endParaRPr lang="pt-BR"/>
           </a:p>
@@ -2600,7 +3087,7 @@
           <a:p>
             <a:fld id="{F471F38B-4E73-4DA5-B5E1-E5A9D0323CCB}" type="datetimeFigureOut">
               <a:rPr lang="pt-BR" smtClean="0"/>
-              <a:t>08/09/2017</a:t>
+              <a:t>10/09/2017</a:t>
             </a:fld>
             <a:endParaRPr lang="pt-BR"/>
           </a:p>
@@ -2695,7 +3182,7 @@
           <a:p>
             <a:fld id="{F471F38B-4E73-4DA5-B5E1-E5A9D0323CCB}" type="datetimeFigureOut">
               <a:rPr lang="pt-BR" smtClean="0"/>
-              <a:t>08/09/2017</a:t>
+              <a:t>10/09/2017</a:t>
             </a:fld>
             <a:endParaRPr lang="pt-BR"/>
           </a:p>
@@ -2972,7 +3459,7 @@
           <a:p>
             <a:fld id="{F471F38B-4E73-4DA5-B5E1-E5A9D0323CCB}" type="datetimeFigureOut">
               <a:rPr lang="pt-BR" smtClean="0"/>
-              <a:t>08/09/2017</a:t>
+              <a:t>10/09/2017</a:t>
             </a:fld>
             <a:endParaRPr lang="pt-BR"/>
           </a:p>
@@ -3225,7 +3712,7 @@
           <a:p>
             <a:fld id="{F471F38B-4E73-4DA5-B5E1-E5A9D0323CCB}" type="datetimeFigureOut">
               <a:rPr lang="pt-BR" smtClean="0"/>
-              <a:t>08/09/2017</a:t>
+              <a:t>10/09/2017</a:t>
             </a:fld>
             <a:endParaRPr lang="pt-BR"/>
           </a:p>
@@ -3438,7 +3925,7 @@
           <a:p>
             <a:fld id="{F471F38B-4E73-4DA5-B5E1-E5A9D0323CCB}" type="datetimeFigureOut">
               <a:rPr lang="pt-BR" smtClean="0"/>
-              <a:t>08/09/2017</a:t>
+              <a:t>10/09/2017</a:t>
             </a:fld>
             <a:endParaRPr lang="pt-BR"/>
           </a:p>
@@ -3936,6 +4423,47 @@
           </a:p>
         </p:txBody>
       </p:sp>
+      <p:pic>
+        <p:nvPicPr>
+          <p:cNvPr id="2050" name="Picture 2" descr="https://cmp.ifsp.edu.br/sites/auxilio-estudantil/src/logo_ifsp.png"/>
+          <p:cNvPicPr>
+            <a:picLocks noChangeAspect="1" noChangeArrowheads="1"/>
+          </p:cNvPicPr>
+          <p:nvPr/>
+        </p:nvPicPr>
+        <p:blipFill>
+          <a:blip r:embed="rId3">
+            <a:extLst>
+              <a:ext uri="{28A0092B-C50C-407E-A947-70E740481C1C}">
+                <a14:useLocalDpi xmlns:a14="http://schemas.microsoft.com/office/drawing/2010/main" val="0"/>
+              </a:ext>
+            </a:extLst>
+          </a:blip>
+          <a:srcRect/>
+          <a:stretch>
+            <a:fillRect/>
+          </a:stretch>
+        </p:blipFill>
+        <p:spPr bwMode="auto">
+          <a:xfrm>
+            <a:off x="7468506" y="4717143"/>
+            <a:ext cx="4418694" cy="1885311"/>
+          </a:xfrm>
+          <a:prstGeom prst="rect">
+            <a:avLst/>
+          </a:prstGeom>
+          <a:noFill/>
+          <a:extLst>
+            <a:ext uri="{909E8E84-426E-40DD-AFC4-6F175D3DCCD1}">
+              <a14:hiddenFill xmlns:a14="http://schemas.microsoft.com/office/drawing/2010/main">
+                <a:solidFill>
+                  <a:srgbClr val="FFFFFF"/>
+                </a:solidFill>
+              </a14:hiddenFill>
+            </a:ext>
+          </a:extLst>
+        </p:spPr>
+      </p:pic>
     </p:spTree>
     <p:extLst>
       <p:ext uri="{BB962C8B-B14F-4D97-AF65-F5344CB8AC3E}">
@@ -4017,101 +4545,253 @@
           <a:p>
             <a:r>
               <a:rPr lang="pt-BR" sz="3600" dirty="0" smtClean="0"/>
-              <a:t>Conector OBDII</a:t>
-            </a:r>
-          </a:p>
-          <a:p>
-            <a:pPr lvl="1"/>
-            <a:r>
-              <a:rPr lang="pt-BR" sz="3200" dirty="0" smtClean="0"/>
-              <a:t>Conhecido também como DLC (</a:t>
-            </a:r>
-            <a:r>
-              <a:rPr lang="pt-BR" sz="3200" dirty="0" err="1" smtClean="0"/>
-              <a:t>Diagnostic</a:t>
-            </a:r>
-            <a:r>
-              <a:rPr lang="pt-BR" sz="3200" dirty="0" smtClean="0"/>
-              <a:t> Link </a:t>
-            </a:r>
-            <a:r>
-              <a:rPr lang="pt-BR" sz="3200" dirty="0" err="1" smtClean="0"/>
-              <a:t>Connector</a:t>
-            </a:r>
-            <a:r>
-              <a:rPr lang="pt-BR" sz="3200" dirty="0" smtClean="0"/>
-              <a:t>)</a:t>
-            </a:r>
-          </a:p>
-          <a:p>
-            <a:pPr lvl="1"/>
-            <a:r>
-              <a:rPr lang="pt-BR" sz="3200" dirty="0" smtClean="0"/>
-              <a:t>Permite a comunicação de dispositivos com a rede interna do veículo</a:t>
-            </a:r>
-          </a:p>
-          <a:p>
-            <a:pPr lvl="1"/>
-            <a:endParaRPr lang="pt-BR" sz="3200" dirty="0"/>
-          </a:p>
-          <a:p>
-            <a:pPr lvl="1"/>
-            <a:endParaRPr lang="pt-BR" sz="3200" dirty="0" smtClean="0"/>
-          </a:p>
-          <a:p>
-            <a:pPr marL="457200" lvl="1" indent="0">
-              <a:buNone/>
-            </a:pPr>
-            <a:endParaRPr lang="pt-BR" sz="3200" dirty="0" smtClean="0"/>
-          </a:p>
-        </p:txBody>
-      </p:sp>
-      <p:pic>
-        <p:nvPicPr>
-          <p:cNvPr id="4" name="Imagem 3"/>
-          <p:cNvPicPr>
-            <a:picLocks noChangeAspect="1"/>
-          </p:cNvPicPr>
+              <a:t>Protocolos da rede veicular interna</a:t>
+            </a:r>
+          </a:p>
+        </p:txBody>
+      </p:sp>
+      <p:sp>
+        <p:nvSpPr>
+          <p:cNvPr id="4" name="Retângulo 3"/>
+          <p:cNvSpPr/>
           <p:nvPr/>
-        </p:nvPicPr>
-        <p:blipFill>
-          <a:blip r:embed="rId2" cstate="print">
-            <a:extLst>
-              <a:ext uri="{28A0092B-C50C-407E-A947-70E740481C1C}">
-                <a14:useLocalDpi xmlns:a14="http://schemas.microsoft.com/office/drawing/2010/main" val="0"/>
-              </a:ext>
-            </a:extLst>
-          </a:blip>
-          <a:stretch>
-            <a:fillRect/>
-          </a:stretch>
-        </p:blipFill>
+        </p:nvSpPr>
         <p:spPr>
           <a:xfrm>
-            <a:off x="2159005" y="4022823"/>
-            <a:ext cx="7503466" cy="2154140"/>
+            <a:off x="2846613" y="4358031"/>
+            <a:ext cx="6166757" cy="1146629"/>
           </a:xfrm>
           <a:prstGeom prst="rect">
             <a:avLst/>
           </a:prstGeom>
         </p:spPr>
-      </p:pic>
-      <p:sp>
-        <p:nvSpPr>
-          <p:cNvPr id="5" name="Elipse 4"/>
+        <p:style>
+          <a:lnRef idx="2">
+            <a:schemeClr val="accent1">
+              <a:shade val="50000"/>
+            </a:schemeClr>
+          </a:lnRef>
+          <a:fillRef idx="1">
+            <a:schemeClr val="accent1"/>
+          </a:fillRef>
+          <a:effectRef idx="0">
+            <a:schemeClr val="accent1"/>
+          </a:effectRef>
+          <a:fontRef idx="minor">
+            <a:schemeClr val="lt1"/>
+          </a:fontRef>
+        </p:style>
+        <p:txBody>
+          <a:bodyPr rtlCol="0" anchor="ctr"/>
+          <a:lstStyle/>
+          <a:p>
+            <a:pPr algn="ctr"/>
+            <a:r>
+              <a:rPr lang="pt-BR" sz="5400" b="1" dirty="0" smtClean="0"/>
+              <a:t>Protocolo CAN</a:t>
+            </a:r>
+            <a:endParaRPr lang="pt-BR" sz="5400" b="1" dirty="0"/>
+          </a:p>
+        </p:txBody>
+      </p:sp>
+      <p:sp>
+        <p:nvSpPr>
+          <p:cNvPr id="5" name="Retângulo 4"/>
           <p:cNvSpPr/>
           <p:nvPr/>
         </p:nvSpPr>
         <p:spPr>
           <a:xfrm>
-            <a:off x="2289633" y="4265386"/>
-            <a:ext cx="1600200" cy="2046514"/>
+            <a:off x="2846614" y="2854667"/>
+            <a:ext cx="1175658" cy="1146629"/>
           </a:xfrm>
-          <a:prstGeom prst="ellipse">
+          <a:prstGeom prst="rect">
             <a:avLst/>
           </a:prstGeom>
-          <a:noFill/>
-          <a:ln w="57150">
+        </p:spPr>
+        <p:style>
+          <a:lnRef idx="2">
+            <a:schemeClr val="accent1">
+              <a:shade val="50000"/>
+            </a:schemeClr>
+          </a:lnRef>
+          <a:fillRef idx="1">
+            <a:schemeClr val="accent1"/>
+          </a:fillRef>
+          <a:effectRef idx="0">
+            <a:schemeClr val="accent1"/>
+          </a:effectRef>
+          <a:fontRef idx="minor">
+            <a:schemeClr val="lt1"/>
+          </a:fontRef>
+        </p:style>
+        <p:txBody>
+          <a:bodyPr rtlCol="0" anchor="ctr"/>
+          <a:lstStyle/>
+          <a:p>
+            <a:pPr algn="ctr"/>
+            <a:r>
+              <a:rPr lang="pt-BR" sz="2400" dirty="0" smtClean="0"/>
+              <a:t>ISO-TP</a:t>
+            </a:r>
+            <a:endParaRPr lang="pt-BR" sz="2400" dirty="0"/>
+          </a:p>
+        </p:txBody>
+      </p:sp>
+      <p:sp>
+        <p:nvSpPr>
+          <p:cNvPr id="6" name="Retângulo 5"/>
+          <p:cNvSpPr/>
+          <p:nvPr/>
+        </p:nvSpPr>
+        <p:spPr>
+          <a:xfrm>
+            <a:off x="4247241" y="2854666"/>
+            <a:ext cx="1175658" cy="1146629"/>
+          </a:xfrm>
+          <a:prstGeom prst="rect">
+            <a:avLst/>
+          </a:prstGeom>
+        </p:spPr>
+        <p:style>
+          <a:lnRef idx="2">
+            <a:schemeClr val="accent1">
+              <a:shade val="50000"/>
+            </a:schemeClr>
+          </a:lnRef>
+          <a:fillRef idx="1">
+            <a:schemeClr val="accent1"/>
+          </a:fillRef>
+          <a:effectRef idx="0">
+            <a:schemeClr val="accent1"/>
+          </a:effectRef>
+          <a:fontRef idx="minor">
+            <a:schemeClr val="lt1"/>
+          </a:fontRef>
+        </p:style>
+        <p:txBody>
+          <a:bodyPr rtlCol="0" anchor="ctr"/>
+          <a:lstStyle/>
+          <a:p>
+            <a:pPr algn="ctr"/>
+            <a:r>
+              <a:rPr lang="pt-BR" sz="2400" dirty="0" smtClean="0"/>
+              <a:t>GMLAN</a:t>
+            </a:r>
+            <a:endParaRPr lang="pt-BR" sz="2400" dirty="0"/>
+          </a:p>
+        </p:txBody>
+      </p:sp>
+      <p:sp>
+        <p:nvSpPr>
+          <p:cNvPr id="7" name="Retângulo 6"/>
+          <p:cNvSpPr/>
+          <p:nvPr/>
+        </p:nvSpPr>
+        <p:spPr>
+          <a:xfrm>
+            <a:off x="5647867" y="2854665"/>
+            <a:ext cx="1549403" cy="1146629"/>
+          </a:xfrm>
+          <a:prstGeom prst="rect">
+            <a:avLst/>
+          </a:prstGeom>
+        </p:spPr>
+        <p:style>
+          <a:lnRef idx="2">
+            <a:schemeClr val="accent1">
+              <a:shade val="50000"/>
+            </a:schemeClr>
+          </a:lnRef>
+          <a:fillRef idx="1">
+            <a:schemeClr val="accent1"/>
+          </a:fillRef>
+          <a:effectRef idx="0">
+            <a:schemeClr val="accent1"/>
+          </a:effectRef>
+          <a:fontRef idx="minor">
+            <a:schemeClr val="lt1"/>
+          </a:fontRef>
+        </p:style>
+        <p:txBody>
+          <a:bodyPr rtlCol="0" anchor="ctr"/>
+          <a:lstStyle/>
+          <a:p>
+            <a:pPr algn="ctr"/>
+            <a:r>
+              <a:rPr lang="pt-BR" sz="2400" dirty="0" err="1" smtClean="0"/>
+              <a:t>CANopen</a:t>
+            </a:r>
+            <a:endParaRPr lang="pt-BR" sz="2400" dirty="0"/>
+          </a:p>
+        </p:txBody>
+      </p:sp>
+      <p:sp>
+        <p:nvSpPr>
+          <p:cNvPr id="8" name="Retângulo 7"/>
+          <p:cNvSpPr/>
+          <p:nvPr/>
+        </p:nvSpPr>
+        <p:spPr>
+          <a:xfrm>
+            <a:off x="7422237" y="2854665"/>
+            <a:ext cx="1591133" cy="1146629"/>
+          </a:xfrm>
+          <a:prstGeom prst="rect">
+            <a:avLst/>
+          </a:prstGeom>
+        </p:spPr>
+        <p:style>
+          <a:lnRef idx="2">
+            <a:schemeClr val="accent1">
+              <a:shade val="50000"/>
+            </a:schemeClr>
+          </a:lnRef>
+          <a:fillRef idx="1">
+            <a:schemeClr val="accent1"/>
+          </a:fillRef>
+          <a:effectRef idx="0">
+            <a:schemeClr val="accent1"/>
+          </a:effectRef>
+          <a:fontRef idx="minor">
+            <a:schemeClr val="lt1"/>
+          </a:fontRef>
+        </p:style>
+        <p:txBody>
+          <a:bodyPr rtlCol="0" anchor="ctr"/>
+          <a:lstStyle/>
+          <a:p>
+            <a:pPr algn="ctr"/>
+            <a:r>
+              <a:rPr lang="pt-BR" sz="2400" dirty="0" err="1" smtClean="0"/>
+              <a:t>Familia</a:t>
+            </a:r>
+            <a:r>
+              <a:rPr lang="pt-BR" sz="2400" dirty="0" smtClean="0"/>
+              <a:t> Protocolos CAN</a:t>
+            </a:r>
+            <a:endParaRPr lang="pt-BR" sz="2400" dirty="0"/>
+          </a:p>
+        </p:txBody>
+      </p:sp>
+      <p:sp>
+        <p:nvSpPr>
+          <p:cNvPr id="9" name="Seta para cima e para baixo 8"/>
+          <p:cNvSpPr/>
+          <p:nvPr/>
+        </p:nvSpPr>
+        <p:spPr>
+          <a:xfrm>
+            <a:off x="3307445" y="4038767"/>
+            <a:ext cx="190497" cy="271976"/>
+          </a:xfrm>
+          <a:prstGeom prst="upDownArrow">
+            <a:avLst/>
+          </a:prstGeom>
+          <a:solidFill>
+            <a:srgbClr val="FF0000"/>
+          </a:solidFill>
+          <a:ln>
             <a:solidFill>
               <a:srgbClr val="FF0000"/>
             </a:solidFill>
@@ -4142,10 +4822,177 @@
           </a:p>
         </p:txBody>
       </p:sp>
+      <p:sp>
+        <p:nvSpPr>
+          <p:cNvPr id="10" name="Seta para cima e para baixo 9"/>
+          <p:cNvSpPr/>
+          <p:nvPr/>
+        </p:nvSpPr>
+        <p:spPr>
+          <a:xfrm>
+            <a:off x="4722587" y="4046026"/>
+            <a:ext cx="190497" cy="271976"/>
+          </a:xfrm>
+          <a:prstGeom prst="upDownArrow">
+            <a:avLst/>
+          </a:prstGeom>
+          <a:solidFill>
+            <a:srgbClr val="FF0000"/>
+          </a:solidFill>
+          <a:ln>
+            <a:solidFill>
+              <a:srgbClr val="FF0000"/>
+            </a:solidFill>
+          </a:ln>
+        </p:spPr>
+        <p:style>
+          <a:lnRef idx="2">
+            <a:schemeClr val="accent1">
+              <a:shade val="50000"/>
+            </a:schemeClr>
+          </a:lnRef>
+          <a:fillRef idx="1">
+            <a:schemeClr val="accent1"/>
+          </a:fillRef>
+          <a:effectRef idx="0">
+            <a:schemeClr val="accent1"/>
+          </a:effectRef>
+          <a:fontRef idx="minor">
+            <a:schemeClr val="lt1"/>
+          </a:fontRef>
+        </p:style>
+        <p:txBody>
+          <a:bodyPr rtlCol="0" anchor="ctr"/>
+          <a:lstStyle/>
+          <a:p>
+            <a:pPr algn="ctr"/>
+            <a:endParaRPr lang="pt-BR"/>
+          </a:p>
+        </p:txBody>
+      </p:sp>
+      <p:sp>
+        <p:nvSpPr>
+          <p:cNvPr id="11" name="Seta para cima e para baixo 10"/>
+          <p:cNvSpPr/>
+          <p:nvPr/>
+        </p:nvSpPr>
+        <p:spPr>
+          <a:xfrm>
+            <a:off x="6333676" y="4031513"/>
+            <a:ext cx="190497" cy="271976"/>
+          </a:xfrm>
+          <a:prstGeom prst="upDownArrow">
+            <a:avLst/>
+          </a:prstGeom>
+          <a:solidFill>
+            <a:srgbClr val="FF0000"/>
+          </a:solidFill>
+          <a:ln>
+            <a:solidFill>
+              <a:srgbClr val="FF0000"/>
+            </a:solidFill>
+          </a:ln>
+        </p:spPr>
+        <p:style>
+          <a:lnRef idx="2">
+            <a:schemeClr val="accent1">
+              <a:shade val="50000"/>
+            </a:schemeClr>
+          </a:lnRef>
+          <a:fillRef idx="1">
+            <a:schemeClr val="accent1"/>
+          </a:fillRef>
+          <a:effectRef idx="0">
+            <a:schemeClr val="accent1"/>
+          </a:effectRef>
+          <a:fontRef idx="minor">
+            <a:schemeClr val="lt1"/>
+          </a:fontRef>
+        </p:style>
+        <p:txBody>
+          <a:bodyPr rtlCol="0" anchor="ctr"/>
+          <a:lstStyle/>
+          <a:p>
+            <a:pPr algn="ctr"/>
+            <a:endParaRPr lang="pt-BR"/>
+          </a:p>
+        </p:txBody>
+      </p:sp>
+      <p:sp>
+        <p:nvSpPr>
+          <p:cNvPr id="12" name="Seta para cima e para baixo 11"/>
+          <p:cNvSpPr/>
+          <p:nvPr/>
+        </p:nvSpPr>
+        <p:spPr>
+          <a:xfrm>
+            <a:off x="8089903" y="4046027"/>
+            <a:ext cx="190497" cy="271976"/>
+          </a:xfrm>
+          <a:prstGeom prst="upDownArrow">
+            <a:avLst/>
+          </a:prstGeom>
+          <a:solidFill>
+            <a:srgbClr val="FF0000"/>
+          </a:solidFill>
+          <a:ln>
+            <a:solidFill>
+              <a:srgbClr val="FF0000"/>
+            </a:solidFill>
+          </a:ln>
+        </p:spPr>
+        <p:style>
+          <a:lnRef idx="2">
+            <a:schemeClr val="accent1">
+              <a:shade val="50000"/>
+            </a:schemeClr>
+          </a:lnRef>
+          <a:fillRef idx="1">
+            <a:schemeClr val="accent1"/>
+          </a:fillRef>
+          <a:effectRef idx="0">
+            <a:schemeClr val="accent1"/>
+          </a:effectRef>
+          <a:fontRef idx="minor">
+            <a:schemeClr val="lt1"/>
+          </a:fontRef>
+        </p:style>
+        <p:txBody>
+          <a:bodyPr rtlCol="0" anchor="ctr"/>
+          <a:lstStyle/>
+          <a:p>
+            <a:pPr algn="ctr"/>
+            <a:endParaRPr lang="pt-BR"/>
+          </a:p>
+        </p:txBody>
+      </p:sp>
+      <p:sp>
+        <p:nvSpPr>
+          <p:cNvPr id="13" name="Espaço Reservado para Número de Slide 12"/>
+          <p:cNvSpPr>
+            <a:spLocks noGrp="1"/>
+          </p:cNvSpPr>
+          <p:nvPr>
+            <p:ph type="sldNum" sz="quarter" idx="12"/>
+          </p:nvPr>
+        </p:nvSpPr>
+        <p:spPr/>
+        <p:txBody>
+          <a:bodyPr/>
+          <a:lstStyle/>
+          <a:p>
+            <a:fld id="{1993694D-D1F6-459B-8F96-561887F49A3A}" type="slidenum">
+              <a:rPr lang="pt-BR" sz="3200" smtClean="0"/>
+              <a:t>10</a:t>
+            </a:fld>
+            <a:endParaRPr lang="pt-BR" sz="3200"/>
+          </a:p>
+        </p:txBody>
+      </p:sp>
     </p:spTree>
     <p:extLst>
       <p:ext uri="{BB962C8B-B14F-4D97-AF65-F5344CB8AC3E}">
-        <p14:creationId xmlns:p14="http://schemas.microsoft.com/office/powerpoint/2010/main" val="53090956"/>
+        <p14:creationId xmlns:p14="http://schemas.microsoft.com/office/powerpoint/2010/main" val="473612732"/>
       </p:ext>
     </p:extLst>
   </p:cSld>
@@ -4214,12 +5061,7 @@
             <p:ph idx="1"/>
           </p:nvPr>
         </p:nvSpPr>
-        <p:spPr>
-          <a:xfrm>
-            <a:off x="838200" y="1825625"/>
-            <a:ext cx="10515600" cy="4531632"/>
-          </a:xfrm>
-        </p:spPr>
+        <p:spPr/>
         <p:txBody>
           <a:bodyPr>
             <a:normAutofit/>
@@ -4228,47 +5070,106 @@
           <a:p>
             <a:r>
               <a:rPr lang="pt-BR" sz="3600" dirty="0" smtClean="0"/>
-              <a:t>ELM327</a:t>
+              <a:t>Protocolos da rede veicular interna</a:t>
+            </a:r>
+          </a:p>
+          <a:p>
+            <a:pPr marL="0" indent="0">
+              <a:buNone/>
+            </a:pPr>
+            <a:r>
+              <a:rPr lang="pt-BR" sz="3600" dirty="0" smtClean="0"/>
+              <a:t>Protocolo CAN (</a:t>
+            </a:r>
+            <a:r>
+              <a:rPr lang="pt-BR" sz="3600" dirty="0" err="1" smtClean="0"/>
+              <a:t>Controller</a:t>
+            </a:r>
+            <a:r>
+              <a:rPr lang="pt-BR" sz="3600" dirty="0" smtClean="0"/>
+              <a:t> </a:t>
+            </a:r>
+            <a:r>
+              <a:rPr lang="pt-BR" sz="3600" dirty="0" err="1" smtClean="0"/>
+              <a:t>Area</a:t>
+            </a:r>
+            <a:r>
+              <a:rPr lang="pt-BR" sz="3600" dirty="0" smtClean="0"/>
+              <a:t> </a:t>
+            </a:r>
+            <a:r>
+              <a:rPr lang="pt-BR" sz="3600" dirty="0" smtClean="0"/>
+              <a:t>Network)</a:t>
             </a:r>
           </a:p>
           <a:p>
             <a:pPr lvl="1"/>
             <a:r>
               <a:rPr lang="pt-BR" sz="3200" dirty="0" smtClean="0"/>
-              <a:t>Conecta na porta OBDII</a:t>
+              <a:t>Permite que sistemas embarcados automotivos se comuniquem entre si</a:t>
             </a:r>
           </a:p>
           <a:p>
             <a:pPr lvl="1"/>
             <a:r>
+              <a:rPr lang="pt-BR" sz="3200" dirty="0" err="1" smtClean="0"/>
+              <a:t>Ex</a:t>
+            </a:r>
+            <a:r>
               <a:rPr lang="pt-BR" sz="3200" dirty="0" smtClean="0"/>
-              <a:t>Converte os protocolos da rede automotiva interna para uma interface serial padrão (RS232)</a:t>
-            </a:r>
-          </a:p>
-          <a:p>
-            <a:pPr lvl="1"/>
+              <a:t>: Sensores-&gt;ECU</a:t>
+            </a:r>
+          </a:p>
+          <a:p>
+            <a:pPr marL="457200" lvl="1" indent="0">
+              <a:buNone/>
+            </a:pPr>
             <a:r>
               <a:rPr lang="pt-BR" sz="3200" dirty="0" smtClean="0"/>
-              <a:t>Permite que um Computador ou outros dispositivos interaja com esta rede</a:t>
-            </a:r>
-          </a:p>
-          <a:p>
-            <a:pPr lvl="1"/>
+              <a:t>	    ECU-&gt;ECU</a:t>
+            </a:r>
+          </a:p>
+          <a:p>
+            <a:pPr marL="457200" lvl="1" indent="0">
+              <a:buNone/>
+            </a:pPr>
             <a:r>
               <a:rPr lang="pt-BR" sz="3200" dirty="0" smtClean="0"/>
-              <a:t>Oferece conectividade USB ou Bluetooth</a:t>
-            </a:r>
-          </a:p>
-          <a:p>
-            <a:pPr lvl="1"/>
-            <a:endParaRPr lang="pt-BR" sz="3200" dirty="0"/>
+              <a:t>	    ECU-&gt;Atuadores</a:t>
+            </a:r>
+          </a:p>
+          <a:p>
+            <a:endParaRPr lang="pt-BR" sz="3600" dirty="0" smtClean="0"/>
+          </a:p>
+        </p:txBody>
+      </p:sp>
+      <p:sp>
+        <p:nvSpPr>
+          <p:cNvPr id="4" name="Espaço Reservado para Número de Slide 3"/>
+          <p:cNvSpPr>
+            <a:spLocks noGrp="1"/>
+          </p:cNvSpPr>
+          <p:nvPr>
+            <p:ph type="sldNum" sz="quarter" idx="12"/>
+          </p:nvPr>
+        </p:nvSpPr>
+        <p:spPr/>
+        <p:txBody>
+          <a:bodyPr/>
+          <a:lstStyle/>
+          <a:p>
+            <a:fld id="{1993694D-D1F6-459B-8F96-561887F49A3A}" type="slidenum">
+              <a:rPr lang="pt-BR" sz="3200" smtClean="0"/>
+              <a:t>11</a:t>
+            </a:fld>
+            <a:endParaRPr lang="pt-BR" sz="3200"/>
           </a:p>
         </p:txBody>
       </p:sp>
     </p:spTree>
     <p:extLst>
       <p:ext uri="{BB962C8B-B14F-4D97-AF65-F5344CB8AC3E}">
-        <p14:creationId xmlns:p14="http://schemas.microsoft.com/office/powerpoint/2010/main" val="3930553897"/>
+        <p14:creationId xmlns:p14="http://schemas.microsoft.com/office/powerpoint/2010/main" val="101422358"/>
       </p:ext>
     </p:extLst>
   </p:cSld>
@@ -4337,12 +5238,7 @@
             <p:ph idx="1"/>
           </p:nvPr>
         </p:nvSpPr>
-        <p:spPr>
-          <a:xfrm>
-            <a:off x="838200" y="1825625"/>
-            <a:ext cx="10515600" cy="4531632"/>
-          </a:xfrm>
-        </p:spPr>
+        <p:spPr/>
         <p:txBody>
           <a:bodyPr>
             <a:normAutofit/>
@@ -4351,9 +5247,52 @@
           <a:p>
             <a:r>
               <a:rPr lang="pt-BR" sz="3600" dirty="0" smtClean="0"/>
-              <a:t>ELM327</a:t>
-            </a:r>
-            <a:endParaRPr lang="pt-BR" sz="3600" dirty="0" smtClean="0"/>
+              <a:t>Conector OBDII</a:t>
+            </a:r>
+          </a:p>
+          <a:p>
+            <a:pPr lvl="1"/>
+            <a:r>
+              <a:rPr lang="pt-BR" sz="3200" dirty="0" smtClean="0"/>
+              <a:t>Conhecido também como DLC (</a:t>
+            </a:r>
+            <a:r>
+              <a:rPr lang="pt-BR" sz="3200" dirty="0" err="1" smtClean="0"/>
+              <a:t>Diagnostic</a:t>
+            </a:r>
+            <a:r>
+              <a:rPr lang="pt-BR" sz="3200" dirty="0" smtClean="0"/>
+              <a:t> Link </a:t>
+            </a:r>
+            <a:r>
+              <a:rPr lang="pt-BR" sz="3200" dirty="0" err="1" smtClean="0"/>
+              <a:t>Connector</a:t>
+            </a:r>
+            <a:r>
+              <a:rPr lang="pt-BR" sz="3200" dirty="0" smtClean="0"/>
+              <a:t>)</a:t>
+            </a:r>
+          </a:p>
+          <a:p>
+            <a:pPr lvl="1"/>
+            <a:r>
+              <a:rPr lang="pt-BR" sz="3200" dirty="0" smtClean="0"/>
+              <a:t>Permite a comunicação de dispositivos com a rede interna do veículo</a:t>
+            </a:r>
+          </a:p>
+          <a:p>
+            <a:pPr lvl="1"/>
+            <a:endParaRPr lang="pt-BR" sz="3200" dirty="0"/>
+          </a:p>
+          <a:p>
+            <a:pPr lvl="1"/>
+            <a:endParaRPr lang="pt-BR" sz="3200" dirty="0" smtClean="0"/>
+          </a:p>
+          <a:p>
+            <a:pPr marL="457200" lvl="1" indent="0">
+              <a:buNone/>
+            </a:pPr>
+            <a:endParaRPr lang="pt-BR" sz="3200" dirty="0" smtClean="0"/>
           </a:p>
         </p:txBody>
       </p:sp>
@@ -4379,18 +5318,87 @@
         </p:blipFill>
         <p:spPr>
           <a:xfrm>
-            <a:off x="2843197" y="2600636"/>
-            <a:ext cx="5560575" cy="2981609"/>
+            <a:off x="2159005" y="4022823"/>
+            <a:ext cx="7503466" cy="2154140"/>
           </a:xfrm>
           <a:prstGeom prst="rect">
             <a:avLst/>
           </a:prstGeom>
         </p:spPr>
       </p:pic>
+      <p:sp>
+        <p:nvSpPr>
+          <p:cNvPr id="5" name="Elipse 4"/>
+          <p:cNvSpPr/>
+          <p:nvPr/>
+        </p:nvSpPr>
+        <p:spPr>
+          <a:xfrm>
+            <a:off x="2289633" y="4265386"/>
+            <a:ext cx="1600200" cy="2046514"/>
+          </a:xfrm>
+          <a:prstGeom prst="ellipse">
+            <a:avLst/>
+          </a:prstGeom>
+          <a:noFill/>
+          <a:ln w="57150">
+            <a:solidFill>
+              <a:srgbClr val="FF0000"/>
+            </a:solidFill>
+          </a:ln>
+        </p:spPr>
+        <p:style>
+          <a:lnRef idx="2">
+            <a:schemeClr val="accent1">
+              <a:shade val="50000"/>
+            </a:schemeClr>
+          </a:lnRef>
+          <a:fillRef idx="1">
+            <a:schemeClr val="accent1"/>
+          </a:fillRef>
+          <a:effectRef idx="0">
+            <a:schemeClr val="accent1"/>
+          </a:effectRef>
+          <a:fontRef idx="minor">
+            <a:schemeClr val="lt1"/>
+          </a:fontRef>
+        </p:style>
+        <p:txBody>
+          <a:bodyPr rtlCol="0" anchor="ctr"/>
+          <a:lstStyle/>
+          <a:p>
+            <a:pPr algn="ctr"/>
+            <a:endParaRPr lang="pt-BR"/>
+          </a:p>
+        </p:txBody>
+      </p:sp>
+      <p:sp>
+        <p:nvSpPr>
+          <p:cNvPr id="6" name="Espaço Reservado para Número de Slide 5"/>
+          <p:cNvSpPr>
+            <a:spLocks noGrp="1"/>
+          </p:cNvSpPr>
+          <p:nvPr>
+            <p:ph type="sldNum" sz="quarter" idx="12"/>
+          </p:nvPr>
+        </p:nvSpPr>
+        <p:spPr/>
+        <p:txBody>
+          <a:bodyPr/>
+          <a:lstStyle/>
+          <a:p>
+            <a:fld id="{1993694D-D1F6-459B-8F96-561887F49A3A}" type="slidenum">
+              <a:rPr lang="pt-BR" sz="3200" smtClean="0"/>
+              <a:t>12</a:t>
+            </a:fld>
+            <a:endParaRPr lang="pt-BR" sz="3200"/>
+          </a:p>
+        </p:txBody>
+      </p:sp>
     </p:spTree>
     <p:extLst>
       <p:ext uri="{BB962C8B-B14F-4D97-AF65-F5344CB8AC3E}">
-        <p14:creationId xmlns:p14="http://schemas.microsoft.com/office/powerpoint/2010/main" val="2080367096"/>
+        <p14:creationId xmlns:p14="http://schemas.microsoft.com/office/powerpoint/2010/main" val="53090956"/>
       </p:ext>
     </p:extLst>
   </p:cSld>
@@ -4459,7 +5467,12 @@
             <p:ph idx="1"/>
           </p:nvPr>
         </p:nvSpPr>
-        <p:spPr/>
+        <p:spPr>
+          <a:xfrm>
+            <a:off x="838200" y="1825625"/>
+            <a:ext cx="10515600" cy="4531632"/>
+          </a:xfrm>
+        </p:spPr>
         <p:txBody>
           <a:bodyPr>
             <a:normAutofit/>
@@ -4467,103 +5480,71 @@
           <a:lstStyle/>
           <a:p>
             <a:r>
-              <a:rPr lang="pt-BR" sz="3600" dirty="0"/>
-              <a:t>Parâmetros de requisição (</a:t>
-            </a:r>
-            <a:r>
-              <a:rPr lang="pt-BR" sz="3600" dirty="0" err="1"/>
-              <a:t>Mode</a:t>
-            </a:r>
-            <a:r>
-              <a:rPr lang="pt-BR" sz="3600" dirty="0"/>
-              <a:t>/PID</a:t>
-            </a:r>
-            <a:r>
               <a:rPr lang="pt-BR" sz="3600" dirty="0" smtClean="0"/>
-              <a:t>)</a:t>
+              <a:t>ELM327</a:t>
             </a:r>
           </a:p>
           <a:p>
             <a:pPr lvl="1"/>
             <a:r>
               <a:rPr lang="pt-BR" sz="3200" dirty="0" smtClean="0"/>
-              <a:t>Toda requisição feita é composta por 2 bytes</a:t>
+              <a:t>Conecta na porta OBDII</a:t>
             </a:r>
           </a:p>
           <a:p>
             <a:pPr lvl="1"/>
             <a:r>
               <a:rPr lang="pt-BR" sz="3200" dirty="0" smtClean="0"/>
-              <a:t>1º Byte =&gt; </a:t>
-            </a:r>
-            <a:r>
-              <a:rPr lang="pt-BR" sz="3200" dirty="0" err="1" smtClean="0"/>
-              <a:t>Mode</a:t>
-            </a:r>
+              <a:t>Converte os protocolos da rede automotiva interna para uma interface serial padrão (RS232)</a:t>
+            </a:r>
+          </a:p>
+          <a:p>
+            <a:pPr lvl="1"/>
             <a:r>
               <a:rPr lang="pt-BR" sz="3200" dirty="0" smtClean="0"/>
-              <a:t> (“Modo)</a:t>
-            </a:r>
-          </a:p>
-          <a:p>
-            <a:pPr lvl="2"/>
-            <a:r>
-              <a:rPr lang="pt-BR" sz="2800" dirty="0" smtClean="0"/>
-              <a:t>Informa o tipo de dados que está sendo solicitado</a:t>
-            </a:r>
-          </a:p>
-          <a:p>
-            <a:pPr lvl="2"/>
-            <a:r>
-              <a:rPr lang="pt-BR" sz="2800" dirty="0" err="1" smtClean="0"/>
-              <a:t>Ex</a:t>
-            </a:r>
-            <a:r>
-              <a:rPr lang="pt-BR" sz="2800" dirty="0" smtClean="0"/>
-              <a:t>: dados atuais, códigos de problemas de diagnóstico, </a:t>
-            </a:r>
-            <a:r>
-              <a:rPr lang="pt-BR" sz="2800" dirty="0" err="1" smtClean="0"/>
-              <a:t>etc</a:t>
-            </a:r>
-            <a:endParaRPr lang="pt-BR" sz="2800" dirty="0"/>
+              <a:t>Permite que um Computador ou outros dispositivos interaja com esta rede</a:t>
+            </a:r>
           </a:p>
           <a:p>
             <a:pPr lvl="1"/>
             <a:r>
               <a:rPr lang="pt-BR" sz="3200" dirty="0" smtClean="0"/>
-              <a:t>2º Byte =&gt; PID (“Id de parâmetro)</a:t>
-            </a:r>
-            <a:endParaRPr lang="pt-BR" sz="2800" dirty="0" smtClean="0"/>
-          </a:p>
-          <a:p>
-            <a:pPr lvl="2"/>
-            <a:r>
-              <a:rPr lang="pt-BR" sz="2800" dirty="0" smtClean="0"/>
-              <a:t>Especifica a informação requerida</a:t>
-            </a:r>
-          </a:p>
-          <a:p>
-            <a:pPr lvl="2"/>
-            <a:r>
-              <a:rPr lang="pt-BR" sz="2800" dirty="0" err="1" smtClean="0"/>
-              <a:t>Ex</a:t>
-            </a:r>
-            <a:r>
-              <a:rPr lang="pt-BR" sz="2800" dirty="0" smtClean="0"/>
-              <a:t>: id do sensor de temperatura do óleo</a:t>
+              <a:t>Oferece conectividade USB ou Bluetooth</a:t>
             </a:r>
           </a:p>
           <a:p>
             <a:pPr lvl="1"/>
-            <a:endParaRPr lang="pt-BR" sz="3200" dirty="0" smtClean="0"/>
+            <a:endParaRPr lang="pt-BR" sz="3200" dirty="0"/>
+          </a:p>
+        </p:txBody>
+      </p:sp>
+      <p:sp>
+        <p:nvSpPr>
+          <p:cNvPr id="4" name="Espaço Reservado para Número de Slide 3"/>
+          <p:cNvSpPr>
+            <a:spLocks noGrp="1"/>
+          </p:cNvSpPr>
+          <p:nvPr>
+            <p:ph type="sldNum" sz="quarter" idx="12"/>
+          </p:nvPr>
+        </p:nvSpPr>
+        <p:spPr/>
+        <p:txBody>
+          <a:bodyPr/>
+          <a:lstStyle/>
+          <a:p>
+            <a:fld id="{1993694D-D1F6-459B-8F96-561887F49A3A}" type="slidenum">
+              <a:rPr lang="pt-BR" sz="3200" smtClean="0"/>
+              <a:t>13</a:t>
+            </a:fld>
+            <a:endParaRPr lang="pt-BR" sz="3200"/>
           </a:p>
         </p:txBody>
       </p:sp>
     </p:spTree>
     <p:extLst>
       <p:ext uri="{BB962C8B-B14F-4D97-AF65-F5344CB8AC3E}">
-        <p14:creationId xmlns:p14="http://schemas.microsoft.com/office/powerpoint/2010/main" val="3412792081"/>
+        <p14:creationId xmlns:p14="http://schemas.microsoft.com/office/powerpoint/2010/main" val="3930553897"/>
       </p:ext>
     </p:extLst>
   </p:cSld>
@@ -4632,7 +5613,12 @@
             <p:ph idx="1"/>
           </p:nvPr>
         </p:nvSpPr>
-        <p:spPr/>
+        <p:spPr>
+          <a:xfrm>
+            <a:off x="838200" y="1825625"/>
+            <a:ext cx="10515600" cy="4531632"/>
+          </a:xfrm>
+        </p:spPr>
         <p:txBody>
           <a:bodyPr>
             <a:normAutofit/>
@@ -4640,93 +5626,69 @@
           <a:lstStyle/>
           <a:p>
             <a:r>
-              <a:rPr lang="pt-BR" sz="3600" dirty="0"/>
-              <a:t>Parâmetros de requisição (</a:t>
-            </a:r>
-            <a:r>
-              <a:rPr lang="pt-BR" sz="3600" dirty="0" err="1"/>
-              <a:t>Mode</a:t>
-            </a:r>
-            <a:r>
-              <a:rPr lang="pt-BR" sz="3600" dirty="0"/>
-              <a:t>/PID</a:t>
-            </a:r>
-            <a:r>
               <a:rPr lang="pt-BR" sz="3600" dirty="0" smtClean="0"/>
-              <a:t>)</a:t>
-            </a:r>
-          </a:p>
-          <a:p>
-            <a:pPr lvl="1"/>
-            <a:r>
-              <a:rPr lang="pt-BR" sz="3200" dirty="0" smtClean="0"/>
-              <a:t>Exemplo</a:t>
-            </a:r>
-          </a:p>
-          <a:p>
-            <a:pPr marL="457200" lvl="1" indent="0">
-              <a:buNone/>
-            </a:pPr>
-            <a:endParaRPr lang="pt-BR" sz="3200" dirty="0"/>
-          </a:p>
-          <a:p>
-            <a:pPr marL="457200" lvl="1" indent="0">
-              <a:buNone/>
-            </a:pPr>
-            <a:r>
-              <a:rPr lang="pt-BR" sz="3200" dirty="0" smtClean="0"/>
-              <a:t>	</a:t>
-            </a:r>
-            <a:r>
-              <a:rPr lang="pt-BR" sz="3600" dirty="0" smtClean="0"/>
-              <a:t>“01 5C”</a:t>
-            </a:r>
-          </a:p>
-          <a:p>
-            <a:pPr marL="457200" lvl="1" indent="0">
-              <a:buNone/>
-            </a:pPr>
-            <a:r>
-              <a:rPr lang="pt-BR" sz="3200" dirty="0"/>
-              <a:t>	</a:t>
-            </a:r>
-            <a:r>
-              <a:rPr lang="pt-BR" sz="3200" dirty="0" smtClean="0"/>
-              <a:t>“01” =&gt; </a:t>
-            </a:r>
-            <a:r>
-              <a:rPr lang="pt-BR" sz="3200" dirty="0" err="1" smtClean="0"/>
-              <a:t>Mode</a:t>
-            </a:r>
-            <a:r>
-              <a:rPr lang="pt-BR" sz="3200" dirty="0" smtClean="0"/>
-              <a:t> = mostrar dados atuais</a:t>
-            </a:r>
-          </a:p>
-          <a:p>
-            <a:pPr marL="457200" lvl="1" indent="0">
-              <a:buNone/>
-            </a:pPr>
-            <a:r>
-              <a:rPr lang="pt-BR" sz="3200" dirty="0"/>
-              <a:t>	</a:t>
-            </a:r>
-            <a:r>
-              <a:rPr lang="pt-BR" sz="3200" dirty="0" smtClean="0"/>
-              <a:t>“5C” =&gt; PID = Id do sensor de temperatura do óleo</a:t>
-            </a:r>
-            <a:endParaRPr lang="pt-BR" sz="2800" dirty="0" smtClean="0"/>
-          </a:p>
-          <a:p>
-            <a:pPr lvl="1"/>
-            <a:endParaRPr lang="pt-BR" sz="3200" dirty="0" smtClean="0"/>
+              <a:t>ELM327</a:t>
+            </a:r>
+          </a:p>
+        </p:txBody>
+      </p:sp>
+      <p:pic>
+        <p:nvPicPr>
+          <p:cNvPr id="4" name="Imagem 3"/>
+          <p:cNvPicPr>
+            <a:picLocks noChangeAspect="1"/>
+          </p:cNvPicPr>
+          <p:nvPr/>
+        </p:nvPicPr>
+        <p:blipFill>
+          <a:blip r:embed="rId2" cstate="print">
+            <a:extLst>
+              <a:ext uri="{28A0092B-C50C-407E-A947-70E740481C1C}">
+                <a14:useLocalDpi xmlns:a14="http://schemas.microsoft.com/office/drawing/2010/main" val="0"/>
+              </a:ext>
+            </a:extLst>
+          </a:blip>
+          <a:stretch>
+            <a:fillRect/>
+          </a:stretch>
+        </p:blipFill>
+        <p:spPr>
+          <a:xfrm>
+            <a:off x="2843197" y="2600636"/>
+            <a:ext cx="5560575" cy="2981609"/>
+          </a:xfrm>
+          <a:prstGeom prst="rect">
+            <a:avLst/>
+          </a:prstGeom>
+        </p:spPr>
+      </p:pic>
+      <p:sp>
+        <p:nvSpPr>
+          <p:cNvPr id="5" name="Espaço Reservado para Número de Slide 4"/>
+          <p:cNvSpPr>
+            <a:spLocks noGrp="1"/>
+          </p:cNvSpPr>
+          <p:nvPr>
+            <p:ph type="sldNum" sz="quarter" idx="12"/>
+          </p:nvPr>
+        </p:nvSpPr>
+        <p:spPr/>
+        <p:txBody>
+          <a:bodyPr/>
+          <a:lstStyle/>
+          <a:p>
+            <a:fld id="{1993694D-D1F6-459B-8F96-561887F49A3A}" type="slidenum">
+              <a:rPr lang="pt-BR" sz="3200" smtClean="0"/>
+              <a:t>14</a:t>
+            </a:fld>
+            <a:endParaRPr lang="pt-BR" sz="3200"/>
           </a:p>
         </p:txBody>
       </p:sp>
     </p:spTree>
     <p:extLst>
       <p:ext uri="{BB962C8B-B14F-4D97-AF65-F5344CB8AC3E}">
-        <p14:creationId xmlns:p14="http://schemas.microsoft.com/office/powerpoint/2010/main" val="689506534"/>
+        <p14:creationId xmlns:p14="http://schemas.microsoft.com/office/powerpoint/2010/main" val="2080367096"/>
       </p:ext>
     </p:extLst>
   </p:cSld>
@@ -4762,6 +5724,388 @@
       </p:grpSpPr>
       <p:sp>
         <p:nvSpPr>
+          <p:cNvPr id="2" name="Título 1"/>
+          <p:cNvSpPr>
+            <a:spLocks noGrp="1"/>
+          </p:cNvSpPr>
+          <p:nvPr>
+            <p:ph type="title"/>
+          </p:nvPr>
+        </p:nvSpPr>
+        <p:spPr/>
+        <p:txBody>
+          <a:bodyPr>
+            <a:normAutofit/>
+          </a:bodyPr>
+          <a:lstStyle/>
+          <a:p>
+            <a:r>
+              <a:rPr lang="pt-BR" sz="5400" dirty="0" smtClean="0"/>
+              <a:t>Fundamentação Teórica</a:t>
+            </a:r>
+            <a:endParaRPr lang="pt-BR" sz="5400" dirty="0"/>
+          </a:p>
+        </p:txBody>
+      </p:sp>
+      <p:sp>
+        <p:nvSpPr>
+          <p:cNvPr id="3" name="Espaço Reservado para Conteúdo 2"/>
+          <p:cNvSpPr>
+            <a:spLocks noGrp="1"/>
+          </p:cNvSpPr>
+          <p:nvPr>
+            <p:ph idx="1"/>
+          </p:nvPr>
+        </p:nvSpPr>
+        <p:spPr/>
+        <p:txBody>
+          <a:bodyPr>
+            <a:normAutofit/>
+          </a:bodyPr>
+          <a:lstStyle/>
+          <a:p>
+            <a:r>
+              <a:rPr lang="pt-BR" sz="3600" dirty="0"/>
+              <a:t>Parâmetros de requisição (</a:t>
+            </a:r>
+            <a:r>
+              <a:rPr lang="pt-BR" sz="3600" dirty="0" err="1"/>
+              <a:t>Mode</a:t>
+            </a:r>
+            <a:r>
+              <a:rPr lang="pt-BR" sz="3600" dirty="0"/>
+              <a:t>/PID</a:t>
+            </a:r>
+            <a:r>
+              <a:rPr lang="pt-BR" sz="3600" dirty="0" smtClean="0"/>
+              <a:t>)</a:t>
+            </a:r>
+          </a:p>
+          <a:p>
+            <a:pPr lvl="1"/>
+            <a:r>
+              <a:rPr lang="pt-BR" sz="3200" dirty="0" smtClean="0"/>
+              <a:t>Toda requisição feita é composta por 2 bytes</a:t>
+            </a:r>
+          </a:p>
+          <a:p>
+            <a:pPr lvl="1"/>
+            <a:r>
+              <a:rPr lang="pt-BR" sz="3200" dirty="0" smtClean="0"/>
+              <a:t>1º Byte =&gt; </a:t>
+            </a:r>
+            <a:r>
+              <a:rPr lang="pt-BR" sz="3200" dirty="0" err="1" smtClean="0"/>
+              <a:t>Mode</a:t>
+            </a:r>
+            <a:r>
+              <a:rPr lang="pt-BR" sz="3200" dirty="0" smtClean="0"/>
+              <a:t> (“Modo)</a:t>
+            </a:r>
+          </a:p>
+          <a:p>
+            <a:pPr lvl="2"/>
+            <a:r>
+              <a:rPr lang="pt-BR" sz="2800" dirty="0" smtClean="0"/>
+              <a:t>Informa o tipo de dados que está sendo solicitado</a:t>
+            </a:r>
+          </a:p>
+          <a:p>
+            <a:pPr lvl="2"/>
+            <a:r>
+              <a:rPr lang="pt-BR" sz="2800" dirty="0" err="1" smtClean="0"/>
+              <a:t>Ex</a:t>
+            </a:r>
+            <a:r>
+              <a:rPr lang="pt-BR" sz="2800" dirty="0" smtClean="0"/>
+              <a:t>: dados atuais, códigos de problemas de diagnóstico, </a:t>
+            </a:r>
+            <a:r>
+              <a:rPr lang="pt-BR" sz="2800" dirty="0" err="1" smtClean="0"/>
+              <a:t>etc</a:t>
+            </a:r>
+            <a:endParaRPr lang="pt-BR" sz="2800" dirty="0"/>
+          </a:p>
+          <a:p>
+            <a:pPr lvl="1"/>
+            <a:r>
+              <a:rPr lang="pt-BR" sz="3200" dirty="0" smtClean="0"/>
+              <a:t>2º Byte =&gt; PID (“Id de parâmetro)</a:t>
+            </a:r>
+            <a:endParaRPr lang="pt-BR" sz="2800" dirty="0" smtClean="0"/>
+          </a:p>
+          <a:p>
+            <a:pPr lvl="2"/>
+            <a:r>
+              <a:rPr lang="pt-BR" sz="2800" dirty="0" smtClean="0"/>
+              <a:t>Especifica a informação requerida</a:t>
+            </a:r>
+          </a:p>
+          <a:p>
+            <a:pPr lvl="2"/>
+            <a:r>
+              <a:rPr lang="pt-BR" sz="2800" dirty="0" err="1" smtClean="0"/>
+              <a:t>Ex</a:t>
+            </a:r>
+            <a:r>
+              <a:rPr lang="pt-BR" sz="2800" dirty="0" smtClean="0"/>
+              <a:t>: id do sensor de temperatura do óleo</a:t>
+            </a:r>
+          </a:p>
+          <a:p>
+            <a:pPr lvl="1"/>
+            <a:endParaRPr lang="pt-BR" sz="3200" dirty="0" smtClean="0"/>
+          </a:p>
+        </p:txBody>
+      </p:sp>
+      <p:sp>
+        <p:nvSpPr>
+          <p:cNvPr id="4" name="Espaço Reservado para Número de Slide 3"/>
+          <p:cNvSpPr>
+            <a:spLocks noGrp="1"/>
+          </p:cNvSpPr>
+          <p:nvPr>
+            <p:ph type="sldNum" sz="quarter" idx="12"/>
+          </p:nvPr>
+        </p:nvSpPr>
+        <p:spPr/>
+        <p:txBody>
+          <a:bodyPr/>
+          <a:lstStyle/>
+          <a:p>
+            <a:fld id="{1993694D-D1F6-459B-8F96-561887F49A3A}" type="slidenum">
+              <a:rPr lang="pt-BR" sz="3200" smtClean="0"/>
+              <a:t>15</a:t>
+            </a:fld>
+            <a:endParaRPr lang="pt-BR" sz="3200" dirty="0"/>
+          </a:p>
+        </p:txBody>
+      </p:sp>
+    </p:spTree>
+    <p:extLst>
+      <p:ext uri="{BB962C8B-B14F-4D97-AF65-F5344CB8AC3E}">
+        <p14:creationId xmlns:p14="http://schemas.microsoft.com/office/powerpoint/2010/main" val="3412792081"/>
+      </p:ext>
+    </p:extLst>
+  </p:cSld>
+  <p:clrMapOvr>
+    <a:masterClrMapping/>
+  </p:clrMapOvr>
+  <p:timing>
+    <p:tnLst>
+      <p:par>
+        <p:cTn id="1" dur="indefinite" restart="never" nodeType="tmRoot"/>
+      </p:par>
+    </p:tnLst>
+  </p:timing>
+</p:sld>
+</file>
+
+<file path=ppt/slides/slide16.xml><?xml version="1.0" encoding="utf-8"?>
+<p:sld xmlns:a="http://schemas.openxmlformats.org/drawingml/2006/main" xmlns:r="http://schemas.openxmlformats.org/officeDocument/2006/relationships" xmlns:p="http://schemas.openxmlformats.org/presentationml/2006/main">
+  <p:cSld>
+    <p:spTree>
+      <p:nvGrpSpPr>
+        <p:cNvPr id="1" name=""/>
+        <p:cNvGrpSpPr/>
+        <p:nvPr/>
+      </p:nvGrpSpPr>
+      <p:grpSpPr>
+        <a:xfrm>
+          <a:off x="0" y="0"/>
+          <a:ext cx="0" cy="0"/>
+          <a:chOff x="0" y="0"/>
+          <a:chExt cx="0" cy="0"/>
+        </a:xfrm>
+      </p:grpSpPr>
+      <p:sp>
+        <p:nvSpPr>
+          <p:cNvPr id="2" name="Título 1"/>
+          <p:cNvSpPr>
+            <a:spLocks noGrp="1"/>
+          </p:cNvSpPr>
+          <p:nvPr>
+            <p:ph type="title"/>
+          </p:nvPr>
+        </p:nvSpPr>
+        <p:spPr/>
+        <p:txBody>
+          <a:bodyPr>
+            <a:normAutofit/>
+          </a:bodyPr>
+          <a:lstStyle/>
+          <a:p>
+            <a:r>
+              <a:rPr lang="pt-BR" sz="5400" dirty="0" smtClean="0"/>
+              <a:t>Fundamentação Teórica</a:t>
+            </a:r>
+            <a:endParaRPr lang="pt-BR" sz="5400" dirty="0"/>
+          </a:p>
+        </p:txBody>
+      </p:sp>
+      <p:sp>
+        <p:nvSpPr>
+          <p:cNvPr id="3" name="Espaço Reservado para Conteúdo 2"/>
+          <p:cNvSpPr>
+            <a:spLocks noGrp="1"/>
+          </p:cNvSpPr>
+          <p:nvPr>
+            <p:ph idx="1"/>
+          </p:nvPr>
+        </p:nvSpPr>
+        <p:spPr/>
+        <p:txBody>
+          <a:bodyPr>
+            <a:normAutofit/>
+          </a:bodyPr>
+          <a:lstStyle/>
+          <a:p>
+            <a:r>
+              <a:rPr lang="pt-BR" sz="3600" dirty="0"/>
+              <a:t>Parâmetros de requisição (</a:t>
+            </a:r>
+            <a:r>
+              <a:rPr lang="pt-BR" sz="3600" dirty="0" err="1"/>
+              <a:t>Mode</a:t>
+            </a:r>
+            <a:r>
+              <a:rPr lang="pt-BR" sz="3600" dirty="0"/>
+              <a:t>/PID</a:t>
+            </a:r>
+            <a:r>
+              <a:rPr lang="pt-BR" sz="3600" dirty="0" smtClean="0"/>
+              <a:t>)</a:t>
+            </a:r>
+          </a:p>
+          <a:p>
+            <a:pPr lvl="1"/>
+            <a:r>
+              <a:rPr lang="pt-BR" sz="3200" dirty="0" smtClean="0"/>
+              <a:t>Exemplo</a:t>
+            </a:r>
+          </a:p>
+          <a:p>
+            <a:pPr marL="457200" lvl="1" indent="0">
+              <a:buNone/>
+            </a:pPr>
+            <a:endParaRPr lang="pt-BR" sz="3200" dirty="0"/>
+          </a:p>
+          <a:p>
+            <a:pPr marL="457200" lvl="1" indent="0">
+              <a:buNone/>
+            </a:pPr>
+            <a:r>
+              <a:rPr lang="pt-BR" sz="3200" dirty="0" smtClean="0"/>
+              <a:t>	</a:t>
+            </a:r>
+            <a:r>
+              <a:rPr lang="pt-BR" sz="3600" dirty="0" smtClean="0"/>
+              <a:t>“01 5C”</a:t>
+            </a:r>
+          </a:p>
+          <a:p>
+            <a:pPr marL="457200" lvl="1" indent="0">
+              <a:buNone/>
+            </a:pPr>
+            <a:r>
+              <a:rPr lang="pt-BR" sz="3200" dirty="0"/>
+              <a:t>	</a:t>
+            </a:r>
+            <a:r>
+              <a:rPr lang="pt-BR" sz="3200" dirty="0" smtClean="0"/>
+              <a:t>“01” =&gt; </a:t>
+            </a:r>
+            <a:r>
+              <a:rPr lang="pt-BR" sz="3200" dirty="0" err="1" smtClean="0"/>
+              <a:t>Mode</a:t>
+            </a:r>
+            <a:r>
+              <a:rPr lang="pt-BR" sz="3200" dirty="0" smtClean="0"/>
+              <a:t> = mostrar dados atuais</a:t>
+            </a:r>
+          </a:p>
+          <a:p>
+            <a:pPr marL="457200" lvl="1" indent="0">
+              <a:buNone/>
+            </a:pPr>
+            <a:r>
+              <a:rPr lang="pt-BR" sz="3200" dirty="0"/>
+              <a:t>	</a:t>
+            </a:r>
+            <a:r>
+              <a:rPr lang="pt-BR" sz="3200" dirty="0" smtClean="0"/>
+              <a:t>“5C” =&gt; PID = Id do sensor de temperatura do óleo</a:t>
+            </a:r>
+            <a:endParaRPr lang="pt-BR" sz="2800" dirty="0" smtClean="0"/>
+          </a:p>
+          <a:p>
+            <a:pPr lvl="1"/>
+            <a:endParaRPr lang="pt-BR" sz="3200" dirty="0" smtClean="0"/>
+          </a:p>
+        </p:txBody>
+      </p:sp>
+      <p:sp>
+        <p:nvSpPr>
+          <p:cNvPr id="4" name="Espaço Reservado para Número de Slide 3"/>
+          <p:cNvSpPr>
+            <a:spLocks noGrp="1"/>
+          </p:cNvSpPr>
+          <p:nvPr>
+            <p:ph type="sldNum" sz="quarter" idx="12"/>
+          </p:nvPr>
+        </p:nvSpPr>
+        <p:spPr/>
+        <p:txBody>
+          <a:bodyPr/>
+          <a:lstStyle/>
+          <a:p>
+            <a:fld id="{1993694D-D1F6-459B-8F96-561887F49A3A}" type="slidenum">
+              <a:rPr lang="pt-BR" sz="3200" smtClean="0"/>
+              <a:t>16</a:t>
+            </a:fld>
+            <a:endParaRPr lang="pt-BR" sz="3200"/>
+          </a:p>
+        </p:txBody>
+      </p:sp>
+    </p:spTree>
+    <p:extLst>
+      <p:ext uri="{BB962C8B-B14F-4D97-AF65-F5344CB8AC3E}">
+        <p14:creationId xmlns:p14="http://schemas.microsoft.com/office/powerpoint/2010/main" val="689506534"/>
+      </p:ext>
+    </p:extLst>
+  </p:cSld>
+  <p:clrMapOvr>
+    <a:masterClrMapping/>
+  </p:clrMapOvr>
+  <p:timing>
+    <p:tnLst>
+      <p:par>
+        <p:cTn id="1" dur="indefinite" restart="never" nodeType="tmRoot"/>
+      </p:par>
+    </p:tnLst>
+  </p:timing>
+</p:sld>
+</file>
+
+<file path=ppt/slides/slide17.xml><?xml version="1.0" encoding="utf-8"?>
+<p:sld xmlns:a="http://schemas.openxmlformats.org/drawingml/2006/main" xmlns:r="http://schemas.openxmlformats.org/officeDocument/2006/relationships" xmlns:p="http://schemas.openxmlformats.org/presentationml/2006/main">
+  <p:cSld>
+    <p:spTree>
+      <p:nvGrpSpPr>
+        <p:cNvPr id="1" name=""/>
+        <p:cNvGrpSpPr/>
+        <p:nvPr/>
+      </p:nvGrpSpPr>
+      <p:grpSpPr>
+        <a:xfrm>
+          <a:off x="0" y="0"/>
+          <a:ext cx="0" cy="0"/>
+          <a:chOff x="0" y="0"/>
+          <a:chExt cx="0" cy="0"/>
+        </a:xfrm>
+      </p:grpSpPr>
+      <p:sp>
+        <p:nvSpPr>
           <p:cNvPr id="17" name="Retângulo 16"/>
           <p:cNvSpPr/>
           <p:nvPr/>
@@ -5499,329 +6843,38 @@
           </a:p>
         </p:txBody>
       </p:sp>
+      <p:sp>
+        <p:nvSpPr>
+          <p:cNvPr id="12" name="Espaço Reservado para Número de Slide 11"/>
+          <p:cNvSpPr>
+            <a:spLocks noGrp="1"/>
+          </p:cNvSpPr>
+          <p:nvPr>
+            <p:ph type="sldNum" sz="quarter" idx="12"/>
+          </p:nvPr>
+        </p:nvSpPr>
+        <p:spPr>
+          <a:xfrm>
+            <a:off x="8610600" y="6356350"/>
+            <a:ext cx="2743200" cy="365125"/>
+          </a:xfrm>
+        </p:spPr>
+        <p:txBody>
+          <a:bodyPr/>
+          <a:lstStyle/>
+          <a:p>
+            <a:fld id="{1993694D-D1F6-459B-8F96-561887F49A3A}" type="slidenum">
+              <a:rPr lang="pt-BR" sz="3200" smtClean="0"/>
+              <a:t>17</a:t>
+            </a:fld>
+            <a:endParaRPr lang="pt-BR" sz="3200"/>
+          </a:p>
+        </p:txBody>
+      </p:sp>
     </p:spTree>
     <p:extLst>
       <p:ext uri="{BB962C8B-B14F-4D97-AF65-F5344CB8AC3E}">
         <p14:creationId xmlns:p14="http://schemas.microsoft.com/office/powerpoint/2010/main" val="2205362503"/>
-      </p:ext>
-    </p:extLst>
-  </p:cSld>
-  <p:clrMapOvr>
-    <a:masterClrMapping/>
-  </p:clrMapOvr>
-  <p:timing>
-    <p:tnLst>
-      <p:par>
-        <p:cTn id="1" dur="indefinite" restart="never" nodeType="tmRoot"/>
-      </p:par>
-    </p:tnLst>
-  </p:timing>
-</p:sld>
-</file>
-
-<file path=ppt/slides/slide16.xml><?xml version="1.0" encoding="utf-8"?>
-<p:sld xmlns:a="http://schemas.openxmlformats.org/drawingml/2006/main" xmlns:r="http://schemas.openxmlformats.org/officeDocument/2006/relationships" xmlns:p="http://schemas.openxmlformats.org/presentationml/2006/main">
-  <p:cSld>
-    <p:spTree>
-      <p:nvGrpSpPr>
-        <p:cNvPr id="1" name=""/>
-        <p:cNvGrpSpPr/>
-        <p:nvPr/>
-      </p:nvGrpSpPr>
-      <p:grpSpPr>
-        <a:xfrm>
-          <a:off x="0" y="0"/>
-          <a:ext cx="0" cy="0"/>
-          <a:chOff x="0" y="0"/>
-          <a:chExt cx="0" cy="0"/>
-        </a:xfrm>
-      </p:grpSpPr>
-      <p:sp>
-        <p:nvSpPr>
-          <p:cNvPr id="2" name="Título 1"/>
-          <p:cNvSpPr>
-            <a:spLocks noGrp="1"/>
-          </p:cNvSpPr>
-          <p:nvPr>
-            <p:ph type="title"/>
-          </p:nvPr>
-        </p:nvSpPr>
-        <p:spPr/>
-        <p:txBody>
-          <a:bodyPr>
-            <a:normAutofit/>
-          </a:bodyPr>
-          <a:lstStyle/>
-          <a:p>
-            <a:r>
-              <a:rPr lang="pt-BR" sz="5400" dirty="0" smtClean="0"/>
-              <a:t>Metodologia</a:t>
-            </a:r>
-            <a:endParaRPr lang="pt-BR" sz="5400" dirty="0"/>
-          </a:p>
-        </p:txBody>
-      </p:sp>
-      <p:sp>
-        <p:nvSpPr>
-          <p:cNvPr id="3" name="Espaço Reservado para Conteúdo 2"/>
-          <p:cNvSpPr>
-            <a:spLocks noGrp="1"/>
-          </p:cNvSpPr>
-          <p:nvPr>
-            <p:ph idx="1"/>
-          </p:nvPr>
-        </p:nvSpPr>
-        <p:spPr/>
-        <p:txBody>
-          <a:bodyPr>
-            <a:normAutofit/>
-          </a:bodyPr>
-          <a:lstStyle/>
-          <a:p>
-            <a:r>
-              <a:rPr lang="pt-BR" sz="3600" dirty="0" smtClean="0"/>
-              <a:t>Etapas realizadas:</a:t>
-            </a:r>
-          </a:p>
-          <a:p>
-            <a:pPr lvl="1"/>
-            <a:r>
-              <a:rPr lang="pt-BR" sz="3200" dirty="0" smtClean="0"/>
-              <a:t>Implementação do software em Desktop para leitura de alguns sensores do automóvel</a:t>
-            </a:r>
-          </a:p>
-          <a:p>
-            <a:pPr lvl="2"/>
-            <a:r>
-              <a:rPr lang="pt-BR" sz="2800" dirty="0"/>
-              <a:t>Linguagem JAVA</a:t>
-            </a:r>
-          </a:p>
-          <a:p>
-            <a:pPr lvl="2"/>
-            <a:r>
-              <a:rPr lang="pt-BR" sz="2800" dirty="0"/>
-              <a:t>Biblioteca </a:t>
-            </a:r>
-            <a:r>
-              <a:rPr lang="pt-BR" sz="2800" dirty="0" err="1"/>
-              <a:t>Bluecove</a:t>
-            </a:r>
-            <a:endParaRPr lang="pt-BR" sz="2800" dirty="0"/>
-          </a:p>
-          <a:p>
-            <a:pPr lvl="2"/>
-            <a:r>
-              <a:rPr lang="pt-BR" sz="2800" dirty="0"/>
-              <a:t>API </a:t>
-            </a:r>
-            <a:r>
-              <a:rPr lang="pt-BR" sz="2800" dirty="0" err="1"/>
-              <a:t>obd-java-api</a:t>
-            </a:r>
-            <a:r>
-              <a:rPr lang="pt-BR" sz="2800" dirty="0"/>
-              <a:t> (disponível no </a:t>
-            </a:r>
-            <a:r>
-              <a:rPr lang="pt-BR" sz="2800" dirty="0" err="1"/>
-              <a:t>github</a:t>
-            </a:r>
-            <a:r>
-              <a:rPr lang="pt-BR" sz="2800" dirty="0"/>
-              <a:t> de Paulo Pires)</a:t>
-            </a:r>
-          </a:p>
-          <a:p>
-            <a:pPr lvl="2"/>
-            <a:r>
-              <a:rPr lang="pt-BR" sz="2800" dirty="0"/>
-              <a:t>Framework </a:t>
-            </a:r>
-            <a:r>
-              <a:rPr lang="pt-BR" sz="2800" dirty="0" err="1"/>
-              <a:t>JavaFx</a:t>
-            </a:r>
-            <a:endParaRPr lang="pt-BR" sz="2800" dirty="0"/>
-          </a:p>
-          <a:p>
-            <a:pPr lvl="2"/>
-            <a:r>
-              <a:rPr lang="pt-BR" sz="2800" dirty="0"/>
-              <a:t>ELM327 Bluetooth</a:t>
-            </a:r>
-          </a:p>
-          <a:p>
-            <a:pPr lvl="1"/>
-            <a:r>
-              <a:rPr lang="pt-BR" sz="3200" dirty="0" smtClean="0"/>
-              <a:t>Teste da aplicação em Desktop e no </a:t>
-            </a:r>
-            <a:r>
-              <a:rPr lang="pt-BR" sz="3200" dirty="0" err="1" smtClean="0"/>
-              <a:t>Raspberry</a:t>
-            </a:r>
-            <a:r>
-              <a:rPr lang="pt-BR" sz="3200" dirty="0" smtClean="0"/>
-              <a:t> PI</a:t>
-            </a:r>
-          </a:p>
-        </p:txBody>
-      </p:sp>
-    </p:spTree>
-    <p:extLst>
-      <p:ext uri="{BB962C8B-B14F-4D97-AF65-F5344CB8AC3E}">
-        <p14:creationId xmlns:p14="http://schemas.microsoft.com/office/powerpoint/2010/main" val="3820180572"/>
-      </p:ext>
-    </p:extLst>
-  </p:cSld>
-  <p:clrMapOvr>
-    <a:masterClrMapping/>
-  </p:clrMapOvr>
-  <p:timing>
-    <p:tnLst>
-      <p:par>
-        <p:cTn id="1" dur="indefinite" restart="never" nodeType="tmRoot"/>
-      </p:par>
-    </p:tnLst>
-  </p:timing>
-</p:sld>
-</file>
-
-<file path=ppt/slides/slide17.xml><?xml version="1.0" encoding="utf-8"?>
-<p:sld xmlns:a="http://schemas.openxmlformats.org/drawingml/2006/main" xmlns:r="http://schemas.openxmlformats.org/officeDocument/2006/relationships" xmlns:p="http://schemas.openxmlformats.org/presentationml/2006/main">
-  <p:cSld>
-    <p:spTree>
-      <p:nvGrpSpPr>
-        <p:cNvPr id="1" name=""/>
-        <p:cNvGrpSpPr/>
-        <p:nvPr/>
-      </p:nvGrpSpPr>
-      <p:grpSpPr>
-        <a:xfrm>
-          <a:off x="0" y="0"/>
-          <a:ext cx="0" cy="0"/>
-          <a:chOff x="0" y="0"/>
-          <a:chExt cx="0" cy="0"/>
-        </a:xfrm>
-      </p:grpSpPr>
-      <p:sp>
-        <p:nvSpPr>
-          <p:cNvPr id="2" name="Título 1"/>
-          <p:cNvSpPr>
-            <a:spLocks noGrp="1"/>
-          </p:cNvSpPr>
-          <p:nvPr>
-            <p:ph type="title"/>
-          </p:nvPr>
-        </p:nvSpPr>
-        <p:spPr/>
-        <p:txBody>
-          <a:bodyPr>
-            <a:normAutofit/>
-          </a:bodyPr>
-          <a:lstStyle/>
-          <a:p>
-            <a:r>
-              <a:rPr lang="pt-BR" sz="5400" dirty="0" smtClean="0"/>
-              <a:t>Metodologia</a:t>
-            </a:r>
-            <a:endParaRPr lang="pt-BR" sz="5400" dirty="0"/>
-          </a:p>
-        </p:txBody>
-      </p:sp>
-      <p:sp>
-        <p:nvSpPr>
-          <p:cNvPr id="3" name="Espaço Reservado para Conteúdo 2"/>
-          <p:cNvSpPr>
-            <a:spLocks noGrp="1"/>
-          </p:cNvSpPr>
-          <p:nvPr>
-            <p:ph idx="1"/>
-          </p:nvPr>
-        </p:nvSpPr>
-        <p:spPr/>
-        <p:txBody>
-          <a:bodyPr>
-            <a:normAutofit/>
-          </a:bodyPr>
-          <a:lstStyle/>
-          <a:p>
-            <a:r>
-              <a:rPr lang="pt-BR" sz="3600" dirty="0" smtClean="0"/>
-              <a:t>Etapas realizadas</a:t>
-            </a:r>
-            <a:r>
-              <a:rPr lang="pt-BR" sz="3600" dirty="0" smtClean="0"/>
-              <a:t>:</a:t>
-            </a:r>
-            <a:endParaRPr lang="pt-BR" sz="3600" dirty="0" smtClean="0"/>
-          </a:p>
-        </p:txBody>
-      </p:sp>
-      <p:pic>
-        <p:nvPicPr>
-          <p:cNvPr id="4" name="Imagem 3"/>
-          <p:cNvPicPr>
-            <a:picLocks noChangeAspect="1"/>
-          </p:cNvPicPr>
-          <p:nvPr/>
-        </p:nvPicPr>
-        <p:blipFill rotWithShape="1">
-          <a:blip r:embed="rId2">
-            <a:extLst>
-              <a:ext uri="{28A0092B-C50C-407E-A947-70E740481C1C}">
-                <a14:useLocalDpi xmlns:a14="http://schemas.microsoft.com/office/drawing/2010/main" val="0"/>
-              </a:ext>
-            </a:extLst>
-          </a:blip>
-          <a:srcRect l="31746" t="16910" r="31890" b="40228"/>
-          <a:stretch/>
-        </p:blipFill>
-        <p:spPr>
-          <a:xfrm>
-            <a:off x="3204028" y="2846525"/>
-            <a:ext cx="5025571" cy="3330438"/>
-          </a:xfrm>
-          <a:prstGeom prst="rect">
-            <a:avLst/>
-          </a:prstGeom>
-        </p:spPr>
-      </p:pic>
-      <p:sp>
-        <p:nvSpPr>
-          <p:cNvPr id="5" name="CaixaDeTexto 4"/>
-          <p:cNvSpPr txBox="1"/>
-          <p:nvPr/>
-        </p:nvSpPr>
-        <p:spPr>
-          <a:xfrm>
-            <a:off x="8229599" y="5776853"/>
-            <a:ext cx="1785617" cy="400110"/>
-          </a:xfrm>
-          <a:prstGeom prst="rect">
-            <a:avLst/>
-          </a:prstGeom>
-          <a:noFill/>
-        </p:spPr>
-        <p:txBody>
-          <a:bodyPr wrap="none" rtlCol="0">
-            <a:spAutoFit/>
-          </a:bodyPr>
-          <a:lstStyle/>
-          <a:p>
-            <a:r>
-              <a:rPr lang="pt-BR" sz="2000" dirty="0" smtClean="0"/>
-              <a:t>Leitura do RPM</a:t>
-            </a:r>
-            <a:endParaRPr lang="pt-BR" sz="2000" dirty="0"/>
-          </a:p>
-        </p:txBody>
-      </p:sp>
-    </p:spTree>
-    <p:extLst>
-      <p:ext uri="{BB962C8B-B14F-4D97-AF65-F5344CB8AC3E}">
-        <p14:creationId xmlns:p14="http://schemas.microsoft.com/office/powerpoint/2010/main" val="1599622759"/>
       </p:ext>
     </p:extLst>
   </p:cSld>
@@ -5899,79 +6952,121 @@
           <a:p>
             <a:r>
               <a:rPr lang="pt-BR" sz="3600" dirty="0" smtClean="0"/>
-              <a:t>Etapas realizadas</a:t>
-            </a:r>
-            <a:r>
-              <a:rPr lang="pt-BR" sz="3600" dirty="0" smtClean="0"/>
-              <a:t>:</a:t>
-            </a:r>
-            <a:endParaRPr lang="pt-BR" sz="3600" dirty="0" smtClean="0"/>
-          </a:p>
-        </p:txBody>
-      </p:sp>
-      <p:sp>
-        <p:nvSpPr>
-          <p:cNvPr id="5" name="CaixaDeTexto 4"/>
-          <p:cNvSpPr txBox="1"/>
-          <p:nvPr/>
-        </p:nvSpPr>
-        <p:spPr>
-          <a:xfrm>
-            <a:off x="8229599" y="5776853"/>
-            <a:ext cx="3137462" cy="400110"/>
-          </a:xfrm>
-          <a:prstGeom prst="rect">
-            <a:avLst/>
-          </a:prstGeom>
-          <a:noFill/>
-        </p:spPr>
-        <p:txBody>
-          <a:bodyPr wrap="none" rtlCol="0">
-            <a:spAutoFit/>
-          </a:bodyPr>
-          <a:lstStyle/>
-          <a:p>
-            <a:r>
-              <a:rPr lang="pt-BR" sz="2000" dirty="0" smtClean="0"/>
-              <a:t>Leitura da Pressão do Motor</a:t>
-            </a:r>
-            <a:endParaRPr lang="pt-BR" sz="2000" dirty="0"/>
-          </a:p>
-        </p:txBody>
-      </p:sp>
-      <p:pic>
-        <p:nvPicPr>
-          <p:cNvPr id="6" name="Imagem 5"/>
-          <p:cNvPicPr>
-            <a:picLocks noChangeAspect="1"/>
-          </p:cNvPicPr>
-          <p:nvPr/>
-        </p:nvPicPr>
-        <p:blipFill rotWithShape="1">
-          <a:blip r:embed="rId2">
-            <a:extLst>
-              <a:ext uri="{28A0092B-C50C-407E-A947-70E740481C1C}">
-                <a14:useLocalDpi xmlns:a14="http://schemas.microsoft.com/office/drawing/2010/main" val="0"/>
-              </a:ext>
-            </a:extLst>
-          </a:blip>
-          <a:srcRect l="31890" t="16653" r="31746" b="39972"/>
-          <a:stretch/>
-        </p:blipFill>
-        <p:spPr>
-          <a:xfrm>
-            <a:off x="3204028" y="2806640"/>
-            <a:ext cx="5025571" cy="3370323"/>
-          </a:xfrm>
-          <a:prstGeom prst="rect">
-            <a:avLst/>
-          </a:prstGeom>
-        </p:spPr>
-      </p:pic>
+              <a:t>Etapas realizadas:</a:t>
+            </a:r>
+          </a:p>
+          <a:p>
+            <a:pPr lvl="1"/>
+            <a:r>
+              <a:rPr lang="pt-BR" sz="3200" dirty="0" smtClean="0"/>
+              <a:t>Implementação do software em Desktop para leitura de alguns sensores do automóvel</a:t>
+            </a:r>
+          </a:p>
+          <a:p>
+            <a:pPr lvl="2"/>
+            <a:r>
+              <a:rPr lang="pt-BR" sz="2800" dirty="0"/>
+              <a:t>Linguagem JAVA</a:t>
+            </a:r>
+          </a:p>
+          <a:p>
+            <a:pPr lvl="2"/>
+            <a:r>
+              <a:rPr lang="pt-BR" sz="2800" dirty="0"/>
+              <a:t>Biblioteca </a:t>
+            </a:r>
+            <a:r>
+              <a:rPr lang="pt-BR" sz="2800" dirty="0" err="1"/>
+              <a:t>Bluecove</a:t>
+            </a:r>
+            <a:endParaRPr lang="pt-BR" sz="2800" dirty="0"/>
+          </a:p>
+          <a:p>
+            <a:pPr lvl="2"/>
+            <a:r>
+              <a:rPr lang="pt-BR" sz="2800" dirty="0"/>
+              <a:t>API </a:t>
+            </a:r>
+            <a:r>
+              <a:rPr lang="pt-BR" sz="2800" dirty="0" err="1"/>
+              <a:t>obd-java-api</a:t>
+            </a:r>
+            <a:r>
+              <a:rPr lang="pt-BR" sz="2800" dirty="0"/>
+              <a:t> (disponível no </a:t>
+            </a:r>
+            <a:r>
+              <a:rPr lang="pt-BR" sz="2800" dirty="0" err="1"/>
+              <a:t>github</a:t>
+            </a:r>
+            <a:r>
+              <a:rPr lang="pt-BR" sz="2800" dirty="0"/>
+              <a:t> de Paulo Pires)</a:t>
+            </a:r>
+          </a:p>
+          <a:p>
+            <a:pPr lvl="2"/>
+            <a:r>
+              <a:rPr lang="pt-BR" sz="2800" dirty="0"/>
+              <a:t>Framework </a:t>
+            </a:r>
+            <a:r>
+              <a:rPr lang="pt-BR" sz="2800" dirty="0" err="1"/>
+              <a:t>JavaFx</a:t>
+            </a:r>
+            <a:endParaRPr lang="pt-BR" sz="2800" dirty="0"/>
+          </a:p>
+          <a:p>
+            <a:pPr lvl="2"/>
+            <a:r>
+              <a:rPr lang="pt-BR" sz="2800" dirty="0"/>
+              <a:t>ELM327 Bluetooth</a:t>
+            </a:r>
+          </a:p>
+          <a:p>
+            <a:pPr lvl="1"/>
+            <a:r>
+              <a:rPr lang="pt-BR" sz="3200" dirty="0" smtClean="0"/>
+              <a:t>Teste da aplicação em Desktop e no </a:t>
+            </a:r>
+            <a:r>
+              <a:rPr lang="pt-BR" sz="3200" dirty="0" err="1" smtClean="0"/>
+              <a:t>Raspberry</a:t>
+            </a:r>
+            <a:r>
+              <a:rPr lang="pt-BR" sz="3200" dirty="0" smtClean="0"/>
+              <a:t> PI</a:t>
+            </a:r>
+          </a:p>
+        </p:txBody>
+      </p:sp>
+      <p:sp>
+        <p:nvSpPr>
+          <p:cNvPr id="4" name="Espaço Reservado para Número de Slide 3"/>
+          <p:cNvSpPr>
+            <a:spLocks noGrp="1"/>
+          </p:cNvSpPr>
+          <p:nvPr>
+            <p:ph type="sldNum" sz="quarter" idx="12"/>
+          </p:nvPr>
+        </p:nvSpPr>
+        <p:spPr/>
+        <p:txBody>
+          <a:bodyPr/>
+          <a:lstStyle/>
+          <a:p>
+            <a:fld id="{1993694D-D1F6-459B-8F96-561887F49A3A}" type="slidenum">
+              <a:rPr lang="pt-BR" sz="3200" smtClean="0"/>
+              <a:t>18</a:t>
+            </a:fld>
+            <a:endParaRPr lang="pt-BR" sz="3200"/>
+          </a:p>
+        </p:txBody>
+      </p:sp>
     </p:spTree>
     <p:extLst>
       <p:ext uri="{BB962C8B-B14F-4D97-AF65-F5344CB8AC3E}">
-        <p14:creationId xmlns:p14="http://schemas.microsoft.com/office/powerpoint/2010/main" val="4139771861"/>
+        <p14:creationId xmlns:p14="http://schemas.microsoft.com/office/powerpoint/2010/main" val="3820180572"/>
       </p:ext>
     </p:extLst>
   </p:cSld>
@@ -6049,43 +7144,8 @@
           <a:p>
             <a:r>
               <a:rPr lang="pt-BR" sz="3600" dirty="0" smtClean="0"/>
-              <a:t>Etapas realizadas</a:t>
-            </a:r>
-            <a:r>
-              <a:rPr lang="pt-BR" sz="3600" dirty="0" smtClean="0"/>
-              <a:t>:</a:t>
-            </a:r>
-            <a:endParaRPr lang="pt-BR" sz="3600" dirty="0" smtClean="0"/>
-          </a:p>
-        </p:txBody>
-      </p:sp>
-      <p:sp>
-        <p:nvSpPr>
-          <p:cNvPr id="5" name="CaixaDeTexto 4"/>
-          <p:cNvSpPr txBox="1"/>
-          <p:nvPr/>
-        </p:nvSpPr>
-        <p:spPr>
-          <a:xfrm>
-            <a:off x="8229599" y="5776853"/>
-            <a:ext cx="2466573" cy="400110"/>
-          </a:xfrm>
-          <a:prstGeom prst="rect">
-            <a:avLst/>
-          </a:prstGeom>
-          <a:noFill/>
-        </p:spPr>
-        <p:txBody>
-          <a:bodyPr wrap="none" rtlCol="0">
-            <a:spAutoFit/>
-          </a:bodyPr>
-          <a:lstStyle/>
-          <a:p>
-            <a:r>
-              <a:rPr lang="pt-BR" sz="2000" dirty="0" smtClean="0"/>
-              <a:t>Leitura da Temp. Óleo</a:t>
-            </a:r>
-            <a:endParaRPr lang="pt-BR" sz="2000" dirty="0"/>
+              <a:t>Etapas realizadas:</a:t>
+            </a:r>
           </a:p>
         </p:txBody>
       </p:sp>
@@ -6105,23 +7165,76 @@
               </a:ext>
             </a:extLst>
           </a:blip>
-          <a:srcRect l="31746" t="16396" r="31602" b="39972"/>
+          <a:srcRect l="31746" t="16910" r="31890" b="40228"/>
           <a:stretch/>
         </p:blipFill>
         <p:spPr>
           <a:xfrm>
-            <a:off x="3135581" y="2767579"/>
-            <a:ext cx="5094018" cy="3409384"/>
+            <a:off x="3204028" y="2846525"/>
+            <a:ext cx="5025571" cy="3330438"/>
           </a:xfrm>
           <a:prstGeom prst="rect">
             <a:avLst/>
           </a:prstGeom>
         </p:spPr>
       </p:pic>
+      <p:sp>
+        <p:nvSpPr>
+          <p:cNvPr id="5" name="CaixaDeTexto 4"/>
+          <p:cNvSpPr txBox="1"/>
+          <p:nvPr/>
+        </p:nvSpPr>
+        <p:spPr>
+          <a:xfrm>
+            <a:off x="8229599" y="5776853"/>
+            <a:ext cx="1785617" cy="400110"/>
+          </a:xfrm>
+          <a:prstGeom prst="rect">
+            <a:avLst/>
+          </a:prstGeom>
+          <a:noFill/>
+        </p:spPr>
+        <p:txBody>
+          <a:bodyPr wrap="none" rtlCol="0">
+            <a:spAutoFit/>
+          </a:bodyPr>
+          <a:lstStyle/>
+          <a:p>
+            <a:r>
+              <a:rPr lang="pt-BR" sz="2000" dirty="0" smtClean="0"/>
+              <a:t>Leitura do RPM</a:t>
+            </a:r>
+            <a:endParaRPr lang="pt-BR" sz="2000" dirty="0"/>
+          </a:p>
+        </p:txBody>
+      </p:sp>
+      <p:sp>
+        <p:nvSpPr>
+          <p:cNvPr id="6" name="Espaço Reservado para Número de Slide 5"/>
+          <p:cNvSpPr>
+            <a:spLocks noGrp="1"/>
+          </p:cNvSpPr>
+          <p:nvPr>
+            <p:ph type="sldNum" sz="quarter" idx="12"/>
+          </p:nvPr>
+        </p:nvSpPr>
+        <p:spPr/>
+        <p:txBody>
+          <a:bodyPr/>
+          <a:lstStyle/>
+          <a:p>
+            <a:fld id="{1993694D-D1F6-459B-8F96-561887F49A3A}" type="slidenum">
+              <a:rPr lang="pt-BR" sz="3200" smtClean="0"/>
+              <a:t>19</a:t>
+            </a:fld>
+            <a:endParaRPr lang="pt-BR" sz="3200"/>
+          </a:p>
+        </p:txBody>
+      </p:sp>
     </p:spTree>
     <p:extLst>
       <p:ext uri="{BB962C8B-B14F-4D97-AF65-F5344CB8AC3E}">
-        <p14:creationId xmlns:p14="http://schemas.microsoft.com/office/powerpoint/2010/main" val="2451110835"/>
+        <p14:creationId xmlns:p14="http://schemas.microsoft.com/office/powerpoint/2010/main" val="1599622759"/>
       </p:ext>
     </p:extLst>
   </p:cSld>
@@ -6174,7 +7287,7 @@
           <a:p>
             <a:r>
               <a:rPr lang="pt-BR" sz="5400" dirty="0" smtClean="0"/>
-              <a:t>Introdução</a:t>
+              <a:t>Agenda</a:t>
             </a:r>
             <a:endParaRPr lang="pt-BR" sz="5400" dirty="0"/>
           </a:p>
@@ -6193,7 +7306,7 @@
         <p:spPr>
           <a:xfrm>
             <a:off x="838200" y="1840139"/>
-            <a:ext cx="10515600" cy="3254375"/>
+            <a:ext cx="10515600" cy="4357461"/>
           </a:xfrm>
         </p:spPr>
         <p:txBody>
@@ -6204,15 +7317,45 @@
           <a:p>
             <a:r>
               <a:rPr lang="pt-BR" sz="3600" dirty="0" smtClean="0"/>
-              <a:t>Implementação e estudo de softwares embarcados em sistemas automotivos</a:t>
-            </a:r>
-          </a:p>
-          <a:p>
-            <a:pPr lvl="1"/>
+              <a:t>Introdução</a:t>
+            </a:r>
+          </a:p>
+          <a:p>
             <a:r>
               <a:rPr lang="pt-BR" sz="3600" dirty="0" smtClean="0"/>
-              <a:t>Exploração de um sistema de diagnóstico</a:t>
-            </a:r>
+              <a:t>Objetivos</a:t>
+            </a:r>
+          </a:p>
+          <a:p>
+            <a:r>
+              <a:rPr lang="pt-BR" sz="3600" dirty="0" smtClean="0"/>
+              <a:t>Justificativa</a:t>
+            </a:r>
+          </a:p>
+          <a:p>
+            <a:r>
+              <a:rPr lang="pt-BR" sz="3600" dirty="0" smtClean="0"/>
+              <a:t>Fundamentação teórica</a:t>
+            </a:r>
+          </a:p>
+          <a:p>
+            <a:r>
+              <a:rPr lang="pt-BR" sz="3600" dirty="0" smtClean="0"/>
+              <a:t>Metodologia</a:t>
+            </a:r>
+          </a:p>
+          <a:p>
+            <a:r>
+              <a:rPr lang="pt-BR" sz="3600" dirty="0" smtClean="0"/>
+              <a:t>Considerações</a:t>
+            </a:r>
+          </a:p>
+          <a:p>
+            <a:r>
+              <a:rPr lang="pt-BR" sz="3600" dirty="0" smtClean="0"/>
+              <a:t>Cronograma</a:t>
+            </a:r>
+            <a:endParaRPr lang="pt-BR" sz="3600" dirty="0" smtClean="0"/>
           </a:p>
         </p:txBody>
       </p:sp>
@@ -6297,13 +7440,8 @@
           <a:p>
             <a:r>
               <a:rPr lang="pt-BR" sz="3600" dirty="0" smtClean="0"/>
-              <a:t>Etapas realizadas</a:t>
-            </a:r>
-            <a:r>
-              <a:rPr lang="pt-BR" sz="3600" dirty="0" smtClean="0"/>
-              <a:t>:</a:t>
-            </a:r>
-            <a:endParaRPr lang="pt-BR" sz="3600" dirty="0" smtClean="0"/>
+              <a:t>Etapas realizadas:</a:t>
+            </a:r>
           </a:p>
         </p:txBody>
       </p:sp>
@@ -6316,7 +7454,7 @@
         <p:spPr>
           <a:xfrm>
             <a:off x="8229599" y="5776853"/>
-            <a:ext cx="3415294" cy="400110"/>
+            <a:ext cx="3137462" cy="400110"/>
           </a:xfrm>
           <a:prstGeom prst="rect">
             <a:avLst/>
@@ -6331,7 +7469,7 @@
           <a:p>
             <a:r>
               <a:rPr lang="pt-BR" sz="2000" dirty="0" smtClean="0"/>
-              <a:t>Leitura do Tipo de Combustível</a:t>
+              <a:t>Leitura da Pressão do Motor</a:t>
             </a:r>
             <a:endParaRPr lang="pt-BR" sz="2000" dirty="0"/>
           </a:p>
@@ -6346,30 +7484,53 @@
           <p:nvPr/>
         </p:nvPicPr>
         <p:blipFill rotWithShape="1">
-          <a:blip r:embed="rId3">
+          <a:blip r:embed="rId2">
             <a:extLst>
               <a:ext uri="{28A0092B-C50C-407E-A947-70E740481C1C}">
                 <a14:useLocalDpi xmlns:a14="http://schemas.microsoft.com/office/drawing/2010/main" val="0"/>
               </a:ext>
             </a:extLst>
           </a:blip>
-          <a:srcRect l="31890" t="16910" r="21934" b="40485"/>
+          <a:srcRect l="31890" t="16653" r="31746" b="39972"/>
           <a:stretch/>
         </p:blipFill>
         <p:spPr>
           <a:xfrm>
-            <a:off x="1596571" y="2736082"/>
-            <a:ext cx="6633028" cy="3440881"/>
+            <a:off x="3204028" y="2806640"/>
+            <a:ext cx="5025571" cy="3370323"/>
           </a:xfrm>
           <a:prstGeom prst="rect">
             <a:avLst/>
           </a:prstGeom>
         </p:spPr>
       </p:pic>
+      <p:sp>
+        <p:nvSpPr>
+          <p:cNvPr id="4" name="Espaço Reservado para Número de Slide 3"/>
+          <p:cNvSpPr>
+            <a:spLocks noGrp="1"/>
+          </p:cNvSpPr>
+          <p:nvPr>
+            <p:ph type="sldNum" sz="quarter" idx="12"/>
+          </p:nvPr>
+        </p:nvSpPr>
+        <p:spPr/>
+        <p:txBody>
+          <a:bodyPr/>
+          <a:lstStyle/>
+          <a:p>
+            <a:fld id="{1993694D-D1F6-459B-8F96-561887F49A3A}" type="slidenum">
+              <a:rPr lang="pt-BR" sz="3200" smtClean="0"/>
+              <a:t>20</a:t>
+            </a:fld>
+            <a:endParaRPr lang="pt-BR" sz="3200"/>
+          </a:p>
+        </p:txBody>
+      </p:sp>
     </p:spTree>
     <p:extLst>
       <p:ext uri="{BB962C8B-B14F-4D97-AF65-F5344CB8AC3E}">
-        <p14:creationId xmlns:p14="http://schemas.microsoft.com/office/powerpoint/2010/main" val="246079413"/>
+        <p14:creationId xmlns:p14="http://schemas.microsoft.com/office/powerpoint/2010/main" val="4139771861"/>
       </p:ext>
     </p:extLst>
   </p:cSld>
@@ -6447,29 +7608,97 @@
           <a:p>
             <a:r>
               <a:rPr lang="pt-BR" sz="3600" dirty="0" smtClean="0"/>
-              <a:t>Etapas em execução:</a:t>
-            </a:r>
-          </a:p>
-          <a:p>
-            <a:pPr lvl="1"/>
-            <a:r>
-              <a:rPr lang="pt-BR" sz="3200" dirty="0"/>
-              <a:t>Estudo da viabilidade de migração de linguagem</a:t>
-            </a:r>
-          </a:p>
-          <a:p>
-            <a:pPr lvl="2"/>
-            <a:r>
-              <a:rPr lang="pt-BR" sz="2800" dirty="0"/>
-              <a:t>JAVA &gt; Python</a:t>
-            </a:r>
+              <a:t>Etapas realizadas:</a:t>
+            </a:r>
+          </a:p>
+        </p:txBody>
+      </p:sp>
+      <p:sp>
+        <p:nvSpPr>
+          <p:cNvPr id="5" name="CaixaDeTexto 4"/>
+          <p:cNvSpPr txBox="1"/>
+          <p:nvPr/>
+        </p:nvSpPr>
+        <p:spPr>
+          <a:xfrm>
+            <a:off x="8229599" y="5776853"/>
+            <a:ext cx="2466573" cy="400110"/>
+          </a:xfrm>
+          <a:prstGeom prst="rect">
+            <a:avLst/>
+          </a:prstGeom>
+          <a:noFill/>
+        </p:spPr>
+        <p:txBody>
+          <a:bodyPr wrap="none" rtlCol="0">
+            <a:spAutoFit/>
+          </a:bodyPr>
+          <a:lstStyle/>
+          <a:p>
+            <a:r>
+              <a:rPr lang="pt-BR" sz="2000" dirty="0" smtClean="0"/>
+              <a:t>Leitura da Temp. Óleo</a:t>
+            </a:r>
+            <a:endParaRPr lang="pt-BR" sz="2000" dirty="0"/>
+          </a:p>
+        </p:txBody>
+      </p:sp>
+      <p:pic>
+        <p:nvPicPr>
+          <p:cNvPr id="4" name="Imagem 3"/>
+          <p:cNvPicPr>
+            <a:picLocks noChangeAspect="1"/>
+          </p:cNvPicPr>
+          <p:nvPr/>
+        </p:nvPicPr>
+        <p:blipFill rotWithShape="1">
+          <a:blip r:embed="rId2">
+            <a:extLst>
+              <a:ext uri="{28A0092B-C50C-407E-A947-70E740481C1C}">
+                <a14:useLocalDpi xmlns:a14="http://schemas.microsoft.com/office/drawing/2010/main" val="0"/>
+              </a:ext>
+            </a:extLst>
+          </a:blip>
+          <a:srcRect l="31746" t="16396" r="31602" b="39972"/>
+          <a:stretch/>
+        </p:blipFill>
+        <p:spPr>
+          <a:xfrm>
+            <a:off x="3135581" y="2767579"/>
+            <a:ext cx="5094018" cy="3409384"/>
+          </a:xfrm>
+          <a:prstGeom prst="rect">
+            <a:avLst/>
+          </a:prstGeom>
+        </p:spPr>
+      </p:pic>
+      <p:sp>
+        <p:nvSpPr>
+          <p:cNvPr id="6" name="Espaço Reservado para Número de Slide 5"/>
+          <p:cNvSpPr>
+            <a:spLocks noGrp="1"/>
+          </p:cNvSpPr>
+          <p:nvPr>
+            <p:ph type="sldNum" sz="quarter" idx="12"/>
+          </p:nvPr>
+        </p:nvSpPr>
+        <p:spPr/>
+        <p:txBody>
+          <a:bodyPr/>
+          <a:lstStyle/>
+          <a:p>
+            <a:fld id="{1993694D-D1F6-459B-8F96-561887F49A3A}" type="slidenum">
+              <a:rPr lang="pt-BR" sz="3200" smtClean="0"/>
+              <a:t>21</a:t>
+            </a:fld>
+            <a:endParaRPr lang="pt-BR" sz="3200" dirty="0"/>
           </a:p>
         </p:txBody>
       </p:sp>
     </p:spTree>
     <p:extLst>
       <p:ext uri="{BB962C8B-B14F-4D97-AF65-F5344CB8AC3E}">
-        <p14:creationId xmlns:p14="http://schemas.microsoft.com/office/powerpoint/2010/main" val="3396786357"/>
+        <p14:creationId xmlns:p14="http://schemas.microsoft.com/office/powerpoint/2010/main" val="2451110835"/>
       </p:ext>
     </p:extLst>
   </p:cSld>
@@ -6547,74 +7776,97 @@
           <a:p>
             <a:r>
               <a:rPr lang="pt-BR" sz="3600" dirty="0" smtClean="0"/>
-              <a:t>Problemas a serem solucionados</a:t>
-            </a:r>
-          </a:p>
-          <a:p>
-            <a:pPr lvl="1"/>
-            <a:r>
-              <a:rPr lang="pt-BR" sz="3200" dirty="0" smtClean="0"/>
-              <a:t>Preparação do ambiente de execução (</a:t>
-            </a:r>
-            <a:r>
-              <a:rPr lang="pt-BR" sz="3200" dirty="0" err="1" smtClean="0"/>
-              <a:t>Raspberry</a:t>
-            </a:r>
-            <a:r>
-              <a:rPr lang="pt-BR" sz="3200" dirty="0" smtClean="0"/>
-              <a:t> PI)</a:t>
-            </a:r>
-            <a:endParaRPr lang="pt-BR" dirty="0"/>
-          </a:p>
-          <a:p>
-            <a:pPr lvl="2"/>
-            <a:r>
-              <a:rPr lang="pt-BR" sz="2800" dirty="0" smtClean="0"/>
-              <a:t>Configuração do </a:t>
-            </a:r>
-            <a:r>
-              <a:rPr lang="pt-BR" sz="2800" dirty="0" err="1" smtClean="0"/>
-              <a:t>Raspbian</a:t>
-            </a:r>
-            <a:r>
-              <a:rPr lang="pt-BR" sz="2800" dirty="0" smtClean="0"/>
-              <a:t> para rodar a aplicação em JAVA ou Python</a:t>
-            </a:r>
-            <a:endParaRPr lang="pt-BR" sz="2600" dirty="0" smtClean="0"/>
-          </a:p>
-          <a:p>
-            <a:pPr lvl="1"/>
-            <a:r>
-              <a:rPr lang="pt-BR" sz="3200" dirty="0" smtClean="0"/>
-              <a:t>Instalação dos pacotes para comunicação </a:t>
-            </a:r>
-            <a:r>
-              <a:rPr lang="pt-BR" sz="3200" dirty="0" err="1" smtClean="0"/>
-              <a:t>bluetooth</a:t>
-            </a:r>
-            <a:r>
-              <a:rPr lang="pt-BR" sz="3200" dirty="0" smtClean="0"/>
-              <a:t> para desenvolvimento em Python</a:t>
-            </a:r>
-          </a:p>
-          <a:p>
-            <a:pPr lvl="2"/>
-            <a:r>
-              <a:rPr lang="pt-BR" sz="2800" dirty="0" smtClean="0"/>
-              <a:t>Pacote </a:t>
-            </a:r>
-            <a:r>
-              <a:rPr lang="pt-BR" sz="2800" dirty="0" err="1"/>
-              <a:t>bluez-utils</a:t>
-            </a:r>
-            <a:endParaRPr lang="pt-BR" sz="2800" dirty="0"/>
+              <a:t>Etapas realizadas:</a:t>
+            </a:r>
+          </a:p>
+        </p:txBody>
+      </p:sp>
+      <p:sp>
+        <p:nvSpPr>
+          <p:cNvPr id="5" name="CaixaDeTexto 4"/>
+          <p:cNvSpPr txBox="1"/>
+          <p:nvPr/>
+        </p:nvSpPr>
+        <p:spPr>
+          <a:xfrm>
+            <a:off x="8229599" y="5776853"/>
+            <a:ext cx="3415294" cy="400110"/>
+          </a:xfrm>
+          <a:prstGeom prst="rect">
+            <a:avLst/>
+          </a:prstGeom>
+          <a:noFill/>
+        </p:spPr>
+        <p:txBody>
+          <a:bodyPr wrap="none" rtlCol="0">
+            <a:spAutoFit/>
+          </a:bodyPr>
+          <a:lstStyle/>
+          <a:p>
+            <a:r>
+              <a:rPr lang="pt-BR" sz="2000" dirty="0" smtClean="0"/>
+              <a:t>Leitura do Tipo de Combustível</a:t>
+            </a:r>
+            <a:endParaRPr lang="pt-BR" sz="2000" dirty="0"/>
+          </a:p>
+        </p:txBody>
+      </p:sp>
+      <p:pic>
+        <p:nvPicPr>
+          <p:cNvPr id="6" name="Imagem 5"/>
+          <p:cNvPicPr>
+            <a:picLocks noChangeAspect="1"/>
+          </p:cNvPicPr>
+          <p:nvPr/>
+        </p:nvPicPr>
+        <p:blipFill rotWithShape="1">
+          <a:blip r:embed="rId3">
+            <a:extLst>
+              <a:ext uri="{28A0092B-C50C-407E-A947-70E740481C1C}">
+                <a14:useLocalDpi xmlns:a14="http://schemas.microsoft.com/office/drawing/2010/main" val="0"/>
+              </a:ext>
+            </a:extLst>
+          </a:blip>
+          <a:srcRect l="31890" t="16910" r="21934" b="40485"/>
+          <a:stretch/>
+        </p:blipFill>
+        <p:spPr>
+          <a:xfrm>
+            <a:off x="1596571" y="2736082"/>
+            <a:ext cx="6633028" cy="3440881"/>
+          </a:xfrm>
+          <a:prstGeom prst="rect">
+            <a:avLst/>
+          </a:prstGeom>
+        </p:spPr>
+      </p:pic>
+      <p:sp>
+        <p:nvSpPr>
+          <p:cNvPr id="4" name="Espaço Reservado para Número de Slide 3"/>
+          <p:cNvSpPr>
+            <a:spLocks noGrp="1"/>
+          </p:cNvSpPr>
+          <p:nvPr>
+            <p:ph type="sldNum" sz="quarter" idx="12"/>
+          </p:nvPr>
+        </p:nvSpPr>
+        <p:spPr/>
+        <p:txBody>
+          <a:bodyPr/>
+          <a:lstStyle/>
+          <a:p>
+            <a:fld id="{1993694D-D1F6-459B-8F96-561887F49A3A}" type="slidenum">
+              <a:rPr lang="pt-BR" sz="3200" smtClean="0"/>
+              <a:t>22</a:t>
+            </a:fld>
+            <a:endParaRPr lang="pt-BR" sz="3200"/>
           </a:p>
         </p:txBody>
       </p:sp>
     </p:spTree>
     <p:extLst>
       <p:ext uri="{BB962C8B-B14F-4D97-AF65-F5344CB8AC3E}">
-        <p14:creationId xmlns:p14="http://schemas.microsoft.com/office/powerpoint/2010/main" val="2510689883"/>
+        <p14:creationId xmlns:p14="http://schemas.microsoft.com/office/powerpoint/2010/main" val="246079413"/>
       </p:ext>
     </p:extLst>
   </p:cSld>
@@ -6692,53 +7944,52 @@
           <a:p>
             <a:r>
               <a:rPr lang="pt-BR" sz="3600" dirty="0" smtClean="0"/>
-              <a:t>Etapas a serem realizadas:</a:t>
+              <a:t>Etapas em execução:</a:t>
             </a:r>
           </a:p>
           <a:p>
             <a:pPr lvl="1"/>
             <a:r>
-              <a:rPr lang="pt-BR" sz="3200" dirty="0" smtClean="0"/>
-              <a:t>Migração do ambiente de execução</a:t>
+              <a:rPr lang="pt-BR" sz="3200" dirty="0"/>
+              <a:t>Estudo da viabilidade de migração de linguagem</a:t>
             </a:r>
           </a:p>
           <a:p>
             <a:pPr lvl="2"/>
             <a:r>
-              <a:rPr lang="pt-BR" sz="2800" dirty="0" smtClean="0"/>
-              <a:t>Notebook &gt; </a:t>
-            </a:r>
-            <a:r>
-              <a:rPr lang="pt-BR" sz="2800" dirty="0" err="1" smtClean="0"/>
-              <a:t>Raspberry</a:t>
-            </a:r>
-            <a:r>
-              <a:rPr lang="pt-BR" sz="2800" dirty="0" smtClean="0"/>
-              <a:t> PI3</a:t>
-            </a:r>
-            <a:endParaRPr lang="pt-BR" sz="2800" dirty="0"/>
-          </a:p>
-          <a:p>
-            <a:pPr lvl="1"/>
-            <a:r>
-              <a:rPr lang="pt-BR" sz="3200" dirty="0" smtClean="0"/>
-              <a:t>Integração com Web Service para armazenamento</a:t>
-            </a:r>
-            <a:endParaRPr lang="pt-BR" sz="3200" dirty="0"/>
-          </a:p>
-          <a:p>
-            <a:pPr lvl="1"/>
-            <a:r>
-              <a:rPr lang="pt-BR" sz="3200" dirty="0" smtClean="0"/>
-              <a:t>Criação de uma página web para ler os dados armazenados</a:t>
-            </a:r>
+              <a:rPr lang="pt-BR" sz="2800" dirty="0"/>
+              <a:t>JAVA &gt; Python</a:t>
+            </a:r>
+          </a:p>
+        </p:txBody>
+      </p:sp>
+      <p:sp>
+        <p:nvSpPr>
+          <p:cNvPr id="4" name="Espaço Reservado para Número de Slide 3"/>
+          <p:cNvSpPr>
+            <a:spLocks noGrp="1"/>
+          </p:cNvSpPr>
+          <p:nvPr>
+            <p:ph type="sldNum" sz="quarter" idx="12"/>
+          </p:nvPr>
+        </p:nvSpPr>
+        <p:spPr/>
+        <p:txBody>
+          <a:bodyPr/>
+          <a:lstStyle/>
+          <a:p>
+            <a:fld id="{1993694D-D1F6-459B-8F96-561887F49A3A}" type="slidenum">
+              <a:rPr lang="pt-BR" sz="3200" smtClean="0"/>
+              <a:t>23</a:t>
+            </a:fld>
+            <a:endParaRPr lang="pt-BR" sz="3200"/>
           </a:p>
         </p:txBody>
       </p:sp>
     </p:spTree>
     <p:extLst>
       <p:ext uri="{BB962C8B-B14F-4D97-AF65-F5344CB8AC3E}">
-        <p14:creationId xmlns:p14="http://schemas.microsoft.com/office/powerpoint/2010/main" val="963106965"/>
+        <p14:creationId xmlns:p14="http://schemas.microsoft.com/office/powerpoint/2010/main" val="3396786357"/>
       </p:ext>
     </p:extLst>
   </p:cSld>
@@ -6791,7 +8042,7 @@
           <a:p>
             <a:r>
               <a:rPr lang="pt-BR" sz="5400" dirty="0" smtClean="0"/>
-              <a:t>Cronograma</a:t>
+              <a:t>Metodologia</a:t>
             </a:r>
             <a:endParaRPr lang="pt-BR" sz="5400" dirty="0"/>
           </a:p>
@@ -6809,17 +8060,104 @@
         </p:nvSpPr>
         <p:spPr/>
         <p:txBody>
+          <a:bodyPr>
+            <a:normAutofit/>
+          </a:bodyPr>
+          <a:lstStyle/>
+          <a:p>
+            <a:r>
+              <a:rPr lang="pt-BR" sz="3600" dirty="0" smtClean="0"/>
+              <a:t>Problemas a serem solucionados</a:t>
+            </a:r>
+          </a:p>
+          <a:p>
+            <a:pPr lvl="1"/>
+            <a:r>
+              <a:rPr lang="pt-BR" sz="3200" dirty="0" smtClean="0"/>
+              <a:t>Preparação do ambiente de execução (</a:t>
+            </a:r>
+            <a:r>
+              <a:rPr lang="pt-BR" sz="3200" dirty="0" err="1" smtClean="0"/>
+              <a:t>Raspberry</a:t>
+            </a:r>
+            <a:r>
+              <a:rPr lang="pt-BR" sz="3200" dirty="0" smtClean="0"/>
+              <a:t> PI)</a:t>
+            </a:r>
+            <a:endParaRPr lang="pt-BR" dirty="0"/>
+          </a:p>
+          <a:p>
+            <a:pPr lvl="2"/>
+            <a:r>
+              <a:rPr lang="pt-BR" sz="2800" dirty="0" smtClean="0"/>
+              <a:t>Configuração do </a:t>
+            </a:r>
+            <a:r>
+              <a:rPr lang="pt-BR" sz="2800" dirty="0" err="1" smtClean="0"/>
+              <a:t>Raspbian</a:t>
+            </a:r>
+            <a:r>
+              <a:rPr lang="pt-BR" sz="2800" dirty="0" smtClean="0"/>
+              <a:t> para rodar a aplicação em JAVA ou Python</a:t>
+            </a:r>
+            <a:endParaRPr lang="pt-BR" sz="2600" dirty="0" smtClean="0"/>
+          </a:p>
+          <a:p>
+            <a:pPr lvl="1"/>
+            <a:r>
+              <a:rPr lang="pt-BR" sz="3200" dirty="0" smtClean="0"/>
+              <a:t>Instalação dos pacotes para comunicação </a:t>
+            </a:r>
+            <a:r>
+              <a:rPr lang="pt-BR" sz="3200" dirty="0" err="1" smtClean="0"/>
+              <a:t>bluetooth</a:t>
+            </a:r>
+            <a:r>
+              <a:rPr lang="pt-BR" sz="3200" dirty="0" smtClean="0"/>
+              <a:t> para desenvolvimento em Python</a:t>
+            </a:r>
+          </a:p>
+          <a:p>
+            <a:pPr lvl="2"/>
+            <a:r>
+              <a:rPr lang="pt-BR" sz="2800" dirty="0" smtClean="0"/>
+              <a:t>Pacote </a:t>
+            </a:r>
+            <a:r>
+              <a:rPr lang="pt-BR" sz="2800" dirty="0" err="1"/>
+              <a:t>bluez-utils</a:t>
+            </a:r>
+            <a:endParaRPr lang="pt-BR" sz="2800" dirty="0"/>
+          </a:p>
+        </p:txBody>
+      </p:sp>
+      <p:sp>
+        <p:nvSpPr>
+          <p:cNvPr id="4" name="Espaço Reservado para Número de Slide 3"/>
+          <p:cNvSpPr>
+            <a:spLocks noGrp="1"/>
+          </p:cNvSpPr>
+          <p:nvPr>
+            <p:ph type="sldNum" sz="quarter" idx="12"/>
+          </p:nvPr>
+        </p:nvSpPr>
+        <p:spPr/>
+        <p:txBody>
           <a:bodyPr/>
           <a:lstStyle/>
           <a:p>
-            <a:endParaRPr lang="pt-BR"/>
+            <a:fld id="{1993694D-D1F6-459B-8F96-561887F49A3A}" type="slidenum">
+              <a:rPr lang="pt-BR" sz="3200" smtClean="0"/>
+              <a:t>24</a:t>
+            </a:fld>
+            <a:endParaRPr lang="pt-BR" sz="3200"/>
           </a:p>
         </p:txBody>
       </p:sp>
     </p:spTree>
     <p:extLst>
       <p:ext uri="{BB962C8B-B14F-4D97-AF65-F5344CB8AC3E}">
-        <p14:creationId xmlns:p14="http://schemas.microsoft.com/office/powerpoint/2010/main" val="4240335335"/>
+        <p14:creationId xmlns:p14="http://schemas.microsoft.com/office/powerpoint/2010/main" val="2510689883"/>
       </p:ext>
     </p:extLst>
   </p:cSld>
@@ -6872,7 +8210,7 @@
           <a:p>
             <a:r>
               <a:rPr lang="pt-BR" sz="5400" dirty="0" smtClean="0"/>
-              <a:t>Considerações</a:t>
+              <a:t>Metodologia</a:t>
             </a:r>
             <a:endParaRPr lang="pt-BR" sz="5400" dirty="0"/>
           </a:p>
@@ -6888,50 +8226,85 @@
             <p:ph idx="1"/>
           </p:nvPr>
         </p:nvSpPr>
-        <p:spPr>
-          <a:xfrm>
-            <a:off x="838200" y="1825624"/>
-            <a:ext cx="10515600" cy="4589689"/>
-          </a:xfrm>
-        </p:spPr>
+        <p:spPr/>
         <p:txBody>
           <a:bodyPr>
             <a:normAutofit/>
           </a:bodyPr>
           <a:lstStyle/>
           <a:p>
-            <a:pPr marL="0" indent="0">
-              <a:buNone/>
-            </a:pPr>
             <a:r>
               <a:rPr lang="pt-BR" sz="3600" dirty="0" smtClean="0"/>
-              <a:t>Utilizando aplicação desktop:</a:t>
-            </a:r>
-          </a:p>
-          <a:p>
-            <a:r>
-              <a:rPr lang="pt-BR" sz="3600" dirty="0" smtClean="0"/>
-              <a:t>Foi possível obter dados em tempo real do automóvel testado</a:t>
-            </a:r>
-          </a:p>
-          <a:p>
-            <a:r>
-              <a:rPr lang="pt-BR" sz="3600" dirty="0" smtClean="0"/>
-              <a:t>Observou-se certa lentidão na localização, conexão e envio de dados ao ELM327 utilizando a linguagem JAVA</a:t>
-            </a:r>
-          </a:p>
-          <a:p>
-            <a:r>
-              <a:rPr lang="pt-BR" sz="3600" dirty="0" smtClean="0"/>
-              <a:t>Identificou-se a obtenção do valor “?” quando requisitado um sensor inexistente no veículo</a:t>
-            </a:r>
+              <a:t>Etapas a serem realizadas:</a:t>
+            </a:r>
+          </a:p>
+          <a:p>
+            <a:pPr lvl="1"/>
+            <a:r>
+              <a:rPr lang="pt-BR" sz="3200" dirty="0" smtClean="0"/>
+              <a:t>Migração do ambiente de execução</a:t>
+            </a:r>
+          </a:p>
+          <a:p>
+            <a:pPr lvl="2"/>
+            <a:r>
+              <a:rPr lang="pt-BR" sz="2800" dirty="0" smtClean="0"/>
+              <a:t>Notebook &gt; </a:t>
+            </a:r>
+            <a:r>
+              <a:rPr lang="pt-BR" sz="2800" dirty="0" err="1" smtClean="0"/>
+              <a:t>Raspberry</a:t>
+            </a:r>
+            <a:r>
+              <a:rPr lang="pt-BR" sz="2800" dirty="0" smtClean="0"/>
+              <a:t> PI3</a:t>
+            </a:r>
+            <a:endParaRPr lang="pt-BR" sz="2800" dirty="0"/>
+          </a:p>
+          <a:p>
+            <a:pPr lvl="1"/>
+            <a:r>
+              <a:rPr lang="pt-BR" sz="3200" dirty="0" smtClean="0"/>
+              <a:t>Integração com Web Service para armazenamento</a:t>
+            </a:r>
+            <a:endParaRPr lang="pt-BR" sz="3200" dirty="0"/>
+          </a:p>
+          <a:p>
+            <a:pPr lvl="1"/>
+            <a:r>
+              <a:rPr lang="pt-BR" sz="3200" dirty="0" smtClean="0"/>
+              <a:t>Criação de uma página web para ler os dados armazenados</a:t>
+            </a:r>
+          </a:p>
+        </p:txBody>
+      </p:sp>
+      <p:sp>
+        <p:nvSpPr>
+          <p:cNvPr id="4" name="Espaço Reservado para Número de Slide 3"/>
+          <p:cNvSpPr>
+            <a:spLocks noGrp="1"/>
+          </p:cNvSpPr>
+          <p:nvPr>
+            <p:ph type="sldNum" sz="quarter" idx="12"/>
+          </p:nvPr>
+        </p:nvSpPr>
+        <p:spPr/>
+        <p:txBody>
+          <a:bodyPr/>
+          <a:lstStyle/>
+          <a:p>
+            <a:fld id="{1993694D-D1F6-459B-8F96-561887F49A3A}" type="slidenum">
+              <a:rPr lang="pt-BR" sz="3200" smtClean="0"/>
+              <a:t>25</a:t>
+            </a:fld>
+            <a:endParaRPr lang="pt-BR" sz="3200"/>
           </a:p>
         </p:txBody>
       </p:sp>
     </p:spTree>
     <p:extLst>
       <p:ext uri="{BB962C8B-B14F-4D97-AF65-F5344CB8AC3E}">
-        <p14:creationId xmlns:p14="http://schemas.microsoft.com/office/powerpoint/2010/main" val="3371498468"/>
+        <p14:creationId xmlns:p14="http://schemas.microsoft.com/office/powerpoint/2010/main" val="963106965"/>
       </p:ext>
     </p:extLst>
   </p:cSld>
@@ -6975,37 +8348,111 @@
             <p:ph type="title"/>
           </p:nvPr>
         </p:nvSpPr>
-        <p:spPr>
-          <a:xfrm>
-            <a:off x="809172" y="2324553"/>
-            <a:ext cx="10515600" cy="1325563"/>
-          </a:xfrm>
-        </p:spPr>
+        <p:spPr/>
         <p:txBody>
           <a:bodyPr>
             <a:normAutofit/>
           </a:bodyPr>
           <a:lstStyle/>
           <a:p>
-            <a:pPr algn="ctr"/>
             <a:r>
               <a:rPr lang="pt-BR" sz="5400" dirty="0" smtClean="0"/>
-              <a:t>OBRIGADO!</a:t>
+              <a:t>Considerações</a:t>
             </a:r>
             <a:endParaRPr lang="pt-BR" sz="5400" dirty="0"/>
+          </a:p>
+        </p:txBody>
+      </p:sp>
+      <p:sp>
+        <p:nvSpPr>
+          <p:cNvPr id="3" name="Espaço Reservado para Conteúdo 2"/>
+          <p:cNvSpPr>
+            <a:spLocks noGrp="1"/>
+          </p:cNvSpPr>
+          <p:nvPr>
+            <p:ph idx="1"/>
+          </p:nvPr>
+        </p:nvSpPr>
+        <p:spPr>
+          <a:xfrm>
+            <a:off x="838200" y="1825624"/>
+            <a:ext cx="10515600" cy="4589689"/>
+          </a:xfrm>
+        </p:spPr>
+        <p:txBody>
+          <a:bodyPr>
+            <a:normAutofit/>
+          </a:bodyPr>
+          <a:lstStyle/>
+          <a:p>
+            <a:pPr marL="0" indent="0">
+              <a:buNone/>
+            </a:pPr>
+            <a:r>
+              <a:rPr lang="pt-BR" sz="3600" dirty="0" smtClean="0"/>
+              <a:t>Utilizando aplicação desktop:</a:t>
+            </a:r>
+          </a:p>
+          <a:p>
+            <a:r>
+              <a:rPr lang="pt-BR" sz="3600" dirty="0" smtClean="0"/>
+              <a:t>Foi possível obter dados em tempo real do automóvel testado</a:t>
+            </a:r>
+          </a:p>
+          <a:p>
+            <a:r>
+              <a:rPr lang="pt-BR" sz="3600" dirty="0" smtClean="0"/>
+              <a:t>Observou-se certa lentidão na localização, conexão e envio de dados ao ELM327 utilizando a linguagem JAVA</a:t>
+            </a:r>
+          </a:p>
+          <a:p>
+            <a:r>
+              <a:rPr lang="pt-BR" sz="3600" dirty="0" smtClean="0"/>
+              <a:t>Identificou-se a obtenção do valor “?” quando requisitado um sensor inexistente no veículo</a:t>
+            </a:r>
+          </a:p>
+        </p:txBody>
+      </p:sp>
+      <p:sp>
+        <p:nvSpPr>
+          <p:cNvPr id="4" name="Espaço Reservado para Número de Slide 3"/>
+          <p:cNvSpPr>
+            <a:spLocks noGrp="1"/>
+          </p:cNvSpPr>
+          <p:nvPr>
+            <p:ph type="sldNum" sz="quarter" idx="12"/>
+          </p:nvPr>
+        </p:nvSpPr>
+        <p:spPr/>
+        <p:txBody>
+          <a:bodyPr/>
+          <a:lstStyle/>
+          <a:p>
+            <a:fld id="{1993694D-D1F6-459B-8F96-561887F49A3A}" type="slidenum">
+              <a:rPr lang="pt-BR" sz="3200" smtClean="0"/>
+              <a:t>26</a:t>
+            </a:fld>
+            <a:endParaRPr lang="pt-BR" sz="3200"/>
           </a:p>
         </p:txBody>
       </p:sp>
     </p:spTree>
     <p:extLst>
       <p:ext uri="{BB962C8B-B14F-4D97-AF65-F5344CB8AC3E}">
-        <p14:creationId xmlns:p14="http://schemas.microsoft.com/office/powerpoint/2010/main" val="2891224893"/>
+        <p14:creationId xmlns:p14="http://schemas.microsoft.com/office/powerpoint/2010/main" val="3371498468"/>
       </p:ext>
     </p:extLst>
   </p:cSld>
   <p:clrMapOvr>
     <a:masterClrMapping/>
   </p:clrMapOvr>
+  <p:timing>
+    <p:tnLst>
+      <p:par>
+        <p:cTn id="1" dur="indefinite" restart="never" nodeType="tmRoot"/>
+      </p:par>
+    </p:tnLst>
+  </p:timing>
 </p:sld>
 </file>
 
@@ -7045,7 +8492,7 @@
           <a:p>
             <a:r>
               <a:rPr lang="pt-BR" sz="5400" dirty="0" smtClean="0"/>
-              <a:t>Bibliografia</a:t>
+              <a:t>Cronograma</a:t>
             </a:r>
             <a:endParaRPr lang="pt-BR" sz="5400" dirty="0"/>
           </a:p>
@@ -7063,197 +8510,64 @@
         </p:nvSpPr>
         <p:spPr/>
         <p:txBody>
-          <a:bodyPr>
-            <a:normAutofit fontScale="92500"/>
-          </a:bodyPr>
-          <a:lstStyle/>
-          <a:p>
-            <a:pPr marL="0" indent="0">
-              <a:buNone/>
-            </a:pPr>
-            <a:r>
-              <a:rPr lang="pt-BR" dirty="0"/>
-              <a:t>ASIS, Marco Aurélio </a:t>
-            </a:r>
-            <a:r>
-              <a:rPr lang="pt-BR" dirty="0" err="1"/>
-              <a:t>Scomparim</a:t>
-            </a:r>
-            <a:r>
-              <a:rPr lang="pt-BR" dirty="0"/>
-              <a:t>; FAGUNDES, Felipe Augusto Vieira; SILVA, Gustavo Luiz. Sistema de monitoramento automotivo remoto. 2015. 86 p. Dissertação (Graduação em Eletrônica Automotiva) – FATEC Santo André, Santo André. 2015.</a:t>
-            </a:r>
-          </a:p>
-          <a:p>
-            <a:pPr marL="0" indent="0">
-              <a:buNone/>
-            </a:pPr>
-            <a:endParaRPr lang="pt-BR" dirty="0"/>
-          </a:p>
-          <a:p>
-            <a:pPr marL="0" indent="0">
-              <a:buNone/>
-            </a:pPr>
-            <a:r>
-              <a:rPr lang="pt-BR" dirty="0"/>
-              <a:t>RICHARDSON, Matt; &amp; WALLACE, </a:t>
-            </a:r>
-            <a:r>
-              <a:rPr lang="pt-BR" dirty="0" err="1"/>
-              <a:t>Shawn</a:t>
-            </a:r>
-            <a:r>
-              <a:rPr lang="pt-BR" dirty="0"/>
-              <a:t> (2013). </a:t>
-            </a:r>
-            <a:r>
-              <a:rPr lang="pt-BR" dirty="0" err="1"/>
-              <a:t>Getting</a:t>
-            </a:r>
-            <a:r>
-              <a:rPr lang="pt-BR" dirty="0"/>
-              <a:t> </a:t>
-            </a:r>
-            <a:r>
-              <a:rPr lang="pt-BR" dirty="0" err="1"/>
-              <a:t>Started</a:t>
-            </a:r>
-            <a:r>
-              <a:rPr lang="pt-BR" dirty="0"/>
-              <a:t> </a:t>
-            </a:r>
-            <a:r>
-              <a:rPr lang="pt-BR" dirty="0" err="1"/>
-              <a:t>with</a:t>
-            </a:r>
-            <a:r>
-              <a:rPr lang="pt-BR" dirty="0"/>
-              <a:t> </a:t>
-            </a:r>
-            <a:r>
-              <a:rPr lang="pt-BR" dirty="0" err="1"/>
-              <a:t>Raspberry</a:t>
-            </a:r>
-            <a:r>
-              <a:rPr lang="pt-BR" dirty="0"/>
-              <a:t> </a:t>
-            </a:r>
-            <a:r>
-              <a:rPr lang="pt-BR" dirty="0" err="1"/>
-              <a:t>Pi</a:t>
-            </a:r>
-            <a:r>
-              <a:rPr lang="pt-BR" dirty="0"/>
-              <a:t> (1ª Edição, 180 p.). </a:t>
-            </a:r>
-            <a:r>
-              <a:rPr lang="pt-BR" dirty="0" err="1"/>
-              <a:t>Sebastopol</a:t>
-            </a:r>
-            <a:r>
-              <a:rPr lang="pt-BR" dirty="0"/>
-              <a:t>, Califórnia, EUA: </a:t>
-            </a:r>
-            <a:r>
-              <a:rPr lang="pt-BR" dirty="0" err="1"/>
-              <a:t>O’Reilly</a:t>
-            </a:r>
-            <a:r>
-              <a:rPr lang="pt-BR" dirty="0"/>
-              <a:t> Media.</a:t>
-            </a:r>
-          </a:p>
-          <a:p>
-            <a:pPr marL="0" indent="0">
-              <a:buNone/>
-            </a:pPr>
-            <a:endParaRPr lang="pt-BR" dirty="0"/>
-          </a:p>
-          <a:p>
-            <a:pPr marL="0" indent="0">
-              <a:buNone/>
-            </a:pPr>
-            <a:r>
-              <a:rPr lang="pt-BR" dirty="0"/>
-              <a:t>SMITH, Craig (2016). The </a:t>
-            </a:r>
-            <a:r>
-              <a:rPr lang="pt-BR" dirty="0" err="1"/>
-              <a:t>car</a:t>
-            </a:r>
-            <a:r>
-              <a:rPr lang="pt-BR" dirty="0"/>
-              <a:t> </a:t>
-            </a:r>
-            <a:r>
-              <a:rPr lang="pt-BR" dirty="0" err="1"/>
-              <a:t>hacker's</a:t>
-            </a:r>
-            <a:r>
-              <a:rPr lang="pt-BR" dirty="0"/>
-              <a:t> </a:t>
-            </a:r>
-            <a:r>
-              <a:rPr lang="pt-BR" dirty="0" err="1"/>
-              <a:t>handbook</a:t>
-            </a:r>
-            <a:r>
-              <a:rPr lang="pt-BR" dirty="0"/>
-              <a:t>: A </a:t>
-            </a:r>
-            <a:r>
-              <a:rPr lang="pt-BR" dirty="0" err="1"/>
-              <a:t>guide</a:t>
-            </a:r>
-            <a:r>
-              <a:rPr lang="pt-BR" dirty="0"/>
-              <a:t> for </a:t>
-            </a:r>
-            <a:r>
-              <a:rPr lang="pt-BR" dirty="0" err="1"/>
-              <a:t>the</a:t>
-            </a:r>
-            <a:r>
-              <a:rPr lang="pt-BR" dirty="0"/>
-              <a:t> </a:t>
-            </a:r>
-            <a:r>
-              <a:rPr lang="pt-BR" dirty="0" err="1"/>
-              <a:t>penetration</a:t>
-            </a:r>
-            <a:r>
-              <a:rPr lang="pt-BR" dirty="0"/>
-              <a:t> </a:t>
-            </a:r>
-            <a:r>
-              <a:rPr lang="pt-BR" dirty="0" err="1"/>
-              <a:t>tester</a:t>
-            </a:r>
-            <a:r>
-              <a:rPr lang="pt-BR" dirty="0"/>
-              <a:t> (1ª Edição, 304 p.). San Francisco, Califórnia, EUA: No </a:t>
-            </a:r>
-            <a:r>
-              <a:rPr lang="pt-BR" dirty="0" err="1"/>
-              <a:t>Starch</a:t>
-            </a:r>
-            <a:r>
-              <a:rPr lang="pt-BR" dirty="0"/>
-              <a:t> Press.</a:t>
-            </a:r>
-          </a:p>
-          <a:p>
-            <a:pPr marL="0" indent="0">
-              <a:buNone/>
-            </a:pPr>
-            <a:endParaRPr lang="pt-BR" dirty="0"/>
+          <a:bodyPr/>
+          <a:lstStyle/>
+          <a:p>
+            <a:endParaRPr lang="pt-BR"/>
+          </a:p>
+        </p:txBody>
+      </p:sp>
+      <p:pic>
+        <p:nvPicPr>
+          <p:cNvPr id="4" name="Imagem 3"/>
+          <p:cNvPicPr>
+            <a:picLocks noChangeAspect="1"/>
+          </p:cNvPicPr>
+          <p:nvPr/>
+        </p:nvPicPr>
+        <p:blipFill>
+          <a:blip r:embed="rId2"/>
+          <a:stretch>
+            <a:fillRect/>
+          </a:stretch>
+        </p:blipFill>
+        <p:spPr>
+          <a:xfrm>
+            <a:off x="258993" y="1912709"/>
+            <a:ext cx="11744325" cy="3676650"/>
+          </a:xfrm>
+          <a:prstGeom prst="rect">
+            <a:avLst/>
+          </a:prstGeom>
+        </p:spPr>
+      </p:pic>
+      <p:sp>
+        <p:nvSpPr>
+          <p:cNvPr id="5" name="Espaço Reservado para Número de Slide 4"/>
+          <p:cNvSpPr>
+            <a:spLocks noGrp="1"/>
+          </p:cNvSpPr>
+          <p:nvPr>
+            <p:ph type="sldNum" sz="quarter" idx="12"/>
+          </p:nvPr>
+        </p:nvSpPr>
+        <p:spPr/>
+        <p:txBody>
+          <a:bodyPr/>
+          <a:lstStyle/>
+          <a:p>
+            <a:fld id="{1993694D-D1F6-459B-8F96-561887F49A3A}" type="slidenum">
+              <a:rPr lang="pt-BR" sz="3200" smtClean="0"/>
+              <a:t>27</a:t>
+            </a:fld>
+            <a:endParaRPr lang="pt-BR" sz="3200"/>
           </a:p>
         </p:txBody>
       </p:sp>
     </p:spTree>
     <p:extLst>
       <p:ext uri="{BB962C8B-B14F-4D97-AF65-F5344CB8AC3E}">
-        <p14:creationId xmlns:p14="http://schemas.microsoft.com/office/powerpoint/2010/main" val="2889505652"/>
+        <p14:creationId xmlns:p14="http://schemas.microsoft.com/office/powerpoint/2010/main" val="4240335335"/>
       </p:ext>
     </p:extLst>
   </p:cSld>
@@ -7297,16 +8611,22 @@
             <p:ph type="title"/>
           </p:nvPr>
         </p:nvSpPr>
-        <p:spPr/>
+        <p:spPr>
+          <a:xfrm>
+            <a:off x="809172" y="2324553"/>
+            <a:ext cx="10515600" cy="1325563"/>
+          </a:xfrm>
+        </p:spPr>
         <p:txBody>
           <a:bodyPr>
             <a:normAutofit/>
           </a:bodyPr>
           <a:lstStyle/>
           <a:p>
-            <a:r>
-              <a:rPr lang="pt-BR" sz="5400" dirty="0" err="1" smtClean="0"/>
-              <a:t>Apendice</a:t>
+            <a:pPr algn="ctr"/>
+            <a:r>
+              <a:rPr lang="pt-BR" sz="5400" dirty="0" smtClean="0"/>
+              <a:t>OBRIGADO!</a:t>
             </a:r>
             <a:endParaRPr lang="pt-BR" sz="5400" dirty="0"/>
           </a:p>
@@ -7314,12 +8634,12 @@
       </p:sp>
       <p:sp>
         <p:nvSpPr>
-          <p:cNvPr id="3" name="Espaço Reservado para Conteúdo 2"/>
-          <p:cNvSpPr>
-            <a:spLocks noGrp="1"/>
-          </p:cNvSpPr>
-          <p:nvPr>
-            <p:ph idx="1"/>
+          <p:cNvPr id="3" name="Espaço Reservado para Número de Slide 2"/>
+          <p:cNvSpPr>
+            <a:spLocks noGrp="1"/>
+          </p:cNvSpPr>
+          <p:nvPr>
+            <p:ph type="sldNum" sz="quarter" idx="12"/>
           </p:nvPr>
         </p:nvSpPr>
         <p:spPr/>
@@ -7327,21 +8647,18 @@
           <a:bodyPr/>
           <a:lstStyle/>
           <a:p>
-            <a:r>
-              <a:rPr lang="pt-BR" dirty="0" smtClean="0"/>
-              <a:t>(Aplicação rodando em Java)</a:t>
-            </a:r>
-            <a:endParaRPr lang="pt-BR" dirty="0"/>
-          </a:p>
-          <a:p>
-            <a:endParaRPr lang="pt-BR" dirty="0"/>
+            <a:fld id="{1993694D-D1F6-459B-8F96-561887F49A3A}" type="slidenum">
+              <a:rPr lang="pt-BR" sz="3200" smtClean="0"/>
+              <a:t>28</a:t>
+            </a:fld>
+            <a:endParaRPr lang="pt-BR" sz="3200" dirty="0"/>
           </a:p>
         </p:txBody>
       </p:sp>
     </p:spTree>
     <p:extLst>
       <p:ext uri="{BB962C8B-B14F-4D97-AF65-F5344CB8AC3E}">
-        <p14:creationId xmlns:p14="http://schemas.microsoft.com/office/powerpoint/2010/main" val="526779900"/>
+        <p14:creationId xmlns:p14="http://schemas.microsoft.com/office/powerpoint/2010/main" val="2891224893"/>
       </p:ext>
     </p:extLst>
   </p:cSld>
@@ -7386,8 +8703,8 @@
           <a:lstStyle/>
           <a:p>
             <a:r>
-              <a:rPr lang="pt-BR" sz="5400" dirty="0" err="1" smtClean="0"/>
-              <a:t>Apendice</a:t>
+              <a:rPr lang="pt-BR" sz="5400" dirty="0" smtClean="0"/>
+              <a:t>Bibliografia</a:t>
             </a:r>
             <a:endParaRPr lang="pt-BR" sz="5400" dirty="0"/>
           </a:p>
@@ -7405,27 +8722,279 @@
         </p:nvSpPr>
         <p:spPr/>
         <p:txBody>
+          <a:bodyPr>
+            <a:normAutofit fontScale="85000" lnSpcReduction="10000"/>
+          </a:bodyPr>
+          <a:lstStyle/>
+          <a:p>
+            <a:pPr marL="0" indent="0">
+              <a:buNone/>
+            </a:pPr>
+            <a:r>
+              <a:rPr lang="pt-BR" dirty="0"/>
+              <a:t>ASIS, Marco Aurélio </a:t>
+            </a:r>
+            <a:r>
+              <a:rPr lang="pt-BR" dirty="0" err="1"/>
+              <a:t>Scomparim</a:t>
+            </a:r>
+            <a:r>
+              <a:rPr lang="pt-BR" dirty="0"/>
+              <a:t>; FAGUNDES, Felipe Augusto Vieira; SILVA, Gustavo Luiz. Sistema de monitoramento automotivo remoto. 2015. 86 p. Dissertação (Graduação em Eletrônica Automotiva) – FATEC Santo André, Santo André. 2015.</a:t>
+            </a:r>
+          </a:p>
+          <a:p>
+            <a:pPr marL="0" indent="0">
+              <a:buNone/>
+            </a:pPr>
+            <a:endParaRPr lang="pt-BR" dirty="0"/>
+          </a:p>
+          <a:p>
+            <a:pPr marL="0" indent="0">
+              <a:buNone/>
+            </a:pPr>
+            <a:r>
+              <a:rPr lang="pt-BR" dirty="0"/>
+              <a:t>RICHARDSON, Matt; &amp; WALLACE, </a:t>
+            </a:r>
+            <a:r>
+              <a:rPr lang="pt-BR" dirty="0" err="1"/>
+              <a:t>Shawn</a:t>
+            </a:r>
+            <a:r>
+              <a:rPr lang="pt-BR" dirty="0"/>
+              <a:t> (2013). </a:t>
+            </a:r>
+            <a:r>
+              <a:rPr lang="pt-BR" dirty="0" err="1"/>
+              <a:t>Getting</a:t>
+            </a:r>
+            <a:r>
+              <a:rPr lang="pt-BR" dirty="0"/>
+              <a:t> </a:t>
+            </a:r>
+            <a:r>
+              <a:rPr lang="pt-BR" dirty="0" err="1"/>
+              <a:t>Started</a:t>
+            </a:r>
+            <a:r>
+              <a:rPr lang="pt-BR" dirty="0"/>
+              <a:t> </a:t>
+            </a:r>
+            <a:r>
+              <a:rPr lang="pt-BR" dirty="0" err="1"/>
+              <a:t>with</a:t>
+            </a:r>
+            <a:r>
+              <a:rPr lang="pt-BR" dirty="0"/>
+              <a:t> </a:t>
+            </a:r>
+            <a:r>
+              <a:rPr lang="pt-BR" dirty="0" err="1"/>
+              <a:t>Raspberry</a:t>
+            </a:r>
+            <a:r>
+              <a:rPr lang="pt-BR" dirty="0"/>
+              <a:t> </a:t>
+            </a:r>
+            <a:r>
+              <a:rPr lang="pt-BR" dirty="0" err="1"/>
+              <a:t>Pi</a:t>
+            </a:r>
+            <a:r>
+              <a:rPr lang="pt-BR" dirty="0"/>
+              <a:t> (1ª Edição, 180 p.). </a:t>
+            </a:r>
+            <a:r>
+              <a:rPr lang="pt-BR" dirty="0" err="1"/>
+              <a:t>Sebastopol</a:t>
+            </a:r>
+            <a:r>
+              <a:rPr lang="pt-BR" dirty="0"/>
+              <a:t>, Califórnia, EUA: </a:t>
+            </a:r>
+            <a:r>
+              <a:rPr lang="pt-BR" dirty="0" err="1"/>
+              <a:t>O’Reilly</a:t>
+            </a:r>
+            <a:r>
+              <a:rPr lang="pt-BR" dirty="0"/>
+              <a:t> Media.</a:t>
+            </a:r>
+          </a:p>
+          <a:p>
+            <a:pPr marL="0" indent="0">
+              <a:buNone/>
+            </a:pPr>
+            <a:endParaRPr lang="pt-BR" dirty="0"/>
+          </a:p>
+          <a:p>
+            <a:pPr marL="0" indent="0">
+              <a:buNone/>
+            </a:pPr>
+            <a:r>
+              <a:rPr lang="pt-BR" dirty="0"/>
+              <a:t>SMITH, Craig (2016). The </a:t>
+            </a:r>
+            <a:r>
+              <a:rPr lang="pt-BR" dirty="0" err="1"/>
+              <a:t>car</a:t>
+            </a:r>
+            <a:r>
+              <a:rPr lang="pt-BR" dirty="0"/>
+              <a:t> </a:t>
+            </a:r>
+            <a:r>
+              <a:rPr lang="pt-BR" dirty="0" err="1"/>
+              <a:t>hacker's</a:t>
+            </a:r>
+            <a:r>
+              <a:rPr lang="pt-BR" dirty="0"/>
+              <a:t> </a:t>
+            </a:r>
+            <a:r>
+              <a:rPr lang="pt-BR" dirty="0" err="1"/>
+              <a:t>handbook</a:t>
+            </a:r>
+            <a:r>
+              <a:rPr lang="pt-BR" dirty="0"/>
+              <a:t>: A </a:t>
+            </a:r>
+            <a:r>
+              <a:rPr lang="pt-BR" dirty="0" err="1"/>
+              <a:t>guide</a:t>
+            </a:r>
+            <a:r>
+              <a:rPr lang="pt-BR" dirty="0"/>
+              <a:t> for </a:t>
+            </a:r>
+            <a:r>
+              <a:rPr lang="pt-BR" dirty="0" err="1"/>
+              <a:t>the</a:t>
+            </a:r>
+            <a:r>
+              <a:rPr lang="pt-BR" dirty="0"/>
+              <a:t> </a:t>
+            </a:r>
+            <a:r>
+              <a:rPr lang="pt-BR" dirty="0" err="1"/>
+              <a:t>penetration</a:t>
+            </a:r>
+            <a:r>
+              <a:rPr lang="pt-BR" dirty="0"/>
+              <a:t> </a:t>
+            </a:r>
+            <a:r>
+              <a:rPr lang="pt-BR" dirty="0" err="1"/>
+              <a:t>tester</a:t>
+            </a:r>
+            <a:r>
+              <a:rPr lang="pt-BR" dirty="0"/>
+              <a:t> (1ª Edição, 304 p.). San Francisco, Califórnia, EUA: No </a:t>
+            </a:r>
+            <a:r>
+              <a:rPr lang="pt-BR" dirty="0" err="1"/>
+              <a:t>Starch</a:t>
+            </a:r>
+            <a:r>
+              <a:rPr lang="pt-BR" dirty="0"/>
+              <a:t> Press</a:t>
+            </a:r>
+            <a:r>
+              <a:rPr lang="pt-BR" dirty="0" smtClean="0"/>
+              <a:t>.</a:t>
+            </a:r>
+          </a:p>
+          <a:p>
+            <a:pPr marL="0" indent="0">
+              <a:buNone/>
+            </a:pPr>
+            <a:endParaRPr lang="pt-BR" dirty="0"/>
+          </a:p>
+          <a:p>
+            <a:pPr marL="0" indent="0">
+              <a:buNone/>
+            </a:pPr>
+            <a:r>
+              <a:rPr lang="pt-BR" dirty="0" smtClean="0"/>
+              <a:t>ELM </a:t>
+            </a:r>
+            <a:r>
+              <a:rPr lang="pt-BR" dirty="0" err="1" smtClean="0"/>
+              <a:t>Eletronics</a:t>
+            </a:r>
+            <a:r>
+              <a:rPr lang="pt-BR" dirty="0" smtClean="0"/>
+              <a:t>(2012). The ELM327 data </a:t>
+            </a:r>
+            <a:r>
+              <a:rPr lang="pt-BR" dirty="0" err="1" smtClean="0"/>
+              <a:t>sheet</a:t>
+            </a:r>
+            <a:r>
+              <a:rPr lang="pt-BR" dirty="0" smtClean="0"/>
+              <a:t> (1ª Edição, 76 p.). </a:t>
+            </a:r>
+            <a:r>
+              <a:rPr lang="pt-BR" dirty="0" err="1" smtClean="0"/>
+              <a:t>Elm</a:t>
+            </a:r>
+            <a:r>
+              <a:rPr lang="pt-BR" dirty="0" smtClean="0"/>
+              <a:t> </a:t>
+            </a:r>
+            <a:r>
+              <a:rPr lang="pt-BR" dirty="0" err="1" smtClean="0"/>
+              <a:t>Eletronics</a:t>
+            </a:r>
+            <a:r>
+              <a:rPr lang="pt-BR" dirty="0" smtClean="0"/>
+              <a:t> Inc.</a:t>
+            </a:r>
+            <a:endParaRPr lang="pt-BR" dirty="0"/>
+          </a:p>
+        </p:txBody>
+      </p:sp>
+      <p:sp>
+        <p:nvSpPr>
+          <p:cNvPr id="4" name="Espaço Reservado para Número de Slide 3"/>
+          <p:cNvSpPr>
+            <a:spLocks noGrp="1"/>
+          </p:cNvSpPr>
+          <p:nvPr>
+            <p:ph type="sldNum" sz="quarter" idx="12"/>
+          </p:nvPr>
+        </p:nvSpPr>
+        <p:spPr/>
+        <p:txBody>
           <a:bodyPr/>
           <a:lstStyle/>
           <a:p>
-            <a:r>
-              <a:rPr lang="pt-BR" dirty="0" smtClean="0"/>
-              <a:t>(Comparação Java/Python)</a:t>
-            </a:r>
-            <a:endParaRPr lang="pt-BR" dirty="0"/>
+            <a:fld id="{1993694D-D1F6-459B-8F96-561887F49A3A}" type="slidenum">
+              <a:rPr lang="pt-BR" sz="3200" smtClean="0"/>
+              <a:t>29</a:t>
+            </a:fld>
+            <a:endParaRPr lang="pt-BR" sz="3200"/>
           </a:p>
         </p:txBody>
       </p:sp>
     </p:spTree>
     <p:extLst>
       <p:ext uri="{BB962C8B-B14F-4D97-AF65-F5344CB8AC3E}">
-        <p14:creationId xmlns:p14="http://schemas.microsoft.com/office/powerpoint/2010/main" val="2804177191"/>
+        <p14:creationId xmlns:p14="http://schemas.microsoft.com/office/powerpoint/2010/main" val="2889505652"/>
       </p:ext>
     </p:extLst>
   </p:cSld>
   <p:clrMapOvr>
     <a:masterClrMapping/>
   </p:clrMapOvr>
+  <p:timing>
+    <p:tnLst>
+      <p:par>
+        <p:cTn id="1" dur="indefinite" restart="never" nodeType="tmRoot"/>
+      </p:par>
+    </p:tnLst>
+  </p:timing>
 </p:sld>
 </file>
 
@@ -7484,7 +9053,7 @@
         <p:spPr>
           <a:xfrm>
             <a:off x="838200" y="1840139"/>
-            <a:ext cx="10515600" cy="4270375"/>
+            <a:ext cx="10515600" cy="3254375"/>
           </a:xfrm>
         </p:spPr>
         <p:txBody>
@@ -7493,47 +9062,47 @@
           </a:bodyPr>
           <a:lstStyle/>
           <a:p>
-            <a:pPr marL="0" indent="0" algn="ctr">
-              <a:buNone/>
-            </a:pPr>
-            <a:r>
-              <a:rPr lang="pt-BR" sz="3600" u="sng" dirty="0" smtClean="0"/>
-              <a:t>Breve histórico</a:t>
-            </a:r>
-            <a:endParaRPr lang="pt-BR" sz="3600" u="sng" dirty="0"/>
-          </a:p>
-          <a:p>
-            <a:r>
-              <a:rPr lang="pt-BR" sz="3200" dirty="0" smtClean="0"/>
-              <a:t>Carros à manivela</a:t>
-            </a:r>
-          </a:p>
-          <a:p>
-            <a:endParaRPr lang="pt-BR" sz="3200" dirty="0"/>
-          </a:p>
-          <a:p>
-            <a:pPr algn="ctr"/>
-            <a:r>
-              <a:rPr lang="pt-BR" sz="3200" dirty="0" smtClean="0"/>
-              <a:t>Carros carburados</a:t>
-            </a:r>
-          </a:p>
-          <a:p>
-            <a:endParaRPr lang="pt-BR" sz="3200" dirty="0"/>
-          </a:p>
-          <a:p>
-            <a:pPr algn="r"/>
-            <a:r>
-              <a:rPr lang="pt-BR" sz="3200" dirty="0" smtClean="0"/>
-              <a:t>Carros com injeção eletrônica</a:t>
-            </a:r>
+            <a:r>
+              <a:rPr lang="pt-BR" sz="3600" dirty="0" smtClean="0"/>
+              <a:t>Implementação e estudo de softwares embarcados em sistemas automotivos</a:t>
+            </a:r>
+          </a:p>
+          <a:p>
+            <a:pPr lvl="1"/>
+            <a:r>
+              <a:rPr lang="pt-BR" sz="3600" dirty="0" smtClean="0"/>
+              <a:t>Exploração de um sistema de diagnóstico</a:t>
+            </a:r>
+          </a:p>
+        </p:txBody>
+      </p:sp>
+      <p:sp>
+        <p:nvSpPr>
+          <p:cNvPr id="4" name="Espaço Reservado para Número de Slide 3"/>
+          <p:cNvSpPr>
+            <a:spLocks noGrp="1"/>
+          </p:cNvSpPr>
+          <p:nvPr>
+            <p:ph type="sldNum" sz="quarter" idx="12"/>
+          </p:nvPr>
+        </p:nvSpPr>
+        <p:spPr/>
+        <p:txBody>
+          <a:bodyPr/>
+          <a:lstStyle/>
+          <a:p>
+            <a:fld id="{1993694D-D1F6-459B-8F96-561887F49A3A}" type="slidenum">
+              <a:rPr lang="pt-BR" sz="3200" smtClean="0"/>
+              <a:t>3</a:t>
+            </a:fld>
+            <a:endParaRPr lang="pt-BR" sz="3200"/>
           </a:p>
         </p:txBody>
       </p:sp>
     </p:spTree>
     <p:extLst>
       <p:ext uri="{BB962C8B-B14F-4D97-AF65-F5344CB8AC3E}">
-        <p14:creationId xmlns:p14="http://schemas.microsoft.com/office/powerpoint/2010/main" val="3682273014"/>
+        <p14:creationId xmlns:p14="http://schemas.microsoft.com/office/powerpoint/2010/main" val="683669498"/>
       </p:ext>
     </p:extLst>
   </p:cSld>
@@ -7547,6 +9116,983 @@
       </p:par>
     </p:tnLst>
   </p:timing>
+</p:sld>
+</file>
+
+<file path=ppt/slides/slide30.xml><?xml version="1.0" encoding="utf-8"?>
+<p:sld xmlns:a="http://schemas.openxmlformats.org/drawingml/2006/main" xmlns:r="http://schemas.openxmlformats.org/officeDocument/2006/relationships" xmlns:p="http://schemas.openxmlformats.org/presentationml/2006/main">
+  <p:cSld>
+    <p:spTree>
+      <p:nvGrpSpPr>
+        <p:cNvPr id="1" name=""/>
+        <p:cNvGrpSpPr/>
+        <p:nvPr/>
+      </p:nvGrpSpPr>
+      <p:grpSpPr>
+        <a:xfrm>
+          <a:off x="0" y="0"/>
+          <a:ext cx="0" cy="0"/>
+          <a:chOff x="0" y="0"/>
+          <a:chExt cx="0" cy="0"/>
+        </a:xfrm>
+      </p:grpSpPr>
+      <p:sp>
+        <p:nvSpPr>
+          <p:cNvPr id="2" name="Título 1"/>
+          <p:cNvSpPr>
+            <a:spLocks noGrp="1"/>
+          </p:cNvSpPr>
+          <p:nvPr>
+            <p:ph type="title"/>
+          </p:nvPr>
+        </p:nvSpPr>
+        <p:spPr/>
+        <p:txBody>
+          <a:bodyPr>
+            <a:normAutofit/>
+          </a:bodyPr>
+          <a:lstStyle/>
+          <a:p>
+            <a:r>
+              <a:rPr lang="pt-BR" sz="5400" dirty="0" smtClean="0"/>
+              <a:t>Apêndice 1</a:t>
+            </a:r>
+            <a:endParaRPr lang="pt-BR" sz="5400" dirty="0"/>
+          </a:p>
+        </p:txBody>
+      </p:sp>
+      <p:sp>
+        <p:nvSpPr>
+          <p:cNvPr id="3" name="Espaço Reservado para Conteúdo 2"/>
+          <p:cNvSpPr>
+            <a:spLocks noGrp="1"/>
+          </p:cNvSpPr>
+          <p:nvPr>
+            <p:ph idx="1"/>
+          </p:nvPr>
+        </p:nvSpPr>
+        <p:spPr/>
+        <p:txBody>
+          <a:bodyPr/>
+          <a:lstStyle/>
+          <a:p>
+            <a:r>
+              <a:rPr lang="pt-BR" dirty="0" smtClean="0"/>
+              <a:t>(Comparação Java/Python)</a:t>
+            </a:r>
+            <a:endParaRPr lang="pt-BR" dirty="0"/>
+          </a:p>
+        </p:txBody>
+      </p:sp>
+      <p:pic>
+        <p:nvPicPr>
+          <p:cNvPr id="4" name="Imagem 3"/>
+          <p:cNvPicPr>
+            <a:picLocks noChangeAspect="1"/>
+          </p:cNvPicPr>
+          <p:nvPr/>
+        </p:nvPicPr>
+        <p:blipFill>
+          <a:blip r:embed="rId2"/>
+          <a:stretch>
+            <a:fillRect/>
+          </a:stretch>
+        </p:blipFill>
+        <p:spPr>
+          <a:xfrm>
+            <a:off x="838200" y="1825625"/>
+            <a:ext cx="10708465" cy="4035653"/>
+          </a:xfrm>
+          <a:prstGeom prst="rect">
+            <a:avLst/>
+          </a:prstGeom>
+        </p:spPr>
+      </p:pic>
+      <p:sp>
+        <p:nvSpPr>
+          <p:cNvPr id="5" name="CaixaDeTexto 4"/>
+          <p:cNvSpPr txBox="1"/>
+          <p:nvPr/>
+        </p:nvSpPr>
+        <p:spPr>
+          <a:xfrm>
+            <a:off x="5960203" y="1248366"/>
+            <a:ext cx="4602350" cy="1200329"/>
+          </a:xfrm>
+          <a:prstGeom prst="rect">
+            <a:avLst/>
+          </a:prstGeom>
+          <a:solidFill>
+            <a:schemeClr val="accent1">
+              <a:lumMod val="40000"/>
+              <a:lumOff val="60000"/>
+            </a:schemeClr>
+          </a:solidFill>
+        </p:spPr>
+        <p:txBody>
+          <a:bodyPr wrap="none" rtlCol="0">
+            <a:spAutoFit/>
+          </a:bodyPr>
+          <a:lstStyle/>
+          <a:p>
+            <a:r>
+              <a:rPr lang="pt-BR" sz="2400" dirty="0" smtClean="0"/>
+              <a:t>Classe responsável por estabelecer </a:t>
+            </a:r>
+          </a:p>
+          <a:p>
+            <a:r>
+              <a:rPr lang="pt-BR" sz="2400" dirty="0" smtClean="0"/>
+              <a:t>a conexão </a:t>
+            </a:r>
+            <a:r>
+              <a:rPr lang="pt-BR" sz="2400" dirty="0" err="1" smtClean="0"/>
+              <a:t>bluetooth</a:t>
+            </a:r>
+            <a:r>
+              <a:rPr lang="pt-BR" sz="2400" dirty="0" smtClean="0"/>
+              <a:t> e devolver</a:t>
+            </a:r>
+          </a:p>
+          <a:p>
+            <a:r>
+              <a:rPr lang="pt-BR" sz="2400" dirty="0" smtClean="0"/>
+              <a:t>um objeto de conexão</a:t>
+            </a:r>
+            <a:endParaRPr lang="pt-BR" sz="2400" dirty="0"/>
+          </a:p>
+        </p:txBody>
+      </p:sp>
+      <p:sp>
+        <p:nvSpPr>
+          <p:cNvPr id="6" name="CaixaDeTexto 5"/>
+          <p:cNvSpPr txBox="1"/>
+          <p:nvPr/>
+        </p:nvSpPr>
+        <p:spPr>
+          <a:xfrm>
+            <a:off x="7571546" y="6020932"/>
+            <a:ext cx="3782254" cy="523220"/>
+          </a:xfrm>
+          <a:prstGeom prst="rect">
+            <a:avLst/>
+          </a:prstGeom>
+          <a:noFill/>
+        </p:spPr>
+        <p:txBody>
+          <a:bodyPr wrap="none" rtlCol="0">
+            <a:spAutoFit/>
+          </a:bodyPr>
+          <a:lstStyle/>
+          <a:p>
+            <a:r>
+              <a:rPr lang="pt-BR" sz="2800" dirty="0" smtClean="0"/>
+              <a:t>Implementação em JAVA</a:t>
+            </a:r>
+            <a:endParaRPr lang="pt-BR" sz="2800" dirty="0"/>
+          </a:p>
+        </p:txBody>
+      </p:sp>
+    </p:spTree>
+    <p:extLst>
+      <p:ext uri="{BB962C8B-B14F-4D97-AF65-F5344CB8AC3E}">
+        <p14:creationId xmlns:p14="http://schemas.microsoft.com/office/powerpoint/2010/main" val="2804177191"/>
+      </p:ext>
+    </p:extLst>
+  </p:cSld>
+  <p:clrMapOvr>
+    <a:masterClrMapping/>
+  </p:clrMapOvr>
+</p:sld>
+</file>
+
+<file path=ppt/slides/slide31.xml><?xml version="1.0" encoding="utf-8"?>
+<p:sld xmlns:a="http://schemas.openxmlformats.org/drawingml/2006/main" xmlns:r="http://schemas.openxmlformats.org/officeDocument/2006/relationships" xmlns:p="http://schemas.openxmlformats.org/presentationml/2006/main">
+  <p:cSld>
+    <p:spTree>
+      <p:nvGrpSpPr>
+        <p:cNvPr id="1" name=""/>
+        <p:cNvGrpSpPr/>
+        <p:nvPr/>
+      </p:nvGrpSpPr>
+      <p:grpSpPr>
+        <a:xfrm>
+          <a:off x="0" y="0"/>
+          <a:ext cx="0" cy="0"/>
+          <a:chOff x="0" y="0"/>
+          <a:chExt cx="0" cy="0"/>
+        </a:xfrm>
+      </p:grpSpPr>
+      <p:sp>
+        <p:nvSpPr>
+          <p:cNvPr id="2" name="Título 1"/>
+          <p:cNvSpPr>
+            <a:spLocks noGrp="1"/>
+          </p:cNvSpPr>
+          <p:nvPr>
+            <p:ph type="title"/>
+          </p:nvPr>
+        </p:nvSpPr>
+        <p:spPr/>
+        <p:txBody>
+          <a:bodyPr>
+            <a:normAutofit/>
+          </a:bodyPr>
+          <a:lstStyle/>
+          <a:p>
+            <a:r>
+              <a:rPr lang="pt-BR" sz="5400" dirty="0"/>
+              <a:t>Apêndice </a:t>
+            </a:r>
+            <a:r>
+              <a:rPr lang="pt-BR" sz="5400" dirty="0" smtClean="0"/>
+              <a:t>2</a:t>
+            </a:r>
+            <a:endParaRPr lang="pt-BR" sz="5400" dirty="0"/>
+          </a:p>
+        </p:txBody>
+      </p:sp>
+      <p:sp>
+        <p:nvSpPr>
+          <p:cNvPr id="3" name="Espaço Reservado para Conteúdo 2"/>
+          <p:cNvSpPr>
+            <a:spLocks noGrp="1"/>
+          </p:cNvSpPr>
+          <p:nvPr>
+            <p:ph idx="1"/>
+          </p:nvPr>
+        </p:nvSpPr>
+        <p:spPr/>
+        <p:txBody>
+          <a:bodyPr/>
+          <a:lstStyle/>
+          <a:p>
+            <a:r>
+              <a:rPr lang="pt-BR" dirty="0" smtClean="0"/>
+              <a:t>(Comparação Java/Python)</a:t>
+            </a:r>
+            <a:endParaRPr lang="pt-BR" dirty="0"/>
+          </a:p>
+        </p:txBody>
+      </p:sp>
+      <p:pic>
+        <p:nvPicPr>
+          <p:cNvPr id="5" name="Imagem 4"/>
+          <p:cNvPicPr>
+            <a:picLocks noChangeAspect="1"/>
+          </p:cNvPicPr>
+          <p:nvPr/>
+        </p:nvPicPr>
+        <p:blipFill rotWithShape="1">
+          <a:blip r:embed="rId2"/>
+          <a:srcRect b="27892"/>
+          <a:stretch/>
+        </p:blipFill>
+        <p:spPr>
+          <a:xfrm>
+            <a:off x="838200" y="1690688"/>
+            <a:ext cx="8073571" cy="4761729"/>
+          </a:xfrm>
+          <a:prstGeom prst="rect">
+            <a:avLst/>
+          </a:prstGeom>
+        </p:spPr>
+      </p:pic>
+      <p:sp>
+        <p:nvSpPr>
+          <p:cNvPr id="6" name="CaixaDeTexto 5"/>
+          <p:cNvSpPr txBox="1"/>
+          <p:nvPr/>
+        </p:nvSpPr>
+        <p:spPr>
+          <a:xfrm>
+            <a:off x="5481232" y="2540138"/>
+            <a:ext cx="6355842" cy="1938992"/>
+          </a:xfrm>
+          <a:prstGeom prst="rect">
+            <a:avLst/>
+          </a:prstGeom>
+          <a:solidFill>
+            <a:schemeClr val="accent1">
+              <a:lumMod val="40000"/>
+              <a:lumOff val="60000"/>
+            </a:schemeClr>
+          </a:solidFill>
+        </p:spPr>
+        <p:txBody>
+          <a:bodyPr wrap="none" rtlCol="0">
+            <a:spAutoFit/>
+          </a:bodyPr>
+          <a:lstStyle/>
+          <a:p>
+            <a:r>
+              <a:rPr lang="pt-BR" sz="2400" dirty="0" smtClean="0"/>
+              <a:t>Classe responsável por descobrir dispositivos</a:t>
+            </a:r>
+          </a:p>
+          <a:p>
+            <a:r>
+              <a:rPr lang="pt-BR" sz="2400" dirty="0" err="1" smtClean="0"/>
+              <a:t>bluetooth</a:t>
+            </a:r>
+            <a:r>
+              <a:rPr lang="pt-BR" sz="2400" dirty="0" smtClean="0"/>
+              <a:t>, e conectar ao dispositivo utilizando</a:t>
+            </a:r>
+          </a:p>
+          <a:p>
+            <a:r>
+              <a:rPr lang="pt-BR" sz="2400" dirty="0" smtClean="0"/>
+              <a:t>a classe anterior. Esta classe também implementa</a:t>
+            </a:r>
+          </a:p>
+          <a:p>
+            <a:r>
+              <a:rPr lang="pt-BR" sz="2400" dirty="0"/>
+              <a:t>o</a:t>
+            </a:r>
+            <a:r>
+              <a:rPr lang="pt-BR" sz="2400" dirty="0" smtClean="0"/>
+              <a:t> envio de requisições ao ELM327 e faz o</a:t>
+            </a:r>
+          </a:p>
+          <a:p>
+            <a:r>
+              <a:rPr lang="pt-BR" sz="2400" dirty="0" smtClean="0"/>
+              <a:t>recebimento das respostas.</a:t>
+            </a:r>
+          </a:p>
+        </p:txBody>
+      </p:sp>
+      <p:sp>
+        <p:nvSpPr>
+          <p:cNvPr id="10" name="CaixaDeTexto 9"/>
+          <p:cNvSpPr txBox="1"/>
+          <p:nvPr/>
+        </p:nvSpPr>
+        <p:spPr>
+          <a:xfrm>
+            <a:off x="7571546" y="6020932"/>
+            <a:ext cx="3782254" cy="523220"/>
+          </a:xfrm>
+          <a:prstGeom prst="rect">
+            <a:avLst/>
+          </a:prstGeom>
+          <a:noFill/>
+        </p:spPr>
+        <p:txBody>
+          <a:bodyPr wrap="none" rtlCol="0">
+            <a:spAutoFit/>
+          </a:bodyPr>
+          <a:lstStyle/>
+          <a:p>
+            <a:r>
+              <a:rPr lang="pt-BR" sz="2800" dirty="0" smtClean="0"/>
+              <a:t>Implementação em JAVA</a:t>
+            </a:r>
+            <a:endParaRPr lang="pt-BR" sz="2800" dirty="0"/>
+          </a:p>
+        </p:txBody>
+      </p:sp>
+    </p:spTree>
+    <p:extLst>
+      <p:ext uri="{BB962C8B-B14F-4D97-AF65-F5344CB8AC3E}">
+        <p14:creationId xmlns:p14="http://schemas.microsoft.com/office/powerpoint/2010/main" val="1229781889"/>
+      </p:ext>
+    </p:extLst>
+  </p:cSld>
+  <p:clrMapOvr>
+    <a:masterClrMapping/>
+  </p:clrMapOvr>
+</p:sld>
+</file>
+
+<file path=ppt/slides/slide32.xml><?xml version="1.0" encoding="utf-8"?>
+<p:sld xmlns:a="http://schemas.openxmlformats.org/drawingml/2006/main" xmlns:r="http://schemas.openxmlformats.org/officeDocument/2006/relationships" xmlns:p="http://schemas.openxmlformats.org/presentationml/2006/main">
+  <p:cSld>
+    <p:spTree>
+      <p:nvGrpSpPr>
+        <p:cNvPr id="1" name=""/>
+        <p:cNvGrpSpPr/>
+        <p:nvPr/>
+      </p:nvGrpSpPr>
+      <p:grpSpPr>
+        <a:xfrm>
+          <a:off x="0" y="0"/>
+          <a:ext cx="0" cy="0"/>
+          <a:chOff x="0" y="0"/>
+          <a:chExt cx="0" cy="0"/>
+        </a:xfrm>
+      </p:grpSpPr>
+      <p:sp>
+        <p:nvSpPr>
+          <p:cNvPr id="2" name="Título 1"/>
+          <p:cNvSpPr>
+            <a:spLocks noGrp="1"/>
+          </p:cNvSpPr>
+          <p:nvPr>
+            <p:ph type="title"/>
+          </p:nvPr>
+        </p:nvSpPr>
+        <p:spPr/>
+        <p:txBody>
+          <a:bodyPr>
+            <a:normAutofit/>
+          </a:bodyPr>
+          <a:lstStyle/>
+          <a:p>
+            <a:r>
+              <a:rPr lang="pt-BR" sz="5400" dirty="0"/>
+              <a:t>Apêndice </a:t>
+            </a:r>
+            <a:r>
+              <a:rPr lang="pt-BR" sz="5400" dirty="0" smtClean="0"/>
+              <a:t>3</a:t>
+            </a:r>
+            <a:endParaRPr lang="pt-BR" sz="5400" dirty="0"/>
+          </a:p>
+        </p:txBody>
+      </p:sp>
+      <p:sp>
+        <p:nvSpPr>
+          <p:cNvPr id="3" name="Espaço Reservado para Conteúdo 2"/>
+          <p:cNvSpPr>
+            <a:spLocks noGrp="1"/>
+          </p:cNvSpPr>
+          <p:nvPr>
+            <p:ph idx="1"/>
+          </p:nvPr>
+        </p:nvSpPr>
+        <p:spPr/>
+        <p:txBody>
+          <a:bodyPr/>
+          <a:lstStyle/>
+          <a:p>
+            <a:r>
+              <a:rPr lang="pt-BR" dirty="0" smtClean="0"/>
+              <a:t>(Comparação Java/Python)</a:t>
+            </a:r>
+            <a:endParaRPr lang="pt-BR" dirty="0"/>
+          </a:p>
+        </p:txBody>
+      </p:sp>
+      <p:sp>
+        <p:nvSpPr>
+          <p:cNvPr id="10" name="CaixaDeTexto 9"/>
+          <p:cNvSpPr txBox="1"/>
+          <p:nvPr/>
+        </p:nvSpPr>
+        <p:spPr>
+          <a:xfrm>
+            <a:off x="7571546" y="6020932"/>
+            <a:ext cx="3782254" cy="523220"/>
+          </a:xfrm>
+          <a:prstGeom prst="rect">
+            <a:avLst/>
+          </a:prstGeom>
+          <a:noFill/>
+        </p:spPr>
+        <p:txBody>
+          <a:bodyPr wrap="none" rtlCol="0">
+            <a:spAutoFit/>
+          </a:bodyPr>
+          <a:lstStyle/>
+          <a:p>
+            <a:r>
+              <a:rPr lang="pt-BR" sz="2800" dirty="0" smtClean="0"/>
+              <a:t>Implementação em JAVA</a:t>
+            </a:r>
+            <a:endParaRPr lang="pt-BR" sz="2800" dirty="0"/>
+          </a:p>
+        </p:txBody>
+      </p:sp>
+      <p:pic>
+        <p:nvPicPr>
+          <p:cNvPr id="4" name="Imagem 3"/>
+          <p:cNvPicPr>
+            <a:picLocks noChangeAspect="1"/>
+          </p:cNvPicPr>
+          <p:nvPr/>
+        </p:nvPicPr>
+        <p:blipFill>
+          <a:blip r:embed="rId2"/>
+          <a:stretch>
+            <a:fillRect/>
+          </a:stretch>
+        </p:blipFill>
+        <p:spPr>
+          <a:xfrm>
+            <a:off x="838199" y="1690687"/>
+            <a:ext cx="8356855" cy="3331255"/>
+          </a:xfrm>
+          <a:prstGeom prst="rect">
+            <a:avLst/>
+          </a:prstGeom>
+        </p:spPr>
+      </p:pic>
+    </p:spTree>
+    <p:extLst>
+      <p:ext uri="{BB962C8B-B14F-4D97-AF65-F5344CB8AC3E}">
+        <p14:creationId xmlns:p14="http://schemas.microsoft.com/office/powerpoint/2010/main" val="4071987037"/>
+      </p:ext>
+    </p:extLst>
+  </p:cSld>
+  <p:clrMapOvr>
+    <a:masterClrMapping/>
+  </p:clrMapOvr>
+</p:sld>
+</file>
+
+<file path=ppt/slides/slide33.xml><?xml version="1.0" encoding="utf-8"?>
+<p:sld xmlns:a="http://schemas.openxmlformats.org/drawingml/2006/main" xmlns:r="http://schemas.openxmlformats.org/officeDocument/2006/relationships" xmlns:p="http://schemas.openxmlformats.org/presentationml/2006/main">
+  <p:cSld>
+    <p:spTree>
+      <p:nvGrpSpPr>
+        <p:cNvPr id="1" name=""/>
+        <p:cNvGrpSpPr/>
+        <p:nvPr/>
+      </p:nvGrpSpPr>
+      <p:grpSpPr>
+        <a:xfrm>
+          <a:off x="0" y="0"/>
+          <a:ext cx="0" cy="0"/>
+          <a:chOff x="0" y="0"/>
+          <a:chExt cx="0" cy="0"/>
+        </a:xfrm>
+      </p:grpSpPr>
+      <p:sp>
+        <p:nvSpPr>
+          <p:cNvPr id="2" name="Título 1"/>
+          <p:cNvSpPr>
+            <a:spLocks noGrp="1"/>
+          </p:cNvSpPr>
+          <p:nvPr>
+            <p:ph type="title"/>
+          </p:nvPr>
+        </p:nvSpPr>
+        <p:spPr/>
+        <p:txBody>
+          <a:bodyPr>
+            <a:normAutofit/>
+          </a:bodyPr>
+          <a:lstStyle/>
+          <a:p>
+            <a:r>
+              <a:rPr lang="pt-BR" sz="5400" dirty="0"/>
+              <a:t>Apêndice </a:t>
+            </a:r>
+            <a:r>
+              <a:rPr lang="pt-BR" sz="5400" dirty="0" smtClean="0"/>
+              <a:t>4</a:t>
+            </a:r>
+            <a:endParaRPr lang="pt-BR" sz="5400" dirty="0"/>
+          </a:p>
+        </p:txBody>
+      </p:sp>
+      <p:sp>
+        <p:nvSpPr>
+          <p:cNvPr id="3" name="Espaço Reservado para Conteúdo 2"/>
+          <p:cNvSpPr>
+            <a:spLocks noGrp="1"/>
+          </p:cNvSpPr>
+          <p:nvPr>
+            <p:ph idx="1"/>
+          </p:nvPr>
+        </p:nvSpPr>
+        <p:spPr/>
+        <p:txBody>
+          <a:bodyPr/>
+          <a:lstStyle/>
+          <a:p>
+            <a:r>
+              <a:rPr lang="pt-BR" dirty="0" smtClean="0"/>
+              <a:t>(Comparação Java/Python)</a:t>
+            </a:r>
+            <a:endParaRPr lang="pt-BR" dirty="0"/>
+          </a:p>
+        </p:txBody>
+      </p:sp>
+      <p:pic>
+        <p:nvPicPr>
+          <p:cNvPr id="4" name="Imagem 3"/>
+          <p:cNvPicPr>
+            <a:picLocks noChangeAspect="1"/>
+          </p:cNvPicPr>
+          <p:nvPr/>
+        </p:nvPicPr>
+        <p:blipFill>
+          <a:blip r:embed="rId2"/>
+          <a:stretch>
+            <a:fillRect/>
+          </a:stretch>
+        </p:blipFill>
+        <p:spPr>
+          <a:xfrm>
+            <a:off x="838200" y="1825625"/>
+            <a:ext cx="8541700" cy="3225346"/>
+          </a:xfrm>
+          <a:prstGeom prst="rect">
+            <a:avLst/>
+          </a:prstGeom>
+        </p:spPr>
+      </p:pic>
+      <p:sp>
+        <p:nvSpPr>
+          <p:cNvPr id="6" name="CaixaDeTexto 5"/>
+          <p:cNvSpPr txBox="1"/>
+          <p:nvPr/>
+        </p:nvSpPr>
+        <p:spPr>
+          <a:xfrm>
+            <a:off x="7571546" y="6020932"/>
+            <a:ext cx="3782254" cy="523220"/>
+          </a:xfrm>
+          <a:prstGeom prst="rect">
+            <a:avLst/>
+          </a:prstGeom>
+          <a:noFill/>
+        </p:spPr>
+        <p:txBody>
+          <a:bodyPr wrap="none" rtlCol="0">
+            <a:spAutoFit/>
+          </a:bodyPr>
+          <a:lstStyle/>
+          <a:p>
+            <a:r>
+              <a:rPr lang="pt-BR" sz="2800" dirty="0" smtClean="0"/>
+              <a:t>Implementação em JAVA</a:t>
+            </a:r>
+            <a:endParaRPr lang="pt-BR" sz="2800" dirty="0"/>
+          </a:p>
+        </p:txBody>
+      </p:sp>
+    </p:spTree>
+    <p:extLst>
+      <p:ext uri="{BB962C8B-B14F-4D97-AF65-F5344CB8AC3E}">
+        <p14:creationId xmlns:p14="http://schemas.microsoft.com/office/powerpoint/2010/main" val="1074627780"/>
+      </p:ext>
+    </p:extLst>
+  </p:cSld>
+  <p:clrMapOvr>
+    <a:masterClrMapping/>
+  </p:clrMapOvr>
+</p:sld>
+</file>
+
+<file path=ppt/slides/slide34.xml><?xml version="1.0" encoding="utf-8"?>
+<p:sld xmlns:a="http://schemas.openxmlformats.org/drawingml/2006/main" xmlns:r="http://schemas.openxmlformats.org/officeDocument/2006/relationships" xmlns:p="http://schemas.openxmlformats.org/presentationml/2006/main">
+  <p:cSld>
+    <p:spTree>
+      <p:nvGrpSpPr>
+        <p:cNvPr id="1" name=""/>
+        <p:cNvGrpSpPr/>
+        <p:nvPr/>
+      </p:nvGrpSpPr>
+      <p:grpSpPr>
+        <a:xfrm>
+          <a:off x="0" y="0"/>
+          <a:ext cx="0" cy="0"/>
+          <a:chOff x="0" y="0"/>
+          <a:chExt cx="0" cy="0"/>
+        </a:xfrm>
+      </p:grpSpPr>
+      <p:sp>
+        <p:nvSpPr>
+          <p:cNvPr id="2" name="Título 1"/>
+          <p:cNvSpPr>
+            <a:spLocks noGrp="1"/>
+          </p:cNvSpPr>
+          <p:nvPr>
+            <p:ph type="title"/>
+          </p:nvPr>
+        </p:nvSpPr>
+        <p:spPr/>
+        <p:txBody>
+          <a:bodyPr>
+            <a:normAutofit/>
+          </a:bodyPr>
+          <a:lstStyle/>
+          <a:p>
+            <a:r>
+              <a:rPr lang="pt-BR" sz="5400" dirty="0"/>
+              <a:t>Apêndice </a:t>
+            </a:r>
+            <a:r>
+              <a:rPr lang="pt-BR" sz="5400" dirty="0" smtClean="0"/>
+              <a:t>5</a:t>
+            </a:r>
+            <a:endParaRPr lang="pt-BR" sz="5400" dirty="0"/>
+          </a:p>
+        </p:txBody>
+      </p:sp>
+      <p:sp>
+        <p:nvSpPr>
+          <p:cNvPr id="3" name="Espaço Reservado para Conteúdo 2"/>
+          <p:cNvSpPr>
+            <a:spLocks noGrp="1"/>
+          </p:cNvSpPr>
+          <p:nvPr>
+            <p:ph idx="1"/>
+          </p:nvPr>
+        </p:nvSpPr>
+        <p:spPr/>
+        <p:txBody>
+          <a:bodyPr/>
+          <a:lstStyle/>
+          <a:p>
+            <a:r>
+              <a:rPr lang="pt-BR" dirty="0" smtClean="0"/>
+              <a:t>(Comparação Java/Python)</a:t>
+            </a:r>
+            <a:endParaRPr lang="pt-BR" dirty="0"/>
+          </a:p>
+        </p:txBody>
+      </p:sp>
+      <p:sp>
+        <p:nvSpPr>
+          <p:cNvPr id="6" name="CaixaDeTexto 5"/>
+          <p:cNvSpPr txBox="1"/>
+          <p:nvPr/>
+        </p:nvSpPr>
+        <p:spPr>
+          <a:xfrm>
+            <a:off x="7571546" y="6020932"/>
+            <a:ext cx="3782254" cy="523220"/>
+          </a:xfrm>
+          <a:prstGeom prst="rect">
+            <a:avLst/>
+          </a:prstGeom>
+          <a:noFill/>
+        </p:spPr>
+        <p:txBody>
+          <a:bodyPr wrap="none" rtlCol="0">
+            <a:spAutoFit/>
+          </a:bodyPr>
+          <a:lstStyle/>
+          <a:p>
+            <a:r>
+              <a:rPr lang="pt-BR" sz="2800" dirty="0" smtClean="0"/>
+              <a:t>Implementação em JAVA</a:t>
+            </a:r>
+            <a:endParaRPr lang="pt-BR" sz="2800" dirty="0"/>
+          </a:p>
+        </p:txBody>
+      </p:sp>
+      <p:pic>
+        <p:nvPicPr>
+          <p:cNvPr id="5" name="Imagem 4"/>
+          <p:cNvPicPr>
+            <a:picLocks noChangeAspect="1"/>
+          </p:cNvPicPr>
+          <p:nvPr/>
+        </p:nvPicPr>
+        <p:blipFill>
+          <a:blip r:embed="rId2"/>
+          <a:stretch>
+            <a:fillRect/>
+          </a:stretch>
+        </p:blipFill>
+        <p:spPr>
+          <a:xfrm>
+            <a:off x="838200" y="1825625"/>
+            <a:ext cx="8225375" cy="2702832"/>
+          </a:xfrm>
+          <a:prstGeom prst="rect">
+            <a:avLst/>
+          </a:prstGeom>
+        </p:spPr>
+      </p:pic>
+      <p:sp>
+        <p:nvSpPr>
+          <p:cNvPr id="8" name="CaixaDeTexto 7"/>
+          <p:cNvSpPr txBox="1"/>
+          <p:nvPr/>
+        </p:nvSpPr>
+        <p:spPr>
+          <a:xfrm>
+            <a:off x="6096000" y="1697695"/>
+            <a:ext cx="5031698" cy="830997"/>
+          </a:xfrm>
+          <a:prstGeom prst="rect">
+            <a:avLst/>
+          </a:prstGeom>
+          <a:solidFill>
+            <a:schemeClr val="accent1">
+              <a:lumMod val="40000"/>
+              <a:lumOff val="60000"/>
+            </a:schemeClr>
+          </a:solidFill>
+        </p:spPr>
+        <p:txBody>
+          <a:bodyPr wrap="none" rtlCol="0">
+            <a:spAutoFit/>
+          </a:bodyPr>
+          <a:lstStyle/>
+          <a:p>
+            <a:r>
+              <a:rPr lang="pt-BR" sz="2400" dirty="0" smtClean="0"/>
+              <a:t>Uso do objeto Discovery pertencente à</a:t>
+            </a:r>
+          </a:p>
+          <a:p>
+            <a:r>
+              <a:rPr lang="pt-BR" sz="2400" dirty="0" smtClean="0"/>
+              <a:t>classe </a:t>
+            </a:r>
+            <a:r>
+              <a:rPr lang="pt-BR" sz="2400" dirty="0" err="1" smtClean="0"/>
+              <a:t>DiscoveryDevices</a:t>
+            </a:r>
+            <a:endParaRPr lang="pt-BR" sz="2400" dirty="0" smtClean="0"/>
+          </a:p>
+        </p:txBody>
+      </p:sp>
+    </p:spTree>
+    <p:extLst>
+      <p:ext uri="{BB962C8B-B14F-4D97-AF65-F5344CB8AC3E}">
+        <p14:creationId xmlns:p14="http://schemas.microsoft.com/office/powerpoint/2010/main" val="3989227880"/>
+      </p:ext>
+    </p:extLst>
+  </p:cSld>
+  <p:clrMapOvr>
+    <a:masterClrMapping/>
+  </p:clrMapOvr>
+</p:sld>
+</file>
+
+<file path=ppt/slides/slide35.xml><?xml version="1.0" encoding="utf-8"?>
+<p:sld xmlns:a="http://schemas.openxmlformats.org/drawingml/2006/main" xmlns:r="http://schemas.openxmlformats.org/officeDocument/2006/relationships" xmlns:p="http://schemas.openxmlformats.org/presentationml/2006/main">
+  <p:cSld>
+    <p:spTree>
+      <p:nvGrpSpPr>
+        <p:cNvPr id="1" name=""/>
+        <p:cNvGrpSpPr/>
+        <p:nvPr/>
+      </p:nvGrpSpPr>
+      <p:grpSpPr>
+        <a:xfrm>
+          <a:off x="0" y="0"/>
+          <a:ext cx="0" cy="0"/>
+          <a:chOff x="0" y="0"/>
+          <a:chExt cx="0" cy="0"/>
+        </a:xfrm>
+      </p:grpSpPr>
+      <p:sp>
+        <p:nvSpPr>
+          <p:cNvPr id="2" name="Título 1"/>
+          <p:cNvSpPr>
+            <a:spLocks noGrp="1"/>
+          </p:cNvSpPr>
+          <p:nvPr>
+            <p:ph type="title"/>
+          </p:nvPr>
+        </p:nvSpPr>
+        <p:spPr/>
+        <p:txBody>
+          <a:bodyPr>
+            <a:normAutofit/>
+          </a:bodyPr>
+          <a:lstStyle/>
+          <a:p>
+            <a:r>
+              <a:rPr lang="pt-BR" sz="5400" dirty="0"/>
+              <a:t>Apêndice </a:t>
+            </a:r>
+            <a:r>
+              <a:rPr lang="pt-BR" sz="5400" dirty="0" smtClean="0"/>
+              <a:t>6</a:t>
+            </a:r>
+            <a:endParaRPr lang="pt-BR" sz="5400" dirty="0"/>
+          </a:p>
+        </p:txBody>
+      </p:sp>
+      <p:sp>
+        <p:nvSpPr>
+          <p:cNvPr id="3" name="Espaço Reservado para Conteúdo 2"/>
+          <p:cNvSpPr>
+            <a:spLocks noGrp="1"/>
+          </p:cNvSpPr>
+          <p:nvPr>
+            <p:ph idx="1"/>
+          </p:nvPr>
+        </p:nvSpPr>
+        <p:spPr/>
+        <p:txBody>
+          <a:bodyPr/>
+          <a:lstStyle/>
+          <a:p>
+            <a:r>
+              <a:rPr lang="pt-BR" dirty="0" smtClean="0"/>
+              <a:t>(Comparação Java/Python)</a:t>
+            </a:r>
+            <a:endParaRPr lang="pt-BR" dirty="0"/>
+          </a:p>
+        </p:txBody>
+      </p:sp>
+      <p:sp>
+        <p:nvSpPr>
+          <p:cNvPr id="6" name="CaixaDeTexto 5"/>
+          <p:cNvSpPr txBox="1"/>
+          <p:nvPr/>
+        </p:nvSpPr>
+        <p:spPr>
+          <a:xfrm>
+            <a:off x="7571546" y="6020932"/>
+            <a:ext cx="4126066" cy="523220"/>
+          </a:xfrm>
+          <a:prstGeom prst="rect">
+            <a:avLst/>
+          </a:prstGeom>
+          <a:noFill/>
+        </p:spPr>
+        <p:txBody>
+          <a:bodyPr wrap="none" rtlCol="0">
+            <a:spAutoFit/>
+          </a:bodyPr>
+          <a:lstStyle/>
+          <a:p>
+            <a:r>
+              <a:rPr lang="pt-BR" sz="2800" dirty="0" smtClean="0"/>
+              <a:t>Implementação em Python</a:t>
+            </a:r>
+            <a:endParaRPr lang="pt-BR" sz="2800" dirty="0"/>
+          </a:p>
+        </p:txBody>
+      </p:sp>
+      <p:pic>
+        <p:nvPicPr>
+          <p:cNvPr id="4" name="Imagem 3"/>
+          <p:cNvPicPr>
+            <a:picLocks noChangeAspect="1"/>
+          </p:cNvPicPr>
+          <p:nvPr/>
+        </p:nvPicPr>
+        <p:blipFill>
+          <a:blip r:embed="rId2"/>
+          <a:stretch>
+            <a:fillRect/>
+          </a:stretch>
+        </p:blipFill>
+        <p:spPr>
+          <a:xfrm>
+            <a:off x="838200" y="1810543"/>
+            <a:ext cx="8717536" cy="2935627"/>
+          </a:xfrm>
+          <a:prstGeom prst="rect">
+            <a:avLst/>
+          </a:prstGeom>
+        </p:spPr>
+      </p:pic>
+    </p:spTree>
+    <p:extLst>
+      <p:ext uri="{BB962C8B-B14F-4D97-AF65-F5344CB8AC3E}">
+        <p14:creationId xmlns:p14="http://schemas.microsoft.com/office/powerpoint/2010/main" val="3966266136"/>
+      </p:ext>
+    </p:extLst>
+  </p:cSld>
+  <p:clrMapOvr>
+    <a:masterClrMapping/>
+  </p:clrMapOvr>
 </p:sld>
 </file>
 
@@ -7586,7 +10132,7 @@
           <a:p>
             <a:r>
               <a:rPr lang="pt-BR" sz="5400" dirty="0" smtClean="0"/>
-              <a:t>Objetivos</a:t>
+              <a:t>Introdução</a:t>
             </a:r>
             <a:endParaRPr lang="pt-BR" sz="5400" dirty="0"/>
           </a:p>
@@ -7602,52 +10148,82 @@
             <p:ph idx="1"/>
           </p:nvPr>
         </p:nvSpPr>
-        <p:spPr/>
+        <p:spPr>
+          <a:xfrm>
+            <a:off x="838200" y="1840139"/>
+            <a:ext cx="10515600" cy="4270375"/>
+          </a:xfrm>
+        </p:spPr>
         <p:txBody>
           <a:bodyPr>
-            <a:normAutofit/>
+            <a:noAutofit/>
           </a:bodyPr>
           <a:lstStyle/>
           <a:p>
-            <a:r>
-              <a:rPr lang="pt-BR" sz="3600" dirty="0" smtClean="0"/>
-              <a:t>Implementar um sistema de bordo que permita:</a:t>
-            </a:r>
-          </a:p>
-          <a:p>
-            <a:pPr lvl="1"/>
+            <a:pPr marL="0" indent="0" algn="ctr">
+              <a:buNone/>
+            </a:pPr>
+            <a:r>
+              <a:rPr lang="pt-BR" sz="3600" u="sng" dirty="0" smtClean="0"/>
+              <a:t>Breve histórico</a:t>
+            </a:r>
+            <a:endParaRPr lang="pt-BR" sz="3600" u="sng" dirty="0"/>
+          </a:p>
+          <a:p>
             <a:r>
               <a:rPr lang="pt-BR" sz="3200" dirty="0" smtClean="0"/>
-              <a:t>Monitorar os principais sensores do automóvel</a:t>
-            </a:r>
-          </a:p>
-          <a:p>
-            <a:pPr lvl="1"/>
+              <a:t>Carros à manivela</a:t>
+            </a:r>
+          </a:p>
+          <a:p>
+            <a:endParaRPr lang="pt-BR" sz="3200" dirty="0"/>
+          </a:p>
+          <a:p>
+            <a:pPr algn="ctr"/>
             <a:r>
               <a:rPr lang="pt-BR" sz="3200" dirty="0" smtClean="0"/>
-              <a:t>Analisar possíveis falhas dos sensores ou anomalias eletrônicas</a:t>
-            </a:r>
-          </a:p>
-          <a:p>
-            <a:pPr lvl="1"/>
+              <a:t>Carros carburados</a:t>
+            </a:r>
+          </a:p>
+          <a:p>
+            <a:endParaRPr lang="pt-BR" sz="3200" dirty="0"/>
+          </a:p>
+          <a:p>
+            <a:pPr algn="r"/>
             <a:r>
               <a:rPr lang="pt-BR" sz="3200" dirty="0" smtClean="0"/>
-              <a:t>Armazenar as informações em servidores web</a:t>
-            </a:r>
-          </a:p>
-          <a:p>
-            <a:pPr lvl="1"/>
-            <a:r>
-              <a:rPr lang="pt-BR" sz="3200" dirty="0" smtClean="0"/>
-              <a:t>Testar o veículo em funcionamento remotamente (via web)</a:t>
-            </a:r>
+              <a:t>Carros com injeção eletrônica</a:t>
+            </a:r>
+          </a:p>
+        </p:txBody>
+      </p:sp>
+      <p:sp>
+        <p:nvSpPr>
+          <p:cNvPr id="4" name="Espaço Reservado para Número de Slide 3"/>
+          <p:cNvSpPr>
+            <a:spLocks noGrp="1"/>
+          </p:cNvSpPr>
+          <p:nvPr>
+            <p:ph type="sldNum" sz="quarter" idx="12"/>
+          </p:nvPr>
+        </p:nvSpPr>
+        <p:spPr/>
+        <p:txBody>
+          <a:bodyPr/>
+          <a:lstStyle/>
+          <a:p>
+            <a:fld id="{1993694D-D1F6-459B-8F96-561887F49A3A}" type="slidenum">
+              <a:rPr lang="pt-BR" sz="3200" smtClean="0"/>
+              <a:t>4</a:t>
+            </a:fld>
+            <a:endParaRPr lang="pt-BR" sz="3200" dirty="0"/>
           </a:p>
         </p:txBody>
       </p:sp>
     </p:spTree>
     <p:extLst>
       <p:ext uri="{BB962C8B-B14F-4D97-AF65-F5344CB8AC3E}">
-        <p14:creationId xmlns:p14="http://schemas.microsoft.com/office/powerpoint/2010/main" val="1441063751"/>
+        <p14:creationId xmlns:p14="http://schemas.microsoft.com/office/powerpoint/2010/main" val="3682273014"/>
       </p:ext>
     </p:extLst>
   </p:cSld>
@@ -7700,7 +10276,7 @@
           <a:p>
             <a:r>
               <a:rPr lang="pt-BR" sz="5400" dirty="0" smtClean="0"/>
-              <a:t>Justificativa</a:t>
+              <a:t>Objetivos</a:t>
             </a:r>
             <a:endParaRPr lang="pt-BR" sz="5400" dirty="0"/>
           </a:p>
@@ -7719,47 +10295,72 @@
         <p:spPr/>
         <p:txBody>
           <a:bodyPr>
-            <a:noAutofit/>
+            <a:normAutofit/>
           </a:bodyPr>
           <a:lstStyle/>
           <a:p>
             <a:r>
               <a:rPr lang="pt-BR" sz="3600" dirty="0" smtClean="0"/>
-              <a:t>Dificuldade em diagnosticar falhas eletrônicas por não emitir sinais facilmente identificados</a:t>
-            </a:r>
-          </a:p>
-          <a:p>
-            <a:r>
-              <a:rPr lang="pt-BR" sz="3600" dirty="0" smtClean="0"/>
-              <a:t>Dar liberdade ao condutor de saber o estado do veículo através da expansão do computador de bordo</a:t>
-            </a:r>
-          </a:p>
-          <a:p>
-            <a:r>
-              <a:rPr lang="pt-BR" sz="3600" dirty="0" smtClean="0"/>
-              <a:t>Fornecer independência ao motorista em diagnosticar eventuais problemas</a:t>
-            </a:r>
-          </a:p>
-          <a:p>
-            <a:r>
-              <a:rPr lang="pt-BR" sz="3600" dirty="0" smtClean="0"/>
-              <a:t>Manter histórico da leitura dos sensores visando uma manutenção preventiva (web </a:t>
-            </a:r>
-            <a:r>
-              <a:rPr lang="pt-BR" sz="3600" dirty="0" err="1" smtClean="0"/>
-              <a:t>services</a:t>
-            </a:r>
-            <a:r>
-              <a:rPr lang="pt-BR" sz="3600" dirty="0" smtClean="0"/>
-              <a:t>)</a:t>
-            </a:r>
+              <a:t>Implementar um sistema de bordo que permita:</a:t>
+            </a:r>
+          </a:p>
+          <a:p>
+            <a:pPr lvl="1"/>
+            <a:r>
+              <a:rPr lang="pt-BR" sz="3200" dirty="0" smtClean="0"/>
+              <a:t>Monitorar os principais sensores do automóvel</a:t>
+            </a:r>
+          </a:p>
+          <a:p>
+            <a:pPr lvl="1"/>
+            <a:r>
+              <a:rPr lang="pt-BR" sz="3200" dirty="0" smtClean="0"/>
+              <a:t>Analisar possíveis falhas dos sensores ou anomalias eletrônicas</a:t>
+            </a:r>
+          </a:p>
+          <a:p>
+            <a:pPr lvl="1"/>
+            <a:r>
+              <a:rPr lang="pt-BR" sz="3200" dirty="0" smtClean="0"/>
+              <a:t>Armazenar as informações em servidores web</a:t>
+            </a:r>
+          </a:p>
+          <a:p>
+            <a:pPr lvl="1"/>
+            <a:r>
+              <a:rPr lang="pt-BR" sz="3200" dirty="0" smtClean="0"/>
+              <a:t>Testar o veículo em funcionamento remotamente (via web)</a:t>
+            </a:r>
+          </a:p>
+        </p:txBody>
+      </p:sp>
+      <p:sp>
+        <p:nvSpPr>
+          <p:cNvPr id="4" name="Espaço Reservado para Número de Slide 3"/>
+          <p:cNvSpPr>
+            <a:spLocks noGrp="1"/>
+          </p:cNvSpPr>
+          <p:nvPr>
+            <p:ph type="sldNum" sz="quarter" idx="12"/>
+          </p:nvPr>
+        </p:nvSpPr>
+        <p:spPr/>
+        <p:txBody>
+          <a:bodyPr/>
+          <a:lstStyle/>
+          <a:p>
+            <a:fld id="{1993694D-D1F6-459B-8F96-561887F49A3A}" type="slidenum">
+              <a:rPr lang="pt-BR" sz="3200" smtClean="0"/>
+              <a:t>5</a:t>
+            </a:fld>
+            <a:endParaRPr lang="pt-BR" sz="3200"/>
           </a:p>
         </p:txBody>
       </p:sp>
     </p:spTree>
     <p:extLst>
       <p:ext uri="{BB962C8B-B14F-4D97-AF65-F5344CB8AC3E}">
-        <p14:creationId xmlns:p14="http://schemas.microsoft.com/office/powerpoint/2010/main" val="842308196"/>
+        <p14:creationId xmlns:p14="http://schemas.microsoft.com/office/powerpoint/2010/main" val="1441063751"/>
       </p:ext>
     </p:extLst>
   </p:cSld>
@@ -7812,7 +10413,7 @@
           <a:p>
             <a:r>
               <a:rPr lang="pt-BR" sz="5400" dirty="0" smtClean="0"/>
-              <a:t>Fundamentação Teórica</a:t>
+              <a:t>Justificativa</a:t>
             </a:r>
             <a:endParaRPr lang="pt-BR" sz="5400" dirty="0"/>
           </a:p>
@@ -7831,61 +10432,70 @@
         <p:spPr/>
         <p:txBody>
           <a:bodyPr>
-            <a:normAutofit/>
+            <a:noAutofit/>
           </a:bodyPr>
           <a:lstStyle/>
           <a:p>
             <a:r>
               <a:rPr lang="pt-BR" sz="3600" dirty="0" smtClean="0"/>
-              <a:t>ECU</a:t>
+              <a:t>Dificuldade em diagnosticar falhas eletrônicas por não emitir sinais facilmente identificados</a:t>
             </a:r>
           </a:p>
           <a:p>
             <a:r>
               <a:rPr lang="pt-BR" sz="3600" dirty="0" smtClean="0"/>
-              <a:t>Conector OBDII</a:t>
+              <a:t>Dar liberdade ao condutor de saber o estado do veículo através da expansão do computador de bordo</a:t>
             </a:r>
           </a:p>
           <a:p>
             <a:r>
               <a:rPr lang="pt-BR" sz="3600" dirty="0" smtClean="0"/>
-              <a:t>Protocolos </a:t>
-            </a:r>
-            <a:r>
-              <a:rPr lang="pt-BR" sz="3600" dirty="0"/>
-              <a:t>da rede veicular interna(CAN</a:t>
+              <a:t>Fornecer independência ao motorista em diagnosticar eventuais problemas</a:t>
+            </a:r>
+          </a:p>
+          <a:p>
+            <a:r>
+              <a:rPr lang="pt-BR" sz="3600" dirty="0" smtClean="0"/>
+              <a:t>Manter histórico da leitura dos sensores visando uma manutenção preventiva (web </a:t>
+            </a:r>
+            <a:r>
+              <a:rPr lang="pt-BR" sz="3600" dirty="0" err="1" smtClean="0"/>
+              <a:t>services</a:t>
             </a:r>
             <a:r>
               <a:rPr lang="pt-BR" sz="3600" dirty="0" smtClean="0"/>
               <a:t>)</a:t>
             </a:r>
           </a:p>
-          <a:p>
-            <a:r>
-              <a:rPr lang="pt-BR" sz="3600" dirty="0" smtClean="0"/>
-              <a:t>ELM327</a:t>
-            </a:r>
-          </a:p>
-          <a:p>
-            <a:r>
-              <a:rPr lang="pt-BR" sz="3600" dirty="0" smtClean="0"/>
-              <a:t>Parâmetros de requisição (</a:t>
-            </a:r>
-            <a:r>
-              <a:rPr lang="pt-BR" sz="3600" dirty="0" err="1" smtClean="0"/>
-              <a:t>Mode</a:t>
-            </a:r>
-            <a:r>
-              <a:rPr lang="pt-BR" sz="3600" dirty="0" smtClean="0"/>
-              <a:t>/PID)</a:t>
-            </a:r>
+        </p:txBody>
+      </p:sp>
+      <p:sp>
+        <p:nvSpPr>
+          <p:cNvPr id="4" name="Espaço Reservado para Número de Slide 3"/>
+          <p:cNvSpPr>
+            <a:spLocks noGrp="1"/>
+          </p:cNvSpPr>
+          <p:nvPr>
+            <p:ph type="sldNum" sz="quarter" idx="12"/>
+          </p:nvPr>
+        </p:nvSpPr>
+        <p:spPr/>
+        <p:txBody>
+          <a:bodyPr/>
+          <a:lstStyle/>
+          <a:p>
+            <a:fld id="{1993694D-D1F6-459B-8F96-561887F49A3A}" type="slidenum">
+              <a:rPr lang="pt-BR" sz="3200" smtClean="0"/>
+              <a:t>6</a:t>
+            </a:fld>
+            <a:endParaRPr lang="pt-BR" sz="3200"/>
           </a:p>
         </p:txBody>
       </p:sp>
     </p:spTree>
     <p:extLst>
       <p:ext uri="{BB962C8B-B14F-4D97-AF65-F5344CB8AC3E}">
-        <p14:creationId xmlns:p14="http://schemas.microsoft.com/office/powerpoint/2010/main" val="2115669614"/>
+        <p14:creationId xmlns:p14="http://schemas.microsoft.com/office/powerpoint/2010/main" val="842308196"/>
       </p:ext>
     </p:extLst>
   </p:cSld>
@@ -7962,61 +10572,79 @@
           <a:lstStyle/>
           <a:p>
             <a:r>
+              <a:rPr lang="pt-BR" sz="3600" dirty="0" smtClean="0"/>
+              <a:t>ECU</a:t>
+            </a:r>
+          </a:p>
+          <a:p>
+            <a:r>
+              <a:rPr lang="pt-BR" sz="3600" dirty="0" smtClean="0"/>
+              <a:t>Conector OBDII</a:t>
+            </a:r>
+          </a:p>
+          <a:p>
+            <a:r>
+              <a:rPr lang="pt-BR" sz="3600" dirty="0" smtClean="0"/>
+              <a:t>Protocolos </a:t>
+            </a:r>
+            <a:r>
               <a:rPr lang="pt-BR" sz="3600" dirty="0"/>
-              <a:t>ECU (Unidade de Controle </a:t>
+              <a:t>da rede veicular interna(CAN</a:t>
             </a:r>
             <a:r>
               <a:rPr lang="pt-BR" sz="3600" dirty="0" smtClean="0"/>
-              <a:t>Eletrônico)</a:t>
-            </a:r>
-          </a:p>
-          <a:p>
-            <a:pPr marL="457200" lvl="1" indent="0">
-              <a:buNone/>
-            </a:pPr>
-            <a:r>
-              <a:rPr lang="pt-BR" sz="3200" dirty="0" smtClean="0"/>
-              <a:t>Dispositivo informatizado que:</a:t>
-            </a:r>
-          </a:p>
-          <a:p>
-            <a:pPr lvl="1"/>
-            <a:r>
-              <a:rPr lang="pt-BR" sz="3200" dirty="0" smtClean="0"/>
-              <a:t>Gerencia boa parte dos recursos do veículo</a:t>
-            </a:r>
-          </a:p>
-          <a:p>
-            <a:pPr lvl="1"/>
-            <a:r>
-              <a:rPr lang="pt-BR" sz="3200" dirty="0" smtClean="0"/>
-              <a:t>Processa as informações internas do automóvel</a:t>
-            </a:r>
-          </a:p>
-          <a:p>
-            <a:pPr lvl="1"/>
-            <a:r>
-              <a:rPr lang="pt-BR" sz="3200" dirty="0" smtClean="0"/>
-              <a:t>Podem trabalhar de maneira distribuída</a:t>
-            </a:r>
-          </a:p>
-          <a:p>
-            <a:pPr lvl="1"/>
-            <a:endParaRPr lang="pt-BR" sz="3200" dirty="0"/>
-          </a:p>
-          <a:p>
-            <a:pPr lvl="1"/>
-            <a:r>
-              <a:rPr lang="pt-BR" sz="3200" dirty="0" smtClean="0"/>
-              <a:t>(foto/diagrama)</a:t>
-            </a:r>
+              <a:t>)</a:t>
+            </a:r>
+          </a:p>
+          <a:p>
+            <a:r>
+              <a:rPr lang="pt-BR" sz="3600" dirty="0" smtClean="0"/>
+              <a:t>ELM327</a:t>
+            </a:r>
+          </a:p>
+          <a:p>
+            <a:r>
+              <a:rPr lang="pt-BR" sz="3600" dirty="0" smtClean="0"/>
+              <a:t>Parâmetros de requisição (</a:t>
+            </a:r>
+            <a:r>
+              <a:rPr lang="pt-BR" sz="3600" dirty="0" err="1" smtClean="0"/>
+              <a:t>Mode</a:t>
+            </a:r>
+            <a:r>
+              <a:rPr lang="pt-BR" sz="3600" dirty="0" smtClean="0"/>
+              <a:t>/PID)</a:t>
+            </a:r>
+          </a:p>
+        </p:txBody>
+      </p:sp>
+      <p:sp>
+        <p:nvSpPr>
+          <p:cNvPr id="4" name="Espaço Reservado para Número de Slide 3"/>
+          <p:cNvSpPr>
+            <a:spLocks noGrp="1"/>
+          </p:cNvSpPr>
+          <p:nvPr>
+            <p:ph type="sldNum" sz="quarter" idx="12"/>
+          </p:nvPr>
+        </p:nvSpPr>
+        <p:spPr/>
+        <p:txBody>
+          <a:bodyPr/>
+          <a:lstStyle/>
+          <a:p>
+            <a:fld id="{1993694D-D1F6-459B-8F96-561887F49A3A}" type="slidenum">
+              <a:rPr lang="pt-BR" sz="3200" smtClean="0"/>
+              <a:t>7</a:t>
+            </a:fld>
+            <a:endParaRPr lang="pt-BR" sz="3200"/>
           </a:p>
         </p:txBody>
       </p:sp>
     </p:spTree>
     <p:extLst>
       <p:ext uri="{BB962C8B-B14F-4D97-AF65-F5344CB8AC3E}">
-        <p14:creationId xmlns:p14="http://schemas.microsoft.com/office/powerpoint/2010/main" val="1821206534"/>
+        <p14:creationId xmlns:p14="http://schemas.microsoft.com/office/powerpoint/2010/main" val="2115669614"/>
       </p:ext>
     </p:extLst>
   </p:cSld>
@@ -8093,432 +10721,77 @@
           <a:lstStyle/>
           <a:p>
             <a:r>
+              <a:rPr lang="pt-BR" sz="3600" dirty="0"/>
+              <a:t>ECU (Unidade de Controle </a:t>
+            </a:r>
+            <a:r>
               <a:rPr lang="pt-BR" sz="3600" dirty="0" smtClean="0"/>
-              <a:t>Protocolos da rede veicular interna</a:t>
-            </a:r>
-          </a:p>
-        </p:txBody>
-      </p:sp>
-      <p:sp>
-        <p:nvSpPr>
-          <p:cNvPr id="4" name="Retângulo 3"/>
-          <p:cNvSpPr/>
-          <p:nvPr/>
-        </p:nvSpPr>
-        <p:spPr>
-          <a:xfrm>
-            <a:off x="2846613" y="4358031"/>
-            <a:ext cx="6166757" cy="1146629"/>
-          </a:xfrm>
-          <a:prstGeom prst="rect">
-            <a:avLst/>
-          </a:prstGeom>
-        </p:spPr>
-        <p:style>
-          <a:lnRef idx="2">
-            <a:schemeClr val="accent1">
-              <a:shade val="50000"/>
-            </a:schemeClr>
-          </a:lnRef>
-          <a:fillRef idx="1">
-            <a:schemeClr val="accent1"/>
-          </a:fillRef>
-          <a:effectRef idx="0">
-            <a:schemeClr val="accent1"/>
-          </a:effectRef>
-          <a:fontRef idx="minor">
-            <a:schemeClr val="lt1"/>
-          </a:fontRef>
-        </p:style>
-        <p:txBody>
-          <a:bodyPr rtlCol="0" anchor="ctr"/>
-          <a:lstStyle/>
-          <a:p>
-            <a:pPr algn="ctr"/>
-            <a:r>
-              <a:rPr lang="pt-BR" sz="5400" b="1" dirty="0" smtClean="0"/>
-              <a:t>Protocolo CAN</a:t>
-            </a:r>
-            <a:endParaRPr lang="pt-BR" sz="5400" b="1" dirty="0"/>
-          </a:p>
-        </p:txBody>
-      </p:sp>
-      <p:sp>
-        <p:nvSpPr>
-          <p:cNvPr id="5" name="Retângulo 4"/>
-          <p:cNvSpPr/>
-          <p:nvPr/>
-        </p:nvSpPr>
-        <p:spPr>
-          <a:xfrm>
-            <a:off x="2846614" y="2854667"/>
-            <a:ext cx="1175658" cy="1146629"/>
-          </a:xfrm>
-          <a:prstGeom prst="rect">
-            <a:avLst/>
-          </a:prstGeom>
-        </p:spPr>
-        <p:style>
-          <a:lnRef idx="2">
-            <a:schemeClr val="accent1">
-              <a:shade val="50000"/>
-            </a:schemeClr>
-          </a:lnRef>
-          <a:fillRef idx="1">
-            <a:schemeClr val="accent1"/>
-          </a:fillRef>
-          <a:effectRef idx="0">
-            <a:schemeClr val="accent1"/>
-          </a:effectRef>
-          <a:fontRef idx="minor">
-            <a:schemeClr val="lt1"/>
-          </a:fontRef>
-        </p:style>
-        <p:txBody>
-          <a:bodyPr rtlCol="0" anchor="ctr"/>
-          <a:lstStyle/>
-          <a:p>
-            <a:pPr algn="ctr"/>
-            <a:r>
-              <a:rPr lang="pt-BR" sz="2400" dirty="0" smtClean="0"/>
-              <a:t>ISO-TP</a:t>
-            </a:r>
-            <a:endParaRPr lang="pt-BR" sz="2400" dirty="0"/>
-          </a:p>
-        </p:txBody>
-      </p:sp>
-      <p:sp>
-        <p:nvSpPr>
-          <p:cNvPr id="6" name="Retângulo 5"/>
-          <p:cNvSpPr/>
-          <p:nvPr/>
-        </p:nvSpPr>
-        <p:spPr>
-          <a:xfrm>
-            <a:off x="4247241" y="2854666"/>
-            <a:ext cx="1175658" cy="1146629"/>
-          </a:xfrm>
-          <a:prstGeom prst="rect">
-            <a:avLst/>
-          </a:prstGeom>
-        </p:spPr>
-        <p:style>
-          <a:lnRef idx="2">
-            <a:schemeClr val="accent1">
-              <a:shade val="50000"/>
-            </a:schemeClr>
-          </a:lnRef>
-          <a:fillRef idx="1">
-            <a:schemeClr val="accent1"/>
-          </a:fillRef>
-          <a:effectRef idx="0">
-            <a:schemeClr val="accent1"/>
-          </a:effectRef>
-          <a:fontRef idx="minor">
-            <a:schemeClr val="lt1"/>
-          </a:fontRef>
-        </p:style>
-        <p:txBody>
-          <a:bodyPr rtlCol="0" anchor="ctr"/>
-          <a:lstStyle/>
-          <a:p>
-            <a:pPr algn="ctr"/>
-            <a:r>
-              <a:rPr lang="pt-BR" sz="2400" dirty="0" smtClean="0"/>
-              <a:t>GMLAN</a:t>
-            </a:r>
-            <a:endParaRPr lang="pt-BR" sz="2400" dirty="0"/>
-          </a:p>
-        </p:txBody>
-      </p:sp>
-      <p:sp>
-        <p:nvSpPr>
-          <p:cNvPr id="7" name="Retângulo 6"/>
-          <p:cNvSpPr/>
-          <p:nvPr/>
-        </p:nvSpPr>
-        <p:spPr>
-          <a:xfrm>
-            <a:off x="5647867" y="2854665"/>
-            <a:ext cx="1549403" cy="1146629"/>
-          </a:xfrm>
-          <a:prstGeom prst="rect">
-            <a:avLst/>
-          </a:prstGeom>
-        </p:spPr>
-        <p:style>
-          <a:lnRef idx="2">
-            <a:schemeClr val="accent1">
-              <a:shade val="50000"/>
-            </a:schemeClr>
-          </a:lnRef>
-          <a:fillRef idx="1">
-            <a:schemeClr val="accent1"/>
-          </a:fillRef>
-          <a:effectRef idx="0">
-            <a:schemeClr val="accent1"/>
-          </a:effectRef>
-          <a:fontRef idx="minor">
-            <a:schemeClr val="lt1"/>
-          </a:fontRef>
-        </p:style>
-        <p:txBody>
-          <a:bodyPr rtlCol="0" anchor="ctr"/>
-          <a:lstStyle/>
-          <a:p>
-            <a:pPr algn="ctr"/>
-            <a:r>
-              <a:rPr lang="pt-BR" sz="2400" dirty="0" err="1" smtClean="0"/>
-              <a:t>CANopen</a:t>
-            </a:r>
-            <a:endParaRPr lang="pt-BR" sz="2400" dirty="0"/>
-          </a:p>
-        </p:txBody>
-      </p:sp>
-      <p:sp>
-        <p:nvSpPr>
-          <p:cNvPr id="8" name="Retângulo 7"/>
-          <p:cNvSpPr/>
-          <p:nvPr/>
-        </p:nvSpPr>
-        <p:spPr>
-          <a:xfrm>
-            <a:off x="7422237" y="2854665"/>
-            <a:ext cx="1591133" cy="1146629"/>
-          </a:xfrm>
-          <a:prstGeom prst="rect">
-            <a:avLst/>
-          </a:prstGeom>
-        </p:spPr>
-        <p:style>
-          <a:lnRef idx="2">
-            <a:schemeClr val="accent1">
-              <a:shade val="50000"/>
-            </a:schemeClr>
-          </a:lnRef>
-          <a:fillRef idx="1">
-            <a:schemeClr val="accent1"/>
-          </a:fillRef>
-          <a:effectRef idx="0">
-            <a:schemeClr val="accent1"/>
-          </a:effectRef>
-          <a:fontRef idx="minor">
-            <a:schemeClr val="lt1"/>
-          </a:fontRef>
-        </p:style>
-        <p:txBody>
-          <a:bodyPr rtlCol="0" anchor="ctr"/>
-          <a:lstStyle/>
-          <a:p>
-            <a:pPr algn="ctr"/>
-            <a:r>
-              <a:rPr lang="pt-BR" sz="2400" dirty="0" err="1" smtClean="0"/>
-              <a:t>Familia</a:t>
-            </a:r>
-            <a:r>
-              <a:rPr lang="pt-BR" sz="2400" dirty="0" smtClean="0"/>
-              <a:t> Protocolos CAN</a:t>
-            </a:r>
-            <a:endParaRPr lang="pt-BR" sz="2400" dirty="0"/>
-          </a:p>
-        </p:txBody>
-      </p:sp>
-      <p:sp>
-        <p:nvSpPr>
-          <p:cNvPr id="9" name="Seta para cima e para baixo 8"/>
-          <p:cNvSpPr/>
-          <p:nvPr/>
-        </p:nvSpPr>
-        <p:spPr>
-          <a:xfrm>
-            <a:off x="3307445" y="4038767"/>
-            <a:ext cx="190497" cy="271976"/>
-          </a:xfrm>
-          <a:prstGeom prst="upDownArrow">
-            <a:avLst/>
-          </a:prstGeom>
-          <a:solidFill>
-            <a:srgbClr val="FF0000"/>
-          </a:solidFill>
-          <a:ln>
-            <a:solidFill>
-              <a:srgbClr val="FF0000"/>
-            </a:solidFill>
-          </a:ln>
-        </p:spPr>
-        <p:style>
-          <a:lnRef idx="2">
-            <a:schemeClr val="accent1">
-              <a:shade val="50000"/>
-            </a:schemeClr>
-          </a:lnRef>
-          <a:fillRef idx="1">
-            <a:schemeClr val="accent1"/>
-          </a:fillRef>
-          <a:effectRef idx="0">
-            <a:schemeClr val="accent1"/>
-          </a:effectRef>
-          <a:fontRef idx="minor">
-            <a:schemeClr val="lt1"/>
-          </a:fontRef>
-        </p:style>
-        <p:txBody>
-          <a:bodyPr rtlCol="0" anchor="ctr"/>
-          <a:lstStyle/>
-          <a:p>
-            <a:pPr algn="ctr"/>
-            <a:endParaRPr lang="pt-BR"/>
-          </a:p>
-        </p:txBody>
-      </p:sp>
-      <p:sp>
-        <p:nvSpPr>
-          <p:cNvPr id="10" name="Seta para cima e para baixo 9"/>
-          <p:cNvSpPr/>
-          <p:nvPr/>
-        </p:nvSpPr>
-        <p:spPr>
-          <a:xfrm>
-            <a:off x="4722587" y="4046026"/>
-            <a:ext cx="190497" cy="271976"/>
-          </a:xfrm>
-          <a:prstGeom prst="upDownArrow">
-            <a:avLst/>
-          </a:prstGeom>
-          <a:solidFill>
-            <a:srgbClr val="FF0000"/>
-          </a:solidFill>
-          <a:ln>
-            <a:solidFill>
-              <a:srgbClr val="FF0000"/>
-            </a:solidFill>
-          </a:ln>
-        </p:spPr>
-        <p:style>
-          <a:lnRef idx="2">
-            <a:schemeClr val="accent1">
-              <a:shade val="50000"/>
-            </a:schemeClr>
-          </a:lnRef>
-          <a:fillRef idx="1">
-            <a:schemeClr val="accent1"/>
-          </a:fillRef>
-          <a:effectRef idx="0">
-            <a:schemeClr val="accent1"/>
-          </a:effectRef>
-          <a:fontRef idx="minor">
-            <a:schemeClr val="lt1"/>
-          </a:fontRef>
-        </p:style>
-        <p:txBody>
-          <a:bodyPr rtlCol="0" anchor="ctr"/>
-          <a:lstStyle/>
-          <a:p>
-            <a:pPr algn="ctr"/>
-            <a:endParaRPr lang="pt-BR"/>
-          </a:p>
-        </p:txBody>
-      </p:sp>
-      <p:sp>
-        <p:nvSpPr>
-          <p:cNvPr id="11" name="Seta para cima e para baixo 10"/>
-          <p:cNvSpPr/>
-          <p:nvPr/>
-        </p:nvSpPr>
-        <p:spPr>
-          <a:xfrm>
-            <a:off x="6333676" y="4031513"/>
-            <a:ext cx="190497" cy="271976"/>
-          </a:xfrm>
-          <a:prstGeom prst="upDownArrow">
-            <a:avLst/>
-          </a:prstGeom>
-          <a:solidFill>
-            <a:srgbClr val="FF0000"/>
-          </a:solidFill>
-          <a:ln>
-            <a:solidFill>
-              <a:srgbClr val="FF0000"/>
-            </a:solidFill>
-          </a:ln>
-        </p:spPr>
-        <p:style>
-          <a:lnRef idx="2">
-            <a:schemeClr val="accent1">
-              <a:shade val="50000"/>
-            </a:schemeClr>
-          </a:lnRef>
-          <a:fillRef idx="1">
-            <a:schemeClr val="accent1"/>
-          </a:fillRef>
-          <a:effectRef idx="0">
-            <a:schemeClr val="accent1"/>
-          </a:effectRef>
-          <a:fontRef idx="minor">
-            <a:schemeClr val="lt1"/>
-          </a:fontRef>
-        </p:style>
-        <p:txBody>
-          <a:bodyPr rtlCol="0" anchor="ctr"/>
-          <a:lstStyle/>
-          <a:p>
-            <a:pPr algn="ctr"/>
-            <a:endParaRPr lang="pt-BR"/>
-          </a:p>
-        </p:txBody>
-      </p:sp>
-      <p:sp>
-        <p:nvSpPr>
-          <p:cNvPr id="12" name="Seta para cima e para baixo 11"/>
-          <p:cNvSpPr/>
-          <p:nvPr/>
-        </p:nvSpPr>
-        <p:spPr>
-          <a:xfrm>
-            <a:off x="8089903" y="4046027"/>
-            <a:ext cx="190497" cy="271976"/>
-          </a:xfrm>
-          <a:prstGeom prst="upDownArrow">
-            <a:avLst/>
-          </a:prstGeom>
-          <a:solidFill>
-            <a:srgbClr val="FF0000"/>
-          </a:solidFill>
-          <a:ln>
-            <a:solidFill>
-              <a:srgbClr val="FF0000"/>
-            </a:solidFill>
-          </a:ln>
-        </p:spPr>
-        <p:style>
-          <a:lnRef idx="2">
-            <a:schemeClr val="accent1">
-              <a:shade val="50000"/>
-            </a:schemeClr>
-          </a:lnRef>
-          <a:fillRef idx="1">
-            <a:schemeClr val="accent1"/>
-          </a:fillRef>
-          <a:effectRef idx="0">
-            <a:schemeClr val="accent1"/>
-          </a:effectRef>
-          <a:fontRef idx="minor">
-            <a:schemeClr val="lt1"/>
-          </a:fontRef>
-        </p:style>
-        <p:txBody>
-          <a:bodyPr rtlCol="0" anchor="ctr"/>
-          <a:lstStyle/>
-          <a:p>
-            <a:pPr algn="ctr"/>
-            <a:endParaRPr lang="pt-BR"/>
+              <a:t>Eletrônico)</a:t>
+            </a:r>
+          </a:p>
+          <a:p>
+            <a:pPr marL="457200" lvl="1" indent="0">
+              <a:buNone/>
+            </a:pPr>
+            <a:r>
+              <a:rPr lang="pt-BR" sz="3200" dirty="0" smtClean="0"/>
+              <a:t>Dispositivo informatizado que:</a:t>
+            </a:r>
+          </a:p>
+          <a:p>
+            <a:pPr lvl="1"/>
+            <a:r>
+              <a:rPr lang="pt-BR" sz="3200" dirty="0" smtClean="0"/>
+              <a:t>Gerencia boa parte dos recursos do veículo</a:t>
+            </a:r>
+          </a:p>
+          <a:p>
+            <a:pPr lvl="1"/>
+            <a:r>
+              <a:rPr lang="pt-BR" sz="3200" dirty="0" smtClean="0"/>
+              <a:t>Processa as informações internas do automóvel</a:t>
+            </a:r>
+          </a:p>
+          <a:p>
+            <a:pPr lvl="1"/>
+            <a:r>
+              <a:rPr lang="pt-BR" sz="3200" dirty="0" smtClean="0"/>
+              <a:t>Podem trabalhar de maneira distribuída</a:t>
+            </a:r>
+          </a:p>
+          <a:p>
+            <a:pPr lvl="1"/>
+            <a:endParaRPr lang="pt-BR" sz="3200" dirty="0"/>
+          </a:p>
+        </p:txBody>
+      </p:sp>
+      <p:sp>
+        <p:nvSpPr>
+          <p:cNvPr id="4" name="Espaço Reservado para Número de Slide 3"/>
+          <p:cNvSpPr>
+            <a:spLocks noGrp="1"/>
+          </p:cNvSpPr>
+          <p:nvPr>
+            <p:ph type="sldNum" sz="quarter" idx="12"/>
+          </p:nvPr>
+        </p:nvSpPr>
+        <p:spPr/>
+        <p:txBody>
+          <a:bodyPr/>
+          <a:lstStyle/>
+          <a:p>
+            <a:fld id="{1993694D-D1F6-459B-8F96-561887F49A3A}" type="slidenum">
+              <a:rPr lang="pt-BR" sz="3200" smtClean="0"/>
+              <a:t>8</a:t>
+            </a:fld>
+            <a:endParaRPr lang="pt-BR" sz="3200" dirty="0"/>
           </a:p>
         </p:txBody>
       </p:sp>
     </p:spTree>
     <p:extLst>
       <p:ext uri="{BB962C8B-B14F-4D97-AF65-F5344CB8AC3E}">
-        <p14:creationId xmlns:p14="http://schemas.microsoft.com/office/powerpoint/2010/main" val="473612732"/>
+        <p14:creationId xmlns:p14="http://schemas.microsoft.com/office/powerpoint/2010/main" val="1821206534"/>
       </p:ext>
     </p:extLst>
   </p:cSld>
@@ -8595,72 +10868,120 @@
           <a:lstStyle/>
           <a:p>
             <a:r>
+              <a:rPr lang="pt-BR" sz="3600" dirty="0"/>
+              <a:t>ECU (Unidade de Controle </a:t>
+            </a:r>
+            <a:r>
               <a:rPr lang="pt-BR" sz="3600" dirty="0" smtClean="0"/>
-              <a:t>Protocolos da rede veicular interna</a:t>
-            </a:r>
-          </a:p>
-          <a:p>
-            <a:pPr marL="0" indent="0">
-              <a:buNone/>
-            </a:pPr>
-            <a:r>
-              <a:rPr lang="pt-BR" sz="3600" dirty="0" smtClean="0"/>
-              <a:t>Protocolo CAN (</a:t>
-            </a:r>
-            <a:r>
-              <a:rPr lang="pt-BR" sz="3600" dirty="0" err="1" smtClean="0"/>
-              <a:t>Controller</a:t>
-            </a:r>
-            <a:r>
-              <a:rPr lang="pt-BR" sz="3600" dirty="0" smtClean="0"/>
-              <a:t> Área Network)</a:t>
+              <a:t>Eletrônico)</a:t>
             </a:r>
           </a:p>
           <a:p>
             <a:pPr lvl="1"/>
-            <a:r>
-              <a:rPr lang="pt-BR" sz="3200" dirty="0" smtClean="0"/>
-              <a:t>Permite que sistemas embarcados automotivos se comuniquem entre si</a:t>
-            </a:r>
-          </a:p>
-          <a:p>
-            <a:pPr lvl="1"/>
-            <a:r>
-              <a:rPr lang="pt-BR" sz="3200" dirty="0" err="1" smtClean="0"/>
-              <a:t>Ex</a:t>
-            </a:r>
-            <a:r>
-              <a:rPr lang="pt-BR" sz="3200" dirty="0" smtClean="0"/>
-              <a:t>: Sensores-&gt;ECU</a:t>
-            </a:r>
-          </a:p>
-          <a:p>
-            <a:pPr marL="457200" lvl="1" indent="0">
-              <a:buNone/>
-            </a:pPr>
-            <a:r>
-              <a:rPr lang="pt-BR" sz="3200" dirty="0" smtClean="0"/>
-              <a:t>	    ECU-&gt;ECU</a:t>
-            </a:r>
-          </a:p>
-          <a:p>
-            <a:pPr marL="457200" lvl="1" indent="0">
-              <a:buNone/>
-            </a:pPr>
-            <a:r>
-              <a:rPr lang="pt-BR" sz="3200" dirty="0" smtClean="0"/>
-              <a:t>	    ECU-&gt;Atuadores</a:t>
-            </a:r>
-          </a:p>
-          <a:p>
-            <a:endParaRPr lang="pt-BR" sz="3600" dirty="0" smtClean="0"/>
+            <a:endParaRPr lang="pt-BR" sz="3200" dirty="0"/>
+          </a:p>
+        </p:txBody>
+      </p:sp>
+      <p:pic>
+        <p:nvPicPr>
+          <p:cNvPr id="1026" name="Picture 2" descr="http://www.nasscar.com.br/loja/image/cache/data/vendidos/painel%20fiesta%202010%202011/a%20ecu2-565x390.jpg"/>
+          <p:cNvPicPr>
+            <a:picLocks noChangeAspect="1" noChangeArrowheads="1"/>
+          </p:cNvPicPr>
+          <p:nvPr/>
+        </p:nvPicPr>
+        <p:blipFill>
+          <a:blip r:embed="rId3">
+            <a:extLst>
+              <a:ext uri="{28A0092B-C50C-407E-A947-70E740481C1C}">
+                <a14:useLocalDpi xmlns:a14="http://schemas.microsoft.com/office/drawing/2010/main" val="0"/>
+              </a:ext>
+            </a:extLst>
+          </a:blip>
+          <a:srcRect/>
+          <a:stretch>
+            <a:fillRect/>
+          </a:stretch>
+        </p:blipFill>
+        <p:spPr bwMode="auto">
+          <a:xfrm>
+            <a:off x="2710090" y="2462212"/>
+            <a:ext cx="5381625" cy="3714751"/>
+          </a:xfrm>
+          <a:prstGeom prst="rect">
+            <a:avLst/>
+          </a:prstGeom>
+          <a:noFill/>
+          <a:extLst>
+            <a:ext uri="{909E8E84-426E-40DD-AFC4-6F175D3DCCD1}">
+              <a14:hiddenFill xmlns:a14="http://schemas.microsoft.com/office/drawing/2010/main">
+                <a:solidFill>
+                  <a:srgbClr val="FFFFFF"/>
+                </a:solidFill>
+              </a14:hiddenFill>
+            </a:ext>
+          </a:extLst>
+        </p:spPr>
+      </p:pic>
+      <p:sp>
+        <p:nvSpPr>
+          <p:cNvPr id="5" name="Retângulo 4"/>
+          <p:cNvSpPr/>
+          <p:nvPr/>
+        </p:nvSpPr>
+        <p:spPr>
+          <a:xfrm>
+            <a:off x="1001485" y="5890220"/>
+            <a:ext cx="9448802" cy="923330"/>
+          </a:xfrm>
+          <a:prstGeom prst="rect">
+            <a:avLst/>
+          </a:prstGeom>
+        </p:spPr>
+        <p:txBody>
+          <a:bodyPr wrap="square">
+            <a:spAutoFit/>
+          </a:bodyPr>
+          <a:lstStyle/>
+          <a:p>
+            <a:r>
+              <a:rPr lang="pt-BR" dirty="0" smtClean="0"/>
+              <a:t>Fonte: http</a:t>
+            </a:r>
+            <a:r>
+              <a:rPr lang="pt-BR" dirty="0"/>
+              <a:t>://www.nasscar.com.br/loja/image/cache/data/vendidos/painel%20fiesta%202010%202011/a%20ecu2-565x390.jpg</a:t>
+            </a:r>
+          </a:p>
+        </p:txBody>
+      </p:sp>
+      <p:sp>
+        <p:nvSpPr>
+          <p:cNvPr id="6" name="Espaço Reservado para Número de Slide 5"/>
+          <p:cNvSpPr>
+            <a:spLocks noGrp="1"/>
+          </p:cNvSpPr>
+          <p:nvPr>
+            <p:ph type="sldNum" sz="quarter" idx="12"/>
+          </p:nvPr>
+        </p:nvSpPr>
+        <p:spPr/>
+        <p:txBody>
+          <a:bodyPr/>
+          <a:lstStyle/>
+          <a:p>
+            <a:fld id="{1993694D-D1F6-459B-8F96-561887F49A3A}" type="slidenum">
+              <a:rPr lang="pt-BR" sz="3200" smtClean="0"/>
+              <a:t>9</a:t>
+            </a:fld>
+            <a:endParaRPr lang="pt-BR" sz="3200"/>
           </a:p>
         </p:txBody>
       </p:sp>
     </p:spTree>
     <p:extLst>
       <p:ext uri="{BB962C8B-B14F-4D97-AF65-F5344CB8AC3E}">
-        <p14:creationId xmlns:p14="http://schemas.microsoft.com/office/powerpoint/2010/main" val="101422358"/>
+        <p14:creationId xmlns:p14="http://schemas.microsoft.com/office/powerpoint/2010/main" val="2273428100"/>
       </p:ext>
     </p:extLst>
   </p:cSld>
@@ -9197,4 +11518,265 @@
     </a:ext>
   </a:extLst>
 </a:theme>
+</file>
+
+<file path=ppt/theme/theme3.xml><?xml version="1.0" encoding="utf-8"?>
+<a:theme xmlns:a="http://schemas.openxmlformats.org/drawingml/2006/main" name="Tema do Office">
+  <a:themeElements>
+    <a:clrScheme name="Escritório">
+      <a:dk1>
+        <a:sysClr val="windowText" lastClr="000000"/>
+      </a:dk1>
+      <a:lt1>
+        <a:sysClr val="window" lastClr="FFFFFF"/>
+      </a:lt1>
+      <a:dk2>
+        <a:srgbClr val="44546A"/>
+      </a:dk2>
+      <a:lt2>
+        <a:srgbClr val="E7E6E6"/>
+      </a:lt2>
+      <a:accent1>
+        <a:srgbClr val="5B9BD5"/>
+      </a:accent1>
+      <a:accent2>
+        <a:srgbClr val="ED7D31"/>
+      </a:accent2>
+      <a:accent3>
+        <a:srgbClr val="A5A5A5"/>
+      </a:accent3>
+      <a:accent4>
+        <a:srgbClr val="FFC000"/>
+      </a:accent4>
+      <a:accent5>
+        <a:srgbClr val="4472C4"/>
+      </a:accent5>
+      <a:accent6>
+        <a:srgbClr val="70AD47"/>
+      </a:accent6>
+      <a:hlink>
+        <a:srgbClr val="0563C1"/>
+      </a:hlink>
+      <a:folHlink>
+        <a:srgbClr val="954F72"/>
+      </a:folHlink>
+    </a:clrScheme>
+    <a:fontScheme name="Escritório">
+      <a:majorFont>
+        <a:latin typeface="Calibri Light" panose="020F0302020204030204"/>
+        <a:ea typeface=""/>
+        <a:cs typeface=""/>
+        <a:font script="Jpan" typeface="ＭＳ Ｐゴシック"/>
+        <a:font script="Hang" typeface="맑은 고딕"/>
+        <a:font script="Hans" typeface="宋体"/>
+        <a:font script="Hant" typeface="新細明體"/>
+        <a:font script="Arab" typeface="Times New Roman"/>
+        <a:font script="Hebr" typeface="Times New Roman"/>
+        <a:font script="Thai" typeface="Angsana New"/>
+        <a:font script="Ethi" typeface="Nyala"/>
+        <a:font script="Beng" typeface="Vrinda"/>
+        <a:font script="Gujr" typeface="Shruti"/>
+        <a:font script="Khmr" typeface="MoolBoran"/>
+        <a:font script="Knda" typeface="Tunga"/>
+        <a:font script="Guru" typeface="Raavi"/>
+        <a:font script="Cans" typeface="Euphemia"/>
+        <a:font script="Cher" typeface="Plantagenet Cherokee"/>
+        <a:font script="Yiii" typeface="Microsoft Yi Baiti"/>
+        <a:font script="Tibt" typeface="Microsoft Himalaya"/>
+        <a:font script="Thaa" typeface="MV Boli"/>
+        <a:font script="Deva" typeface="Mangal"/>
+        <a:font script="Telu" typeface="Gautami"/>
+        <a:font script="Taml" typeface="Latha"/>
+        <a:font script="Syrc" typeface="Estrangelo Edessa"/>
+        <a:font script="Orya" typeface="Kalinga"/>
+        <a:font script="Mlym" typeface="Kartika"/>
+        <a:font script="Laoo" typeface="DokChampa"/>
+        <a:font script="Sinh" typeface="Iskoola Pota"/>
+        <a:font script="Mong" typeface="Mongolian Baiti"/>
+        <a:font script="Viet" typeface="Times New Roman"/>
+        <a:font script="Uigh" typeface="Microsoft Uighur"/>
+        <a:font script="Geor" typeface="Sylfaen"/>
+      </a:majorFont>
+      <a:minorFont>
+        <a:latin typeface="Calibri" panose="020F0502020204030204"/>
+        <a:ea typeface=""/>
+        <a:cs typeface=""/>
+        <a:font script="Jpan" typeface="ＭＳ Ｐゴシック"/>
+        <a:font script="Hang" typeface="맑은 고딕"/>
+        <a:font script="Hans" typeface="宋体"/>
+        <a:font script="Hant" typeface="新細明體"/>
+        <a:font script="Arab" typeface="Arial"/>
+        <a:font script="Hebr" typeface="Arial"/>
+        <a:font script="Thai" typeface="Cordia New"/>
+        <a:font script="Ethi" typeface="Nyala"/>
+        <a:font script="Beng" typeface="Vrinda"/>
+        <a:font script="Gujr" typeface="Shruti"/>
+        <a:font script="Khmr" typeface="DaunPenh"/>
+        <a:font script="Knda" typeface="Tunga"/>
+        <a:font script="Guru" typeface="Raavi"/>
+        <a:font script="Cans" typeface="Euphemia"/>
+        <a:font script="Cher" typeface="Plantagenet Cherokee"/>
+        <a:font script="Yiii" typeface="Microsoft Yi Baiti"/>
+        <a:font script="Tibt" typeface="Microsoft Himalaya"/>
+        <a:font script="Thaa" typeface="MV Boli"/>
+        <a:font script="Deva" typeface="Mangal"/>
+        <a:font script="Telu" typeface="Gautami"/>
+        <a:font script="Taml" typeface="Latha"/>
+        <a:font script="Syrc" typeface="Estrangelo Edessa"/>
+        <a:font script="Orya" typeface="Kalinga"/>
+        <a:font script="Mlym" typeface="Kartika"/>
+        <a:font script="Laoo" typeface="DokChampa"/>
+        <a:font script="Sinh" typeface="Iskoola Pota"/>
+        <a:font script="Mong" typeface="Mongolian Baiti"/>
+        <a:font script="Viet" typeface="Arial"/>
+        <a:font script="Uigh" typeface="Microsoft Uighur"/>
+        <a:font script="Geor" typeface="Sylfaen"/>
+      </a:minorFont>
+    </a:fontScheme>
+    <a:fmtScheme name="Escritório">
+      <a:fillStyleLst>
+        <a:solidFill>
+          <a:schemeClr val="phClr"/>
+        </a:solidFill>
+        <a:gradFill rotWithShape="1">
+          <a:gsLst>
+            <a:gs pos="0">
+              <a:schemeClr val="phClr">
+                <a:lumMod val="110000"/>
+                <a:satMod val="105000"/>
+                <a:tint val="67000"/>
+              </a:schemeClr>
+            </a:gs>
+            <a:gs pos="50000">
+              <a:schemeClr val="phClr">
+                <a:lumMod val="105000"/>
+                <a:satMod val="103000"/>
+                <a:tint val="73000"/>
+              </a:schemeClr>
+            </a:gs>
+            <a:gs pos="100000">
+              <a:schemeClr val="phClr">
+                <a:lumMod val="105000"/>
+                <a:satMod val="109000"/>
+                <a:tint val="81000"/>
+              </a:schemeClr>
+            </a:gs>
+          </a:gsLst>
+          <a:lin ang="5400000" scaled="0"/>
+        </a:gradFill>
+        <a:gradFill rotWithShape="1">
+          <a:gsLst>
+            <a:gs pos="0">
+              <a:schemeClr val="phClr">
+                <a:satMod val="103000"/>
+                <a:lumMod val="102000"/>
+                <a:tint val="94000"/>
+              </a:schemeClr>
+            </a:gs>
+            <a:gs pos="50000">
+              <a:schemeClr val="phClr">
+                <a:satMod val="110000"/>
+                <a:lumMod val="100000"/>
+                <a:shade val="100000"/>
+              </a:schemeClr>
+            </a:gs>
+            <a:gs pos="100000">
+              <a:schemeClr val="phClr">
+                <a:lumMod val="99000"/>
+                <a:satMod val="120000"/>
+                <a:shade val="78000"/>
+              </a:schemeClr>
+            </a:gs>
+          </a:gsLst>
+          <a:lin ang="5400000" scaled="0"/>
+        </a:gradFill>
+      </a:fillStyleLst>
+      <a:lnStyleLst>
+        <a:ln w="6350" cap="flat" cmpd="sng" algn="ctr">
+          <a:solidFill>
+            <a:schemeClr val="phClr"/>
+          </a:solidFill>
+          <a:prstDash val="solid"/>
+          <a:miter lim="800000"/>
+        </a:ln>
+        <a:ln w="12700" cap="flat" cmpd="sng" algn="ctr">
+          <a:solidFill>
+            <a:schemeClr val="phClr"/>
+          </a:solidFill>
+          <a:prstDash val="solid"/>
+          <a:miter lim="800000"/>
+        </a:ln>
+        <a:ln w="19050" cap="flat" cmpd="sng" algn="ctr">
+          <a:solidFill>
+            <a:schemeClr val="phClr"/>
+          </a:solidFill>
+          <a:prstDash val="solid"/>
+          <a:miter lim="800000"/>
+        </a:ln>
+      </a:lnStyleLst>
+      <a:effectStyleLst>
+        <a:effectStyle>
+          <a:effectLst/>
+        </a:effectStyle>
+        <a:effectStyle>
+          <a:effectLst/>
+        </a:effectStyle>
+        <a:effectStyle>
+          <a:effectLst>
+            <a:outerShdw blurRad="57150" dist="19050" dir="5400000" algn="ctr" rotWithShape="0">
+              <a:srgbClr val="000000">
+                <a:alpha val="63000"/>
+              </a:srgbClr>
+            </a:outerShdw>
+          </a:effectLst>
+        </a:effectStyle>
+      </a:effectStyleLst>
+      <a:bgFillStyleLst>
+        <a:solidFill>
+          <a:schemeClr val="phClr"/>
+        </a:solidFill>
+        <a:solidFill>
+          <a:schemeClr val="phClr">
+            <a:tint val="95000"/>
+            <a:satMod val="170000"/>
+          </a:schemeClr>
+        </a:solidFill>
+        <a:gradFill rotWithShape="1">
+          <a:gsLst>
+            <a:gs pos="0">
+              <a:schemeClr val="phClr">
+                <a:tint val="93000"/>
+                <a:satMod val="150000"/>
+                <a:shade val="98000"/>
+                <a:lumMod val="102000"/>
+              </a:schemeClr>
+            </a:gs>
+            <a:gs pos="50000">
+              <a:schemeClr val="phClr">
+                <a:tint val="98000"/>
+                <a:satMod val="130000"/>
+                <a:shade val="90000"/>
+                <a:lumMod val="103000"/>
+              </a:schemeClr>
+            </a:gs>
+            <a:gs pos="100000">
+              <a:schemeClr val="phClr">
+                <a:shade val="63000"/>
+                <a:satMod val="120000"/>
+              </a:schemeClr>
+            </a:gs>
+          </a:gsLst>
+          <a:lin ang="5400000" scaled="0"/>
+        </a:gradFill>
+      </a:bgFillStyleLst>
+    </a:fmtScheme>
+  </a:themeElements>
+  <a:objectDefaults/>
+  <a:extraClrSchemeLst/>
+  <a:extLst>
+    <a:ext uri="{05A4C25C-085E-4340-85A3-A5531E510DB2}">
+      <thm15:themeFamily xmlns:thm15="http://schemas.microsoft.com/office/thememl/2012/main" name="Office Theme" id="{62F939B6-93AF-4DB8-9C6B-D6C7DFDC589F}" vid="{4A3C46E8-61CC-4603-A589-7422A47A8E4A}"/>
+    </a:ext>
+  </a:extLst>
+</a:theme>
 </file>
--- a/TCC-documentos/Apresentacao/TCC_v3.pptx
+++ b/TCC-documentos/Apresentacao/TCC_v3.pptx
@@ -234,7 +234,7 @@
           <a:p>
             <a:fld id="{1AD253F0-9F7B-43E2-860F-805FECE88C0E}" type="datetimeFigureOut">
               <a:rPr lang="pt-BR" smtClean="0"/>
-              <a:t>10/09/2017</a:t>
+              <a:t>12/09/2017</a:t>
             </a:fld>
             <a:endParaRPr lang="pt-BR"/>
           </a:p>
@@ -400,7 +400,7 @@
           <a:p>
             <a:fld id="{6F9B13F0-AD01-4A97-8BF1-3C60F0438B51}" type="datetimeFigureOut">
               <a:rPr lang="pt-BR" smtClean="0"/>
-              <a:t>10/09/2017</a:t>
+              <a:t>12/09/2017</a:t>
             </a:fld>
             <a:endParaRPr lang="pt-BR"/>
           </a:p>
@@ -1604,7 +1604,7 @@
           <a:p>
             <a:fld id="{F471F38B-4E73-4DA5-B5E1-E5A9D0323CCB}" type="datetimeFigureOut">
               <a:rPr lang="pt-BR" smtClean="0"/>
-              <a:t>10/09/2017</a:t>
+              <a:t>12/09/2017</a:t>
             </a:fld>
             <a:endParaRPr lang="pt-BR"/>
           </a:p>
@@ -1774,7 +1774,7 @@
           <a:p>
             <a:fld id="{F471F38B-4E73-4DA5-B5E1-E5A9D0323CCB}" type="datetimeFigureOut">
               <a:rPr lang="pt-BR" smtClean="0"/>
-              <a:t>10/09/2017</a:t>
+              <a:t>12/09/2017</a:t>
             </a:fld>
             <a:endParaRPr lang="pt-BR"/>
           </a:p>
@@ -1954,7 +1954,7 @@
           <a:p>
             <a:fld id="{F471F38B-4E73-4DA5-B5E1-E5A9D0323CCB}" type="datetimeFigureOut">
               <a:rPr lang="pt-BR" smtClean="0"/>
-              <a:t>10/09/2017</a:t>
+              <a:t>12/09/2017</a:t>
             </a:fld>
             <a:endParaRPr lang="pt-BR"/>
           </a:p>
@@ -2124,7 +2124,7 @@
           <a:p>
             <a:fld id="{F471F38B-4E73-4DA5-B5E1-E5A9D0323CCB}" type="datetimeFigureOut">
               <a:rPr lang="pt-BR" smtClean="0"/>
-              <a:t>10/09/2017</a:t>
+              <a:t>12/09/2017</a:t>
             </a:fld>
             <a:endParaRPr lang="pt-BR"/>
           </a:p>
@@ -2370,7 +2370,7 @@
           <a:p>
             <a:fld id="{F471F38B-4E73-4DA5-B5E1-E5A9D0323CCB}" type="datetimeFigureOut">
               <a:rPr lang="pt-BR" smtClean="0"/>
-              <a:t>10/09/2017</a:t>
+              <a:t>12/09/2017</a:t>
             </a:fld>
             <a:endParaRPr lang="pt-BR"/>
           </a:p>
@@ -2602,7 +2602,7 @@
           <a:p>
             <a:fld id="{F471F38B-4E73-4DA5-B5E1-E5A9D0323CCB}" type="datetimeFigureOut">
               <a:rPr lang="pt-BR" smtClean="0"/>
-              <a:t>10/09/2017</a:t>
+              <a:t>12/09/2017</a:t>
             </a:fld>
             <a:endParaRPr lang="pt-BR"/>
           </a:p>
@@ -2969,7 +2969,7 @@
           <a:p>
             <a:fld id="{F471F38B-4E73-4DA5-B5E1-E5A9D0323CCB}" type="datetimeFigureOut">
               <a:rPr lang="pt-BR" smtClean="0"/>
-              <a:t>10/09/2017</a:t>
+              <a:t>12/09/2017</a:t>
             </a:fld>
             <a:endParaRPr lang="pt-BR"/>
           </a:p>
@@ -3087,7 +3087,7 @@
           <a:p>
             <a:fld id="{F471F38B-4E73-4DA5-B5E1-E5A9D0323CCB}" type="datetimeFigureOut">
               <a:rPr lang="pt-BR" smtClean="0"/>
-              <a:t>10/09/2017</a:t>
+              <a:t>12/09/2017</a:t>
             </a:fld>
             <a:endParaRPr lang="pt-BR"/>
           </a:p>
@@ -3182,7 +3182,7 @@
           <a:p>
             <a:fld id="{F471F38B-4E73-4DA5-B5E1-E5A9D0323CCB}" type="datetimeFigureOut">
               <a:rPr lang="pt-BR" smtClean="0"/>
-              <a:t>10/09/2017</a:t>
+              <a:t>12/09/2017</a:t>
             </a:fld>
             <a:endParaRPr lang="pt-BR"/>
           </a:p>
@@ -3459,7 +3459,7 @@
           <a:p>
             <a:fld id="{F471F38B-4E73-4DA5-B5E1-E5A9D0323CCB}" type="datetimeFigureOut">
               <a:rPr lang="pt-BR" smtClean="0"/>
-              <a:t>10/09/2017</a:t>
+              <a:t>12/09/2017</a:t>
             </a:fld>
             <a:endParaRPr lang="pt-BR"/>
           </a:p>
@@ -3712,7 +3712,7 @@
           <a:p>
             <a:fld id="{F471F38B-4E73-4DA5-B5E1-E5A9D0323CCB}" type="datetimeFigureOut">
               <a:rPr lang="pt-BR" smtClean="0"/>
-              <a:t>10/09/2017</a:t>
+              <a:t>12/09/2017</a:t>
             </a:fld>
             <a:endParaRPr lang="pt-BR"/>
           </a:p>
@@ -3925,7 +3925,7 @@
           <a:p>
             <a:fld id="{F471F38B-4E73-4DA5-B5E1-E5A9D0323CCB}" type="datetimeFigureOut">
               <a:rPr lang="pt-BR" smtClean="0"/>
-              <a:t>10/09/2017</a:t>
+              <a:t>12/09/2017</a:t>
             </a:fld>
             <a:endParaRPr lang="pt-BR"/>
           </a:p>
@@ -5095,11 +5095,7 @@
             </a:r>
             <a:r>
               <a:rPr lang="pt-BR" sz="3600" dirty="0" smtClean="0"/>
-              <a:t> </a:t>
-            </a:r>
-            <a:r>
-              <a:rPr lang="pt-BR" sz="3600" dirty="0" smtClean="0"/>
-              <a:t>Network)</a:t>
+              <a:t> Network)</a:t>
             </a:r>
           </a:p>
           <a:p>
@@ -5800,7 +5796,7 @@
             </a:r>
             <a:r>
               <a:rPr lang="pt-BR" sz="3200" dirty="0" smtClean="0"/>
-              <a:t> (“Modo)</a:t>
+              <a:t> (“Modo”)</a:t>
             </a:r>
           </a:p>
           <a:p>
@@ -5830,7 +5826,7 @@
             <a:pPr lvl="1"/>
             <a:r>
               <a:rPr lang="pt-BR" sz="3200" dirty="0" smtClean="0"/>
-              <a:t>2º Byte =&gt; PID (“Id de parâmetro)</a:t>
+              <a:t>2º Byte =&gt; PID (“Id de parâmetro”)</a:t>
             </a:r>
             <a:endParaRPr lang="pt-BR" sz="2800" dirty="0" smtClean="0"/>
           </a:p>
@@ -7355,7 +7351,6 @@
               <a:rPr lang="pt-BR" sz="3600" dirty="0" smtClean="0"/>
               <a:t>Cronograma</a:t>
             </a:r>
-            <a:endParaRPr lang="pt-BR" sz="3600" dirty="0" smtClean="0"/>
           </a:p>
         </p:txBody>
       </p:sp>
@@ -8517,9 +8512,32 @@
           </a:p>
         </p:txBody>
       </p:sp>
+      <p:sp>
+        <p:nvSpPr>
+          <p:cNvPr id="5" name="Espaço Reservado para Número de Slide 4"/>
+          <p:cNvSpPr>
+            <a:spLocks noGrp="1"/>
+          </p:cNvSpPr>
+          <p:nvPr>
+            <p:ph type="sldNum" sz="quarter" idx="12"/>
+          </p:nvPr>
+        </p:nvSpPr>
+        <p:spPr/>
+        <p:txBody>
+          <a:bodyPr/>
+          <a:lstStyle/>
+          <a:p>
+            <a:fld id="{1993694D-D1F6-459B-8F96-561887F49A3A}" type="slidenum">
+              <a:rPr lang="pt-BR" sz="3200" smtClean="0"/>
+              <a:t>27</a:t>
+            </a:fld>
+            <a:endParaRPr lang="pt-BR" sz="3200"/>
+          </a:p>
+        </p:txBody>
+      </p:sp>
       <p:pic>
         <p:nvPicPr>
-          <p:cNvPr id="4" name="Imagem 3"/>
+          <p:cNvPr id="6" name="Imagem 5"/>
           <p:cNvPicPr>
             <a:picLocks noChangeAspect="1"/>
           </p:cNvPicPr>
@@ -8533,37 +8551,14 @@
         </p:blipFill>
         <p:spPr>
           <a:xfrm>
-            <a:off x="258993" y="1912709"/>
-            <a:ext cx="11744325" cy="3676650"/>
+            <a:off x="204787" y="1571625"/>
+            <a:ext cx="11782425" cy="3714750"/>
           </a:xfrm>
           <a:prstGeom prst="rect">
             <a:avLst/>
           </a:prstGeom>
         </p:spPr>
       </p:pic>
-      <p:sp>
-        <p:nvSpPr>
-          <p:cNvPr id="5" name="Espaço Reservado para Número de Slide 4"/>
-          <p:cNvSpPr>
-            <a:spLocks noGrp="1"/>
-          </p:cNvSpPr>
-          <p:nvPr>
-            <p:ph type="sldNum" sz="quarter" idx="12"/>
-          </p:nvPr>
-        </p:nvSpPr>
-        <p:spPr/>
-        <p:txBody>
-          <a:bodyPr/>
-          <a:lstStyle/>
-          <a:p>
-            <a:fld id="{1993694D-D1F6-459B-8F96-561887F49A3A}" type="slidenum">
-              <a:rPr lang="pt-BR" sz="3200" smtClean="0"/>
-              <a:t>27</a:t>
-            </a:fld>
-            <a:endParaRPr lang="pt-BR" sz="3200"/>
-          </a:p>
-        </p:txBody>
-      </p:sp>
     </p:spTree>
     <p:extLst>
       <p:ext uri="{BB962C8B-B14F-4D97-AF65-F5344CB8AC3E}">
@@ -10172,7 +10167,7 @@
           <a:p>
             <a:r>
               <a:rPr lang="pt-BR" sz="3200" dirty="0" smtClean="0"/>
-              <a:t>Carros à manivela</a:t>
+              <a:t>Carros a manivela</a:t>
             </a:r>
           </a:p>
           <a:p>
